--- a/OS.pptx
+++ b/OS.pptx
@@ -3,20 +3,23 @@
 <p:presentation xmlns:a="http://schemas.openxmlformats.org/drawingml/2006/main" xmlns:r="http://schemas.openxmlformats.org/officeDocument/2006/relationships" xmlns:p="http://schemas.openxmlformats.org/presentationml/2006/main" saveSubsetFonts="1">
   <p:sldMasterIdLst>
     <p:sldMasterId id="2147483648" r:id="rId1"/>
+    <p:sldMasterId id="2147483660" r:id="rId2"/>
   </p:sldMasterIdLst>
   <p:sldIdLst>
-    <p:sldId id="256" r:id="rId2"/>
-    <p:sldId id="257" r:id="rId3"/>
-    <p:sldId id="258" r:id="rId4"/>
-    <p:sldId id="259" r:id="rId5"/>
-    <p:sldId id="260" r:id="rId6"/>
-    <p:sldId id="261" r:id="rId7"/>
-    <p:sldId id="262" r:id="rId8"/>
-    <p:sldId id="263" r:id="rId9"/>
-    <p:sldId id="264" r:id="rId10"/>
-    <p:sldId id="265" r:id="rId11"/>
-    <p:sldId id="266" r:id="rId12"/>
-    <p:sldId id="267" r:id="rId13"/>
+    <p:sldId id="256" r:id="rId3"/>
+    <p:sldId id="257" r:id="rId4"/>
+    <p:sldId id="269" r:id="rId5"/>
+    <p:sldId id="258" r:id="rId6"/>
+    <p:sldId id="259" r:id="rId7"/>
+    <p:sldId id="260" r:id="rId8"/>
+    <p:sldId id="261" r:id="rId9"/>
+    <p:sldId id="262" r:id="rId10"/>
+    <p:sldId id="263" r:id="rId11"/>
+    <p:sldId id="264" r:id="rId12"/>
+    <p:sldId id="265" r:id="rId13"/>
+    <p:sldId id="266" r:id="rId14"/>
+    <p:sldId id="267" r:id="rId15"/>
+    <p:sldId id="268" r:id="rId16"/>
   </p:sldIdLst>
   <p:sldSz cx="12192000" cy="6858000"/>
   <p:notesSz cx="6858000" cy="9144000"/>
@@ -115,10 +118,539 @@
       </a:defRPr>
     </a:lvl9pPr>
   </p:defaultTextStyle>
+  <p:extLst>
+    <p:ext uri="{EFAFB233-063F-42B5-8137-9DF3F51BA10A}">
+      <p15:sldGuideLst xmlns:p15="http://schemas.microsoft.com/office/powerpoint/2012/main"/>
+    </p:ext>
+  </p:extLst>
 </p:presentation>
 </file>
 
+<file path=ppt/revisionInfo.xml><?xml version="1.0" encoding="utf-8"?>
+<p1510:revInfo xmlns:a="http://schemas.openxmlformats.org/drawingml/2006/main" xmlns:r="http://schemas.openxmlformats.org/officeDocument/2006/relationships" xmlns:p1510="http://schemas.microsoft.com/office/powerpoint/2015/10/main">
+  <p1510:revLst>
+    <p1510:client id="{0691B720-7FD2-4ED9-B8F5-A684BCF955AF}" v="3" dt="2023-01-09T14:15:16.999"/>
+  </p1510:revLst>
+</p1510:revInfo>
+</file>
+
+<file path=ppt/changesInfos/changesInfo1.xml><?xml version="1.0" encoding="utf-8"?>
+<pc:chgInfo xmlns:a="http://schemas.openxmlformats.org/drawingml/2006/main" xmlns:r="http://schemas.openxmlformats.org/officeDocument/2006/relationships" xmlns:ac="http://schemas.microsoft.com/office/drawing/2013/main/command" xmlns:pc="http://schemas.microsoft.com/office/powerpoint/2013/main/command">
+  <pc:docChgLst>
+    <pc:chgData name="Joseph Cauvy-Foster (Student)" userId="35a9b5c0-30ed-4069-9482-a130ce86deaa" providerId="ADAL" clId="{0691B720-7FD2-4ED9-B8F5-A684BCF955AF}"/>
+    <pc:docChg chg="undo custSel modSld">
+      <pc:chgData name="Joseph Cauvy-Foster (Student)" userId="35a9b5c0-30ed-4069-9482-a130ce86deaa" providerId="ADAL" clId="{0691B720-7FD2-4ED9-B8F5-A684BCF955AF}" dt="2023-01-09T14:15:46.657" v="364" actId="115"/>
+      <pc:docMkLst>
+        <pc:docMk/>
+      </pc:docMkLst>
+      <pc:sldChg chg="addSp delSp modSp mod">
+        <pc:chgData name="Joseph Cauvy-Foster (Student)" userId="35a9b5c0-30ed-4069-9482-a130ce86deaa" providerId="ADAL" clId="{0691B720-7FD2-4ED9-B8F5-A684BCF955AF}" dt="2023-01-09T14:15:26.092" v="360" actId="20577"/>
+        <pc:sldMkLst>
+          <pc:docMk/>
+          <pc:sldMk cId="2678984468" sldId="257"/>
+        </pc:sldMkLst>
+        <pc:spChg chg="mod">
+          <ac:chgData name="Joseph Cauvy-Foster (Student)" userId="35a9b5c0-30ed-4069-9482-a130ce86deaa" providerId="ADAL" clId="{0691B720-7FD2-4ED9-B8F5-A684BCF955AF}" dt="2023-01-09T14:15:26.092" v="360" actId="20577"/>
+          <ac:spMkLst>
+            <pc:docMk/>
+            <pc:sldMk cId="2678984468" sldId="257"/>
+            <ac:spMk id="2" creationId="{98F74F45-4559-0441-0974-B1A931A03A70}"/>
+          </ac:spMkLst>
+        </pc:spChg>
+        <pc:spChg chg="mod">
+          <ac:chgData name="Joseph Cauvy-Foster (Student)" userId="35a9b5c0-30ed-4069-9482-a130ce86deaa" providerId="ADAL" clId="{0691B720-7FD2-4ED9-B8F5-A684BCF955AF}" dt="2023-01-09T14:11:23.085" v="352" actId="20577"/>
+          <ac:spMkLst>
+            <pc:docMk/>
+            <pc:sldMk cId="2678984468" sldId="257"/>
+            <ac:spMk id="3" creationId="{8EFD559B-1484-B8AF-2E34-CF4B3C95F3CD}"/>
+          </ac:spMkLst>
+        </pc:spChg>
+        <pc:grpChg chg="mod">
+          <ac:chgData name="Joseph Cauvy-Foster (Student)" userId="35a9b5c0-30ed-4069-9482-a130ce86deaa" providerId="ADAL" clId="{0691B720-7FD2-4ED9-B8F5-A684BCF955AF}" dt="2023-01-09T14:15:16.999" v="358"/>
+          <ac:grpSpMkLst>
+            <pc:docMk/>
+            <pc:sldMk cId="2678984468" sldId="257"/>
+            <ac:grpSpMk id="11" creationId="{CA1EABF9-ADA8-C10B-20C6-9F9D99F7E5B6}"/>
+          </ac:grpSpMkLst>
+        </pc:grpChg>
+        <pc:picChg chg="add mod">
+          <ac:chgData name="Joseph Cauvy-Foster (Student)" userId="35a9b5c0-30ed-4069-9482-a130ce86deaa" providerId="ADAL" clId="{0691B720-7FD2-4ED9-B8F5-A684BCF955AF}" dt="2023-01-09T14:07:40.992" v="123" actId="1076"/>
+          <ac:picMkLst>
+            <pc:docMk/>
+            <pc:sldMk cId="2678984468" sldId="257"/>
+            <ac:picMk id="5" creationId="{3924EB77-F5AC-D6A1-DFFA-D1D80A694227}"/>
+          </ac:picMkLst>
+        </pc:picChg>
+        <pc:picChg chg="add mod ord">
+          <ac:chgData name="Joseph Cauvy-Foster (Student)" userId="35a9b5c0-30ed-4069-9482-a130ce86deaa" providerId="ADAL" clId="{0691B720-7FD2-4ED9-B8F5-A684BCF955AF}" dt="2023-01-09T14:08:19.537" v="175" actId="167"/>
+          <ac:picMkLst>
+            <pc:docMk/>
+            <pc:sldMk cId="2678984468" sldId="257"/>
+            <ac:picMk id="7" creationId="{142B6578-97A7-9DA6-B9D6-1B9166788BEC}"/>
+          </ac:picMkLst>
+        </pc:picChg>
+        <pc:inkChg chg="add del">
+          <ac:chgData name="Joseph Cauvy-Foster (Student)" userId="35a9b5c0-30ed-4069-9482-a130ce86deaa" providerId="ADAL" clId="{0691B720-7FD2-4ED9-B8F5-A684BCF955AF}" dt="2023-01-09T14:15:11.052" v="355" actId="9405"/>
+          <ac:inkMkLst>
+            <pc:docMk/>
+            <pc:sldMk cId="2678984468" sldId="257"/>
+            <ac:inkMk id="8" creationId="{C23526B6-EEE3-94F0-C9CD-DFFF08F6148E}"/>
+          </ac:inkMkLst>
+        </pc:inkChg>
+        <pc:inkChg chg="add mod">
+          <ac:chgData name="Joseph Cauvy-Foster (Student)" userId="35a9b5c0-30ed-4069-9482-a130ce86deaa" providerId="ADAL" clId="{0691B720-7FD2-4ED9-B8F5-A684BCF955AF}" dt="2023-01-09T14:15:16.999" v="358"/>
+          <ac:inkMkLst>
+            <pc:docMk/>
+            <pc:sldMk cId="2678984468" sldId="257"/>
+            <ac:inkMk id="9" creationId="{B9C0C0A4-BABE-FC87-7F5A-DEE1CDAE67DF}"/>
+          </ac:inkMkLst>
+        </pc:inkChg>
+        <pc:inkChg chg="add mod">
+          <ac:chgData name="Joseph Cauvy-Foster (Student)" userId="35a9b5c0-30ed-4069-9482-a130ce86deaa" providerId="ADAL" clId="{0691B720-7FD2-4ED9-B8F5-A684BCF955AF}" dt="2023-01-09T14:15:16.999" v="358"/>
+          <ac:inkMkLst>
+            <pc:docMk/>
+            <pc:sldMk cId="2678984468" sldId="257"/>
+            <ac:inkMk id="10" creationId="{2FA24643-4576-DC69-A2CB-442A633FCE29}"/>
+          </ac:inkMkLst>
+        </pc:inkChg>
+      </pc:sldChg>
+      <pc:sldChg chg="modSp mod delDesignElem">
+        <pc:chgData name="Joseph Cauvy-Foster (Student)" userId="35a9b5c0-30ed-4069-9482-a130ce86deaa" providerId="ADAL" clId="{0691B720-7FD2-4ED9-B8F5-A684BCF955AF}" dt="2023-01-09T14:15:46.657" v="364" actId="115"/>
+        <pc:sldMkLst>
+          <pc:docMk/>
+          <pc:sldMk cId="3189902606" sldId="269"/>
+        </pc:sldMkLst>
+        <pc:spChg chg="mod">
+          <ac:chgData name="Joseph Cauvy-Foster (Student)" userId="35a9b5c0-30ed-4069-9482-a130ce86deaa" providerId="ADAL" clId="{0691B720-7FD2-4ED9-B8F5-A684BCF955AF}" dt="2023-01-09T14:15:46.657" v="364" actId="115"/>
+          <ac:spMkLst>
+            <pc:docMk/>
+            <pc:sldMk cId="3189902606" sldId="269"/>
+            <ac:spMk id="2" creationId="{85C83770-89B9-FA4D-66FB-762274A4538B}"/>
+          </ac:spMkLst>
+        </pc:spChg>
+      </pc:sldChg>
+    </pc:docChg>
+  </pc:docChgLst>
+</pc:chgInfo>
+</file>
+
 <file path=ppt/ink/ink1.xml><?xml version="1.0" encoding="utf-8"?>
+<inkml:ink xmlns:inkml="http://www.w3.org/2003/InkML">
+  <inkml:definitions>
+    <inkml:context xml:id="ctx0">
+      <inkml:inkSource xml:id="inkSrc0">
+        <inkml:traceFormat>
+          <inkml:channel name="X" type="integer" min="-2.14748E9" max="2.14748E9" units="cm"/>
+          <inkml:channel name="Y" type="integer" min="-2.14748E9" max="2.14748E9" units="cm"/>
+          <inkml:channel name="F" type="integer" max="32767" units="dev"/>
+          <inkml:channel name="OA" type="integer" max="360" units="deg"/>
+          <inkml:channel name="OE" type="integer" max="90" units="deg"/>
+        </inkml:traceFormat>
+        <inkml:channelProperties>
+          <inkml:channelProperty channel="X" name="resolution" value="1000" units="1/cm"/>
+          <inkml:channelProperty channel="Y" name="resolution" value="1000" units="1/cm"/>
+          <inkml:channelProperty channel="F" name="resolution" value="0" units="1/dev"/>
+          <inkml:channelProperty channel="OA" name="resolution" value="1000" units="1/deg"/>
+          <inkml:channelProperty channel="OE" name="resolution" value="1000" units="1/deg"/>
+        </inkml:channelProperties>
+      </inkml:inkSource>
+      <inkml:timestamp xml:id="ts0" timeString="2023-01-09T14:15:15.545"/>
+    </inkml:context>
+    <inkml:brush xml:id="br0">
+      <inkml:brushProperty name="width" value="0.05" units="cm"/>
+      <inkml:brushProperty name="height" value="0.05" units="cm"/>
+      <inkml:brushProperty name="color" value="#E71224"/>
+    </inkml:brush>
+  </inkml:definitions>
+  <inkml:trace contextRef="#ctx0" brushRef="#br0">0 943 919 0 0,'3'-1'67'0'0,"1"-1"752"0"0,1 0 1 0 0,-1 0-1 0 0,1 0 0 0 0,-1-1 1 0 0,0 0-1 0 0,0 0 0 0 0,0 0 1 0 0,-1 0-1 0 0,6-6 0 0 0,18-14 325 0 0,-3 6-644 0 0,-12 7-263 0 0,1 1-1 0 0,15-7 1 0 0,84-45 453 0 0,-50 30-549 0 0,159-77 123 0 0,-151 78-78 0 0,92-26-1 0 0,16 4 87 0 0,466-119 686 0 0,120 32-164 0 0,-583 108-554 0 0,28-4 11 0 0,9 6-134 0 0,272-30 158 0 0,-317 49-193 0 0,23-2-7 0 0,-10 1-16 0 0,264 18 0 0 0,-311-2-48 0 0,22 1-12 0 0,153 30 65 0 0,-170-15-54 0 0,27 4 118 0 0,84 35 73 0 0,-164-37-164 0 0,164 49-26 0 0,-99-25 43 0 0,-45-13-1 0 0,181 71-40 0 0,-101-32-16 0 0,96 30 63 0 0,-68-18 24 0 0,180 70 54 0 0,-285-101-75 0 0,149 94 0 0 0,-67-13 0 0 0,-96-65 18 0 0,110 84 1666 0 0,-166-116-2246 0 0,-1 1 1 0 0,63 77-1 0 0,36 68 780 0 0,-124-160-25 0 0,-2-2 35 0 0,10 14-788 0 0,61 65 1 0 0,-59-75-774 0 0</inkml:trace>
+</inkml:ink>
+</file>
+
+<file path=ppt/ink/ink10.xml><?xml version="1.0" encoding="utf-8"?>
+<inkml:ink xmlns:inkml="http://www.w3.org/2003/InkML">
+  <inkml:definitions>
+    <inkml:context xml:id="ctx0">
+      <inkml:inkSource xml:id="inkSrc0">
+        <inkml:traceFormat>
+          <inkml:channel name="X" type="integer" min="-2.14748E9" max="2.14748E9" units="cm"/>
+          <inkml:channel name="Y" type="integer" min="-2.14748E9" max="2.14748E9" units="cm"/>
+          <inkml:channel name="F" type="integer" max="32767" units="dev"/>
+          <inkml:channel name="OA" type="integer" max="360" units="deg"/>
+          <inkml:channel name="OE" type="integer" max="90" units="deg"/>
+        </inkml:traceFormat>
+        <inkml:channelProperties>
+          <inkml:channelProperty channel="X" name="resolution" value="1000" units="1/cm"/>
+          <inkml:channelProperty channel="Y" name="resolution" value="1000" units="1/cm"/>
+          <inkml:channelProperty channel="F" name="resolution" value="0" units="1/dev"/>
+          <inkml:channelProperty channel="OA" name="resolution" value="1000" units="1/deg"/>
+          <inkml:channelProperty channel="OE" name="resolution" value="1000" units="1/deg"/>
+        </inkml:channelProperties>
+      </inkml:inkSource>
+      <inkml:timestamp xml:id="ts0" timeString="2023-01-09T13:41:22.079"/>
+    </inkml:context>
+    <inkml:brush xml:id="br0">
+      <inkml:brushProperty name="width" value="0.05" units="cm"/>
+      <inkml:brushProperty name="height" value="0.05" units="cm"/>
+      <inkml:brushProperty name="color" value="#E71224"/>
+    </inkml:brush>
+  </inkml:definitions>
+  <inkml:trace contextRef="#ctx0" brushRef="#br0">3976 0 2303 0 0,'0'0'7564'0'0,"-11"5"-5460"0"0,6-2-1607 0 0,1-1-1 0 0,0 1 1 0 0,0 0-1 0 0,0 0 1 0 0,1 1-1 0 0,-1-1 1 0 0,1 1-1 0 0,0 0 1 0 0,0 0-1 0 0,-3 4 1 0 0,-26 47 1076 0 0,30-51-1496 0 0,-5 11 169 0 0,1 1 0 0 0,1 1 0 0 0,-7 31 0 0 0,5-20-26 0 0,2-7-73 0 0,1-1 34 0 0,-1-1-1 0 0,-12 28 0 0 0,-103 190 703 0 0,101-199-801 0 0,11-20-38 0 0,-1-1 1 0 0,-15 22 0 0 0,-44 60 48 0 0,27-38-29 0 0,25-40-41 0 0,-2-1-1 0 0,-26 25 0 0 0,14-14-25 0 0,9-12 22 0 0,0-2 0 0 0,-1 0 0 0 0,-32 18 0 0 0,13-8 37 0 0,-222 148 84 0 0,68-57-108 0 0,140-91-16 0 0,-99 37 0 0 0,-30-8 52 0 0,65-21-19 0 0,-97 14 39 0 0,51-14 136 0 0,-28 19-66 0 0,-198 52 151 0 0,324-84-261 0 0,-127 62 0 0 0,51-18-8 0 0,-2 0-40 0 0,113-50 0 0 0,-4 2 0 0 0,-72 31 0 0 0,30-16 0 0 0,-20 7 0 0 0,61-25 0 0 0,-53 30 0 0 0,-19 9 0 0 0,93-47 0 0 0,-1 2 0 0 0,1 0 0 0 0,1 0 0 0 0,-1 2 0 0 0,2 0 0 0 0,-1 0 0 0 0,2 2 0 0 0,0 0 0 0 0,-23 28 0 0 0,30-33 0 0 0,1-1-12 0 0,-4 9-198 0 0</inkml:trace>
+</inkml:ink>
+</file>
+
+<file path=ppt/ink/ink11.xml><?xml version="1.0" encoding="utf-8"?>
+<inkml:ink xmlns:inkml="http://www.w3.org/2003/InkML">
+  <inkml:definitions>
+    <inkml:context xml:id="ctx0">
+      <inkml:inkSource xml:id="inkSrc0">
+        <inkml:traceFormat>
+          <inkml:channel name="X" type="integer" min="-2.14748E9" max="2.14748E9" units="cm"/>
+          <inkml:channel name="Y" type="integer" min="-2.14748E9" max="2.14748E9" units="cm"/>
+          <inkml:channel name="F" type="integer" max="32767" units="dev"/>
+          <inkml:channel name="OA" type="integer" max="360" units="deg"/>
+          <inkml:channel name="OE" type="integer" max="90" units="deg"/>
+        </inkml:traceFormat>
+        <inkml:channelProperties>
+          <inkml:channelProperty channel="X" name="resolution" value="1000" units="1/cm"/>
+          <inkml:channelProperty channel="Y" name="resolution" value="1000" units="1/cm"/>
+          <inkml:channelProperty channel="F" name="resolution" value="0" units="1/dev"/>
+          <inkml:channelProperty channel="OA" name="resolution" value="1000" units="1/deg"/>
+          <inkml:channelProperty channel="OE" name="resolution" value="1000" units="1/deg"/>
+        </inkml:channelProperties>
+      </inkml:inkSource>
+      <inkml:timestamp xml:id="ts0" timeString="2023-01-09T13:41:22.582"/>
+    </inkml:context>
+    <inkml:brush xml:id="br0">
+      <inkml:brushProperty name="width" value="0.05" units="cm"/>
+      <inkml:brushProperty name="height" value="0.05" units="cm"/>
+      <inkml:brushProperty name="color" value="#E71224"/>
+    </inkml:brush>
+  </inkml:definitions>
+  <inkml:trace contextRef="#ctx0" brushRef="#br0">110 1 9215 0 0,'0'0'1231'0'0,"-16"12"6785"0"0,13-7-7815 0 0,-1 0 0 0 0,1 0 0 0 0,0 1 0 0 0,0-1 0 0 0,1 1 0 0 0,0-1 0 0 0,-3 12 0 0 0,-7 45-159 0 0,9-43 57 0 0,-15 81-22 0 0,5-30-73 0 0,-8 108-1 0 0,21-166-3 0 0,-1-7 0 0 0,1 0 0 0 0,0 1 0 0 0,0-1 0 0 0,1 0 0 0 0,-1 0 0 0 0,1 0 0 0 0,0 0 0 0 0,1 0 0 0 0,-1 0 0 0 0,1 0 0 0 0,4 8 0 0 0,-5-10 0 0 0,0-1 0 0 0,1 1 0 0 0,-1-1 0 0 0,1 0-1 0 0,0 1 1 0 0,0-1 0 0 0,0 0 0 0 0,0 0 0 0 0,0 0 0 0 0,0-1 0 0 0,1 1-1 0 0,-1 0 1 0 0,0-1 0 0 0,1 1 0 0 0,0-1 0 0 0,-1 0 0 0 0,1 0-1 0 0,0 0 1 0 0,-1 0 0 0 0,1 0 0 0 0,0-1 0 0 0,0 1 0 0 0,0-1 0 0 0,0 0-1 0 0,4 0 1 0 0,6 0 8 0 0,1-2-1 0 0,-1 1 1 0 0,0-2-1 0 0,15-3 1 0 0,-18 3 12 0 0,24-7 186 0 0,43-19 0 0 0,-10 4 40 0 0,1 5-51 0 0,0 4-1 0 0,86-9 1 0 0,26-6-6773 0 0,-133 20 124 0 0</inkml:trace>
+</inkml:ink>
+</file>
+
+<file path=ppt/ink/ink12.xml><?xml version="1.0" encoding="utf-8"?>
+<inkml:ink xmlns:inkml="http://www.w3.org/2003/InkML">
+  <inkml:definitions>
+    <inkml:context xml:id="ctx0">
+      <inkml:inkSource xml:id="inkSrc0">
+        <inkml:traceFormat>
+          <inkml:channel name="X" type="integer" min="-2.14748E9" max="2.14748E9" units="cm"/>
+          <inkml:channel name="Y" type="integer" min="-2.14748E9" max="2.14748E9" units="cm"/>
+          <inkml:channel name="F" type="integer" max="32767" units="dev"/>
+          <inkml:channel name="OA" type="integer" max="360" units="deg"/>
+          <inkml:channel name="OE" type="integer" max="90" units="deg"/>
+        </inkml:traceFormat>
+        <inkml:channelProperties>
+          <inkml:channelProperty channel="X" name="resolution" value="1000" units="1/cm"/>
+          <inkml:channelProperty channel="Y" name="resolution" value="1000" units="1/cm"/>
+          <inkml:channelProperty channel="F" name="resolution" value="0" units="1/dev"/>
+          <inkml:channelProperty channel="OA" name="resolution" value="1000" units="1/deg"/>
+          <inkml:channelProperty channel="OE" name="resolution" value="1000" units="1/deg"/>
+        </inkml:channelProperties>
+      </inkml:inkSource>
+      <inkml:timestamp xml:id="ts0" timeString="2023-01-09T13:42:00.003"/>
+    </inkml:context>
+    <inkml:brush xml:id="br0">
+      <inkml:brushProperty name="width" value="0.05" units="cm"/>
+      <inkml:brushProperty name="height" value="0.05" units="cm"/>
+      <inkml:brushProperty name="color" value="#E71224"/>
+    </inkml:brush>
+  </inkml:definitions>
+  <inkml:trace contextRef="#ctx0" brushRef="#br0">20 948 3679 0 0,'0'0'167'0'0,"0"-1"256"0"0,-2-1 87 0 0,1 0 0 0 0,0-1 1 0 0,0 1-1 0 0,0 0 0 0 0,0-1 0 0 0,0 1 1 0 0,1 0-1 0 0,-1-1 0 0 0,1 1 1 0 0,0-1-1 0 0,-1 1 0 0 0,1-1 0 0 0,0 1 1 0 0,1-4-1 0 0,0 1-172 0 0,0 0 0 0 0,0-1-1 0 0,0 1 1 0 0,1 0 0 0 0,0 0 0 0 0,3-6-1 0 0,3-3-77 0 0,1 1-1 0 0,0 0 0 0 0,18-20 1 0 0,1 5 267 0 0,2 1 0 0 0,1 1 0 0 0,41-25 0 0 0,-48 34-313 0 0,19-14 266 0 0,65-34 0 0 0,-15 19-96 0 0,156-54 0 0 0,147-11 264 0 0,-193 68-234 0 0,81-15 411 0 0,21 19-9 0 0,-90 15-439 0 0,107-7 32 0 0,-128 15-130 0 0,344-21 681 0 0,-446 31-824 0 0,91-3 59 0 0,195-15-14 0 0,-370 23-181 0 0,219-1 286 0 0,-114 4-188 0 0,2 1-74 0 0,28-1 27 0 0,68 8 78 0 0,-70 0-69 0 0,-21-5 43 0 0,144 24-1 0 0,-121-8 12 0 0,37 6-5 0 0,36 8 187 0 0,-134-23-240 0 0,151 15 156 0 0,-80-6-162 0 0,-86-10-36 0 0,13-1 5 0 0,49 9 37 0 0,-7 0 14 0 0,63 14 41 0 0,-132-21-32 0 0,-1 3 1 0 0,0 2-1 0 0,52 27 0 0 0,-67-27-61 0 0,-4-3 1 0 0,-2 3 0 0 0,32 20 0 0 0,30 22 41 0 0,-61-41-20 0 0,-2 1 0 0 0,0 2 0 0 0,-1 1 0 0 0,32 32 0 0 0,-46-39 2 0 0,0 2-1 0 0,-1-1 1 0 0,-1 2-1 0 0,-1 0 1 0 0,0 0 0 0 0,-2 1-1 0 0,0 1 1 0 0,-1 0-1 0 0,11 36 1 0 0,-14-36 7 0 0,1 6 18 0 0,6 46 0 0 0,-11-51-30 0 0,0 0 1 0 0,-2 1 0 0 0,-1-1 0 0 0,0 1-1 0 0,-2-1 1 0 0,0 0 0 0 0,-2 0 0 0 0,0 0-1 0 0,-11 26 1 0 0,11-38-10 0 0,0 0-1 0 0,0 0 0 0 0,-1-1 1 0 0,0 1-1 0 0,0-1 1 0 0,-1-1-1 0 0,0 1 1 0 0,0-1-1 0 0,-1-1 1 0 0,0 1-1 0 0,-14 7 0 0 0,-24 19 29 0 0,-13 8 46 0 0,-70 38 34 0 0,-110 60 173 0 0,128-91-131 0 0,-232 65 0 0 0,291-100-111 0 0,-76 9 1 0 0,-135 12 173 0 0,145-17-176 0 0,-41 3-54 0 0,-119-6-11 0 0,249-13 0 0 0,8 0 30 0 0,-36 8 1 0 0,0 1-28 0 0,-205 10-3 0 0,160-13 0 0 0,4 1 0 0 0,-97 5 0 0 0,31-3 0 0 0,-2 0 0 0 0,-46 7 0 0 0,101-6 0 0 0,-45 5-6 0 0,72-5 41 0 0,-170-1 0 0 0,176-15-12 0 0,-287-21 226 0 0,-44-12-121 0 0,254 28-128 0 0,59 4 0 0 0,-48 0 0 0 0,35 0 0 0 0,32 1 0 0 0,-75-12 0 0 0,64 4 0 0 0,-49-10 64 0 0,-118-5 53 0 0,137 11-42 0 0,-137-21 17 0 0,116 15-56 0 0,38 16 6 0 0,37 4-20 0 0,28 0-22 0 0,0-2 0 0 0,-50-14 0 0 0,-23-4 0 0 0,45 11 0 0 0,27 4 13 0 0,1-3 0 0 0,0-1-1 0 0,0-1 1 0 0,-58-32 0 0 0,33 8 62 0 0,45 26-49 0 0,-26-22 0 0 0,17 13-25 0 0,8 5 5 0 0,0 0 0 0 0,0-1-1 0 0,2 0 1 0 0,0-2 0 0 0,1 1 0 0 0,1-2 0 0 0,0 0 0 0 0,2 0-1 0 0,0-1 1 0 0,-9-24 0 0 0,15 28-6 0 0,1-1 0 0 0,1 0 0 0 0,0 1 0 0 0,1-1 0 0 0,1 0 0 0 0,1-27 0 0 0,2 11 0 0 0,2-1 0 0 0,11-43 0 0 0,-14 70 0 0 0,6-16 0 0 0,-3 16-129 0 0,0 0 1 0 0,0 1-1 0 0,0 0 1 0 0,1-1-1 0 0,-1 2 1 0 0,1-1-1 0 0,1 1 0 0 0,-1-1 1 0 0,11-6-1 0 0,8-5-1382 0 0,30-15 0 0 0,-29 17 491 0 0,12-6-423 0 0,3-3-26 0 0</inkml:trace>
+</inkml:ink>
+</file>
+
+<file path=ppt/ink/ink13.xml><?xml version="1.0" encoding="utf-8"?>
+<inkml:ink xmlns:inkml="http://www.w3.org/2003/InkML">
+  <inkml:definitions>
+    <inkml:context xml:id="ctx0">
+      <inkml:inkSource xml:id="inkSrc0">
+        <inkml:traceFormat>
+          <inkml:channel name="X" type="integer" min="-2.14748E9" max="2.14748E9" units="cm"/>
+          <inkml:channel name="Y" type="integer" min="-2.14748E9" max="2.14748E9" units="cm"/>
+          <inkml:channel name="F" type="integer" max="32767" units="dev"/>
+          <inkml:channel name="OA" type="integer" max="360" units="deg"/>
+          <inkml:channel name="OE" type="integer" max="90" units="deg"/>
+        </inkml:traceFormat>
+        <inkml:channelProperties>
+          <inkml:channelProperty channel="X" name="resolution" value="1000" units="1/cm"/>
+          <inkml:channelProperty channel="Y" name="resolution" value="1000" units="1/cm"/>
+          <inkml:channelProperty channel="F" name="resolution" value="0" units="1/dev"/>
+          <inkml:channelProperty channel="OA" name="resolution" value="1000" units="1/deg"/>
+          <inkml:channelProperty channel="OE" name="resolution" value="1000" units="1/deg"/>
+        </inkml:channelProperties>
+      </inkml:inkSource>
+      <inkml:timestamp xml:id="ts0" timeString="2023-01-09T13:42:02.320"/>
+    </inkml:context>
+    <inkml:brush xml:id="br0">
+      <inkml:brushProperty name="width" value="0.05" units="cm"/>
+      <inkml:brushProperty name="height" value="0.05" units="cm"/>
+      <inkml:brushProperty name="color" value="#E71224"/>
+    </inkml:brush>
+  </inkml:definitions>
+  <inkml:trace contextRef="#ctx0" brushRef="#br0">460 1 8807 0 0,'0'0'8488'0'0,"0"0"-8464"0"0,0 0 0 0 0,0 0-1 0 0,1 0 1 0 0,-1 0-1 0 0,0 1 1 0 0,0-1 0 0 0,0 0-1 0 0,0 0 1 0 0,1 1 0 0 0,-1-1-1 0 0,0 0 1 0 0,0 0-1 0 0,0 1 1 0 0,0-1 0 0 0,0 0-1 0 0,0 1 1 0 0,0-1 0 0 0,0 0-1 0 0,0 0 1 0 0,0 1 0 0 0,0-1-1 0 0,0 0 1 0 0,0 1-1 0 0,0-1 1 0 0,0 0 0 0 0,0 0-1 0 0,0 1 1 0 0,0-1 0 0 0,0 2 21 0 0,-1-1 1 0 0,1 0-1 0 0,0 0 1 0 0,-1 0-1 0 0,1 1 1 0 0,-1-1-1 0 0,0 0 1 0 0,1 0-1 0 0,-1 0 1 0 0,0 0-1 0 0,0 0 1 0 0,0 0-1 0 0,1 0 1 0 0,-1 0-1 0 0,0 0 1 0 0,-2 0-1 0 0,-21 13 966 0 0,20-12-816 0 0,-1 0 0 0 0,1 1 0 0 0,0-1 0 0 0,-1 1 0 0 0,-3 4 0 0 0,-2 2 37 0 0,-1-1 1 0 0,0 0-1 0 0,-13 8 0 0 0,13-10-158 0 0,0 1 1 0 0,1 0-1 0 0,0 1 1 0 0,-15 15 0 0 0,-8 13-45 0 0,2-2 49 0 0,1 2-1 0 0,-45 69 1 0 0,49-64-27 0 0,-11 20 40 0 0,30-48-80 0 0,0 1-1 0 0,1 0 1 0 0,1 0-1 0 0,1 0 1 0 0,-5 21-1 0 0,8-29-5 0 0,1 1-1 0 0,0 0 0 0 0,0 0 0 0 0,0 0 0 0 0,1-1 0 0 0,-1 1 0 0 0,2 0 0 0 0,-1-1 0 0 0,1 1 0 0 0,0-1 0 0 0,0 1 0 0 0,1-1 0 0 0,0 0 0 0 0,0 0 0 0 0,1 0 0 0 0,4 6 0 0 0,-3-5 52 0 0,0 0 1 0 0,1-1 0 0 0,0 0-1 0 0,0 0 1 0 0,1 0 0 0 0,0-1-1 0 0,0 1 1 0 0,0-2 0 0 0,0 1-1 0 0,1-1 1 0 0,0 0 0 0 0,10 3-1 0 0,6 2 98 0 0,-1 1 48 0 0,1-1 0 0 0,44 9 0 0 0,109 5 141 0 0,14 2 20 0 0,-189-24-364 0 0,31 5 0 0 0,31 11 0 0 0,-28-13-2849 0 0,-35-4 1808 0 0,8 0-3597 0 0</inkml:trace>
+</inkml:ink>
+</file>
+
+<file path=ppt/ink/ink14.xml><?xml version="1.0" encoding="utf-8"?>
+<inkml:ink xmlns:inkml="http://www.w3.org/2003/InkML">
+  <inkml:definitions>
+    <inkml:context xml:id="ctx0">
+      <inkml:inkSource xml:id="inkSrc0">
+        <inkml:traceFormat>
+          <inkml:channel name="X" type="integer" min="-2.14748E9" max="2.14748E9" units="cm"/>
+          <inkml:channel name="Y" type="integer" min="-2.14748E9" max="2.14748E9" units="cm"/>
+          <inkml:channel name="F" type="integer" max="32767" units="dev"/>
+          <inkml:channel name="OA" type="integer" max="360" units="deg"/>
+          <inkml:channel name="OE" type="integer" max="90" units="deg"/>
+        </inkml:traceFormat>
+        <inkml:channelProperties>
+          <inkml:channelProperty channel="X" name="resolution" value="1000" units="1/cm"/>
+          <inkml:channelProperty channel="Y" name="resolution" value="1000" units="1/cm"/>
+          <inkml:channelProperty channel="F" name="resolution" value="0" units="1/dev"/>
+          <inkml:channelProperty channel="OA" name="resolution" value="1000" units="1/deg"/>
+          <inkml:channelProperty channel="OE" name="resolution" value="1000" units="1/deg"/>
+        </inkml:channelProperties>
+      </inkml:inkSource>
+      <inkml:timestamp xml:id="ts0" timeString="2023-01-09T13:42:02.789"/>
+    </inkml:context>
+    <inkml:brush xml:id="br0">
+      <inkml:brushProperty name="width" value="0.05" units="cm"/>
+      <inkml:brushProperty name="height" value="0.05" units="cm"/>
+      <inkml:brushProperty name="color" value="#E71224"/>
+    </inkml:brush>
+  </inkml:definitions>
+  <inkml:trace contextRef="#ctx0" brushRef="#br0">9 0 6447 0 0,'-8'4'9608'0'0,"21"2"-8924"0"0,-1-2-506 0 0,0-1 0 0 0,1 0 0 0 0,-1 0 0 0 0,1-1 0 0 0,14 0 0 0 0,-7-1 18 0 0,19 5 0 0 0,4 3 151 0 0,-8-2 171 0 0,34 11 0 0 0,-59-15-422 0 0,-1 1 0 0 0,0-1 0 0 0,0 2 0 0 0,-1-1 1 0 0,1 1-1 0 0,-1 1 0 0 0,0-1 0 0 0,11 11 0 0 0,-17-14-78 0 0,0 1 0 0 0,-1-1 1 0 0,1 0-1 0 0,-1 0 0 0 0,1 1 0 0 0,-1-1 0 0 0,0 1 0 0 0,0-1 0 0 0,0 1 0 0 0,0-1 0 0 0,0 1 0 0 0,0 0 1 0 0,-1 0-1 0 0,0-1 0 0 0,1 1 0 0 0,-1 0 0 0 0,0 0 0 0 0,0-1 0 0 0,-1 1 0 0 0,1 0 0 0 0,0 0 1 0 0,-1-1-1 0 0,0 1 0 0 0,1 0 0 0 0,-1-1 0 0 0,0 1 0 0 0,-1-1 0 0 0,-1 4 0 0 0,-4 7 99 0 0,-1-1-1 0 0,0 0 0 0 0,-1-1 0 0 0,-11 13 1 0 0,15-18-69 0 0,-14 14 41 0 0,0-1 1 0 0,-42 31-1 0 0,-50 25-64 0 0,51-37-40 0 0,50-31-385 0 0,1 1 0 0 0,-1 0-1 0 0,1 0 1 0 0,1 1-1 0 0,-9 10 1 0 0,6-5-439 0 0</inkml:trace>
+</inkml:ink>
+</file>
+
+<file path=ppt/ink/ink15.xml><?xml version="1.0" encoding="utf-8"?>
+<inkml:ink xmlns:inkml="http://www.w3.org/2003/InkML">
+  <inkml:definitions>
+    <inkml:context xml:id="ctx0">
+      <inkml:inkSource xml:id="inkSrc0">
+        <inkml:traceFormat>
+          <inkml:channel name="X" type="integer" min="-2.14748E9" max="2.14748E9" units="cm"/>
+          <inkml:channel name="Y" type="integer" min="-2.14748E9" max="2.14748E9" units="cm"/>
+          <inkml:channel name="F" type="integer" max="32767" units="dev"/>
+          <inkml:channel name="OA" type="integer" max="360" units="deg"/>
+          <inkml:channel name="OE" type="integer" max="90" units="deg"/>
+        </inkml:traceFormat>
+        <inkml:channelProperties>
+          <inkml:channelProperty channel="X" name="resolution" value="1000" units="1/cm"/>
+          <inkml:channelProperty channel="Y" name="resolution" value="1000" units="1/cm"/>
+          <inkml:channelProperty channel="F" name="resolution" value="0" units="1/dev"/>
+          <inkml:channelProperty channel="OA" name="resolution" value="1000" units="1/deg"/>
+          <inkml:channelProperty channel="OE" name="resolution" value="1000" units="1/deg"/>
+        </inkml:channelProperties>
+      </inkml:inkSource>
+      <inkml:timestamp xml:id="ts0" timeString="2023-01-09T13:51:30.366"/>
+    </inkml:context>
+    <inkml:brush xml:id="br0">
+      <inkml:brushProperty name="width" value="0.05" units="cm"/>
+      <inkml:brushProperty name="height" value="0.05" units="cm"/>
+      <inkml:brushProperty name="color" value="#E71224"/>
+    </inkml:brush>
+  </inkml:definitions>
+  <inkml:trace contextRef="#ctx0" brushRef="#br0">45 706 4607 0 0,'0'0'580'0'0,"3"-1"-22"0"0,-1 0-372 0 0,0 0 0 0 0,1 0 1 0 0,-1-1-1 0 0,0 1 0 0 0,0-1 1 0 0,0 0-1 0 0,0 1 0 0 0,0-1 1 0 0,0 0-1 0 0,-1 0 0 0 0,1 0 1 0 0,-1-1-1 0 0,1 1 0 0 0,-1 0 1 0 0,2-5-1 0 0,9-11 502 0 0,1 0 0 0 0,1 2 0 0 0,29-29 0 0 0,-42 44-653 0 0,96-110 2976 0 0,-47 53-1914 0 0,-25 33-661 0 0,1 1 0 0 0,0 1 0 0 0,54-33 0 0 0,-34 25-162 0 0,-19 13-112 0 0,1 2 0 0 0,54-22-1 0 0,-29 15-54 0 0,16-3 29 0 0,-3 2 66 0 0,-27 7 85 0 0,1 0 1 0 0,1 3 0 0 0,1 2-1 0 0,81-14 1 0 0,213 12 545 0 0,-316 14-748 0 0,28 1 161 0 0,-1 1 0 0 0,73 14 0 0 0,85 18 359 0 0,-134-30-464 0 0,-51-4-35 0 0,0 1 0 0 0,35 7 0 0 0,17 4 53 0 0,69 11 278 0 0,-121-20-390 0 0,-13-3-33 0 0,-1 1-1 0 0,1 0 0 0 0,-1 1 0 0 0,1-1 1 0 0,-1 1-1 0 0,12 5 0 0 0,0 0-2 0 0,-7-3 27 0 0,-1 0 0 0 0,13 7-1 0 0,-18-8-27 0 0,0 0-1 0 0,-1 1 1 0 0,1-1 0 0 0,4 5-1 0 0,28 20 19 0 0,-33-25-28 0 0,8 7 1 0 0,-1 0 9 0 0,-6-4 17 0 0,16 12 63 0 0,-15-14-55 0 0,-4-3-24 0 0,0 1 1 0 0,0-1-1 0 0,0 1 0 0 0,0 0 1 0 0,0 0-1 0 0,0 0 1 0 0,0-1-1 0 0,2 5 0 0 0,6 8 48 0 0,0 1-1 0 0,-1 1 0 0 0,-1-1 0 0 0,11 27 0 0 0,-4-7-14 0 0,7 10 31 0 0,0-11-22 0 0,-6-2 11 0 0,-12-24-31 0 0,-1-1-17 0 0,0-1-1 0 0,0 1 0 0 0,-1 1 0 0 0,0-1 1 0 0,0 0-1 0 0,1 13 0 0 0,0-1 50 0 0,3 8 120 0 0,2 46 1 0 0,-8-39-122 0 0,-1-10-53 0 0,-11 92 254 0 0,10-104-231 0 0,-1 1 0 0 0,0-1 0 0 0,-1 0 1 0 0,-1 0-1 0 0,0 0 0 0 0,0-1 0 0 0,-1 1 0 0 0,0-1 0 0 0,-1-1 0 0 0,0 1 0 0 0,-12 12 0 0 0,-8 8 52 0 0,9-14-33 0 0,-7 3-8 0 0,-2-1-1 0 0,0-1 0 0 0,-2-1 1 0 0,0-1-1 0 0,-54 20 1 0 0,-131 53 72 0 0,126-58-78 0 0,22-9-14 0 0,-79 26 50 0 0,112-38 1 0 0,-1-1 1 0 0,0-3 0 0 0,0 0-1 0 0,-43 0 1 0 0,74-5-66 0 0,-82 8 123 0 0,-65 4 143 0 0,-192-19 67 0 0,157 1-83 0 0,101 2-186 0 0,23-1-75 0 0,-26-4 0 0 0,9-2 41 0 0,39 6 3 0 0,-50-11-1 0 0,58 7-18 0 0,-62-18 12 0 0,81 22-35 0 0,-1-2 0 0 0,1 0 0 0 0,0 0 0 0 0,0-1 1 0 0,-13-10-1 0 0,12 7 43 0 0,-1 0-24 0 0,1-1-1 0 0,-15-15 0 0 0,5 1 5 0 0,1-1-1 0 0,2-1 0 0 0,-22-37 0 0 0,32 46-18 0 0,0-1 0 0 0,2 0 0 0 0,0 0 0 0 0,2-1 0 0 0,0 1 0 0 0,-5-35 0 0 0,7 30 13 0 0,2-1 1 0 0,1 0-1 0 0,3-43 0 0 0,0 51-37 0 0,1 0 1 0 0,0 0-1 0 0,1 1 0 0 0,1-1 1 0 0,1 1-1 0 0,10-21 0 0 0,6-8-3730 0 0,-12 27-5185 0 0</inkml:trace>
+</inkml:ink>
+</file>
+
+<file path=ppt/ink/ink16.xml><?xml version="1.0" encoding="utf-8"?>
+<inkml:ink xmlns:inkml="http://www.w3.org/2003/InkML">
+  <inkml:definitions>
+    <inkml:context xml:id="ctx0">
+      <inkml:inkSource xml:id="inkSrc0">
+        <inkml:traceFormat>
+          <inkml:channel name="X" type="integer" min="-2.14748E9" max="2.14748E9" units="cm"/>
+          <inkml:channel name="Y" type="integer" min="-2.14748E9" max="2.14748E9" units="cm"/>
+          <inkml:channel name="F" type="integer" max="32767" units="dev"/>
+          <inkml:channel name="OA" type="integer" max="360" units="deg"/>
+          <inkml:channel name="OE" type="integer" max="90" units="deg"/>
+        </inkml:traceFormat>
+        <inkml:channelProperties>
+          <inkml:channelProperty channel="X" name="resolution" value="1000" units="1/cm"/>
+          <inkml:channelProperty channel="Y" name="resolution" value="1000" units="1/cm"/>
+          <inkml:channelProperty channel="F" name="resolution" value="0" units="1/dev"/>
+          <inkml:channelProperty channel="OA" name="resolution" value="1000" units="1/deg"/>
+          <inkml:channelProperty channel="OE" name="resolution" value="1000" units="1/deg"/>
+        </inkml:channelProperties>
+      </inkml:inkSource>
+      <inkml:timestamp xml:id="ts0" timeString="2023-01-09T13:51:32.516"/>
+    </inkml:context>
+    <inkml:brush xml:id="br0">
+      <inkml:brushProperty name="width" value="0.05" units="cm"/>
+      <inkml:brushProperty name="height" value="0.05" units="cm"/>
+      <inkml:brushProperty name="color" value="#E71224"/>
+    </inkml:brush>
+  </inkml:definitions>
+  <inkml:trace contextRef="#ctx0" brushRef="#br0">65 181 3223 0 0,'0'0'1979'0'0,"0"2"-1068"0"0,0-1-872 0 0,0-1-1 0 0,0 0 1 0 0,0 1 0 0 0,0-1 0 0 0,0 0 0 0 0,0 1-1 0 0,0-1 1 0 0,0 0 0 0 0,0 1 0 0 0,0-1 0 0 0,-1 0 0 0 0,1 1-1 0 0,0-1 1 0 0,0 0 0 0 0,0 0 0 0 0,-1 1 0 0 0,1-1-1 0 0,0 0 1 0 0,0 0 0 0 0,-1 1 0 0 0,1-1 0 0 0,0 0-1 0 0,0 0 1 0 0,-1 0 0 0 0,1 1 0 0 0,0-1 0 0 0,-1 0 0 0 0,1 0-1 0 0,0 0 1 0 0,-1 0 0 0 0,0 0 0 0 0,-15 0 1687 0 0,11-1-1202 0 0,-1-1-1 0 0,0 0 1 0 0,-8-3-1 0 0,12 4 285 0 0,-2 0-743 0 0,-1 0 3445 0 0,113 5-2456 0 0,60-2-287 0 0,74-10 477 0 0,-142 2-771 0 0,58-5 262 0 0,210-31 441 0 0,-166 20-819 0 0,18-3 126 0 0,-91 6-150 0 0,132-14 485 0 0,-66 29-517 0 0,-90 0-205 0 0,27-2-52 0 0,214 3 96 0 0,-250 9-74 0 0,30 2 8 0 0,74 4 78 0 0,-69-2-59 0 0,-6 8-23 0 0,-42-5 7 0 0,-30-3 8 0 0,89 27 1 0 0,-50-11 140 0 0,-65-17-165 0 0,-1 1-1 0 0,0 1 0 0 0,41 24 0 0 0,-14-7 26 0 0,17 7 70 0 0,-51-21-156 0 0,-15-11 0 0 0,0 0 0 0 0,0-1 0 0 0,0 1 0 0 0,1-1 0 0 0,-1 1 0 0 0,0-1 0 0 0,1 0 0 0 0,0-1 0 0 0,5 2 0 0 0,-7-2-179 0 0,0-1 0 0 0,0 0 0 0 0,0 1-1 0 0,0-1 1 0 0,0 0 0 0 0,0 0 0 0 0,0-1 0 0 0,0 1 0 0 0,0-1-1 0 0,0 1 1 0 0,0-1 0 0 0,3-1 0 0 0,2-2-1712 0 0,1 0 0 0 0,11-8 0 0 0,-13 8 607 0 0,3-2-814 0 0</inkml:trace>
+</inkml:ink>
+</file>
+
+<file path=ppt/ink/ink17.xml><?xml version="1.0" encoding="utf-8"?>
+<inkml:ink xmlns:inkml="http://www.w3.org/2003/InkML">
+  <inkml:definitions>
+    <inkml:context xml:id="ctx0">
+      <inkml:inkSource xml:id="inkSrc0">
+        <inkml:traceFormat>
+          <inkml:channel name="X" type="integer" min="-2.14748E9" max="2.14748E9" units="cm"/>
+          <inkml:channel name="Y" type="integer" min="-2.14748E9" max="2.14748E9" units="cm"/>
+          <inkml:channel name="F" type="integer" max="32767" units="dev"/>
+          <inkml:channel name="OA" type="integer" max="360" units="deg"/>
+          <inkml:channel name="OE" type="integer" max="90" units="deg"/>
+        </inkml:traceFormat>
+        <inkml:channelProperties>
+          <inkml:channelProperty channel="X" name="resolution" value="1000" units="1/cm"/>
+          <inkml:channelProperty channel="Y" name="resolution" value="1000" units="1/cm"/>
+          <inkml:channelProperty channel="F" name="resolution" value="0" units="1/dev"/>
+          <inkml:channelProperty channel="OA" name="resolution" value="1000" units="1/deg"/>
+          <inkml:channelProperty channel="OE" name="resolution" value="1000" units="1/deg"/>
+        </inkml:channelProperties>
+      </inkml:inkSource>
+      <inkml:timestamp xml:id="ts0" timeString="2023-01-09T13:51:33.286"/>
+    </inkml:context>
+    <inkml:brush xml:id="br0">
+      <inkml:brushProperty name="width" value="0.05" units="cm"/>
+      <inkml:brushProperty name="height" value="0.05" units="cm"/>
+      <inkml:brushProperty name="color" value="#E71224"/>
+    </inkml:brush>
+  </inkml:definitions>
+  <inkml:trace contextRef="#ctx0" brushRef="#br0">0 433 919 0 0,'0'0'12455'0'0,"2"-1"-12051"0"0,15-10 21 0 0,1 1-1 0 0,0 1 1 0 0,1 0 0 0 0,0 1-1 0 0,0 2 1 0 0,0 0 0 0 0,32-6-1 0 0,-11 8-45 0 0,1 2 0 0 0,66 4-1 0 0,-38-6 654 0 0,-67 4-893 0 0,18-7 644 0 0,-19 7-743 0 0,-1 0 0 0 0,1 0 0 0 0,-1 0 1 0 0,1 0-1 0 0,-1 0 0 0 0,1-1 1 0 0,-1 1-1 0 0,1 0 0 0 0,-1 0 1 0 0,1-1-1 0 0,-1 1 0 0 0,0 0 1 0 0,1-1-1 0 0,-1 1 0 0 0,0 0 0 0 0,1-1 1 0 0,-1 1-1 0 0,0-1 0 0 0,1 1 1 0 0,-1-1-1 0 0,0 1 0 0 0,0-1 1 0 0,1 1-1 0 0,-1-1 0 0 0,0 0 0 0 0,1 0 28 0 0,-1 0 0 0 0,1 0 0 0 0,-1 0 0 0 0,1 0 0 0 0,-1-1 0 0 0,0 1 0 0 0,0 0 0 0 0,0 0-1 0 0,1 0 1 0 0,-1-1 0 0 0,-1-1 0 0 0,0-1 29 0 0,-1 0-1 0 0,1 0 0 0 0,-1-1 1 0 0,0 1-1 0 0,-1 1 0 0 0,1-1 1 0 0,-1 0-1 0 0,0 1 0 0 0,-5-6 1 0 0,-35-30 550 0 0,18 18-410 0 0,-78-67 439 0 0,76 63-603 0 0,16 16-84 0 0,0-1 1 0 0,1 0-1 0 0,0 0 1 0 0,-16-24-1 0 0,25 32-114 0 0,1 1-1 0 0,-1 0 1 0 0,1 0 0 0 0,0-1-1 0 0,-1 1 1 0 0,1 0-1 0 0,0-1 1 0 0,0 1 0 0 0,0 0-1 0 0,0-1 1 0 0,0 1-1 0 0,1-3 1 0 0,-1 3 31 0 0,2-8-814 0 0</inkml:trace>
+</inkml:ink>
+</file>
+
+<file path=ppt/ink/ink18.xml><?xml version="1.0" encoding="utf-8"?>
+<inkml:ink xmlns:inkml="http://www.w3.org/2003/InkML">
+  <inkml:definitions>
+    <inkml:context xml:id="ctx0">
+      <inkml:inkSource xml:id="inkSrc0">
+        <inkml:traceFormat>
+          <inkml:channel name="X" type="integer" min="-2.14748E9" max="2.14748E9" units="cm"/>
+          <inkml:channel name="Y" type="integer" min="-2.14748E9" max="2.14748E9" units="cm"/>
+          <inkml:channel name="F" type="integer" max="32767" units="dev"/>
+          <inkml:channel name="OA" type="integer" max="360" units="deg"/>
+          <inkml:channel name="OE" type="integer" max="90" units="deg"/>
+        </inkml:traceFormat>
+        <inkml:channelProperties>
+          <inkml:channelProperty channel="X" name="resolution" value="1000" units="1/cm"/>
+          <inkml:channelProperty channel="Y" name="resolution" value="1000" units="1/cm"/>
+          <inkml:channelProperty channel="F" name="resolution" value="0" units="1/dev"/>
+          <inkml:channelProperty channel="OA" name="resolution" value="1000" units="1/deg"/>
+          <inkml:channelProperty channel="OE" name="resolution" value="1000" units="1/deg"/>
+        </inkml:channelProperties>
+      </inkml:inkSource>
+      <inkml:timestamp xml:id="ts0" timeString="2023-01-09T13:58:47.380"/>
+    </inkml:context>
+    <inkml:brush xml:id="br0">
+      <inkml:brushProperty name="width" value="0.05" units="cm"/>
+      <inkml:brushProperty name="height" value="0.05" units="cm"/>
+      <inkml:brushProperty name="color" value="#E71224"/>
+    </inkml:brush>
+  </inkml:definitions>
+  <inkml:trace contextRef="#ctx0" brushRef="#br0">58 446 919 0 0,'0'0'9439'0'0,"1"-2"-9102"0"0,6-21 1646 0 0,-6 17-1710 0 0,0 1 1 0 0,1 0-1 0 0,-1-1 1 0 0,1 1 0 0 0,4-6-1 0 0,9-12 264 0 0,1 1-1 0 0,1 1 0 0 0,1 1 0 0 0,0 0 1 0 0,41-32-1 0 0,-30 30-193 0 0,0 2 1 0 0,2 0 0 0 0,63-28-1 0 0,-32 22 23 0 0,1 4 0 0 0,1 2 0 0 0,110-19 0 0 0,-145 35-178 0 0,0 1-1 0 0,1 2 0 0 0,49 4 1 0 0,-32 3 277 0 0,70 16 0 0 0,-86-13-391 0 0,1 1-1 0 0,-2 1 1 0 0,0 1 0 0 0,0 2-1 0 0,-1 1 1 0 0,-1 2 0 0 0,32 23-1 0 0,-41-24 0 0 0,-1 0 0 0 0,-1 1 0 0 0,0 1 0 0 0,27 40 0 0 0,46 88 132 0 0,-78-126-175 0 0,1 6 12 0 0,0 0 0 0 0,-2 2 0 0 0,-1-1 0 0 0,-1 1 0 0 0,-2 0 0 0 0,-1 1 0 0 0,5 48 0 0 0,-11-64-9 0 0,0 0-1 0 0,0 1 0 0 0,-2-1 1 0 0,1 0-1 0 0,-2 0 0 0 0,0 0 1 0 0,0 0-1 0 0,-1 0 0 0 0,-1-1 0 0 0,0 0 1 0 0,-1 0-1 0 0,-11 19 0 0 0,-1-3 37 0 0,-2-2-1 0 0,-1 1 0 0 0,-45 43 1 0 0,50-56-32 0 0,0 0 0 0 0,-1-1 1 0 0,-1 0-1 0 0,0-2 0 0 0,-24 12 1 0 0,9-8 32 0 0,0-2-1 0 0,-47 13 1 0 0,-227 44 232 0 0,241-61 100 0 0,0-2 0 0 0,-116-3 0 0 0,143-6-206 0 0,-66-12 0 0 0,86 10-109 0 0,0-1 1 0 0,0-1-1 0 0,1-1 1 0 0,-1-1 0 0 0,-22-13-1 0 0,-8-5 54 0 0,20 10 13 0 0,1 0 0 0 0,-28-22 0 0 0,45 28-74 0 0,0 0-1 0 0,0-1 1 0 0,2-1 0 0 0,-1 0-1 0 0,1 0 1 0 0,1-1 0 0 0,0 0-1 0 0,-10-22 1 0 0,4 1-4 0 0,2 0-1 0 0,-12-51 1 0 0,20 66-75 0 0,0-1 0 0 0,2 1 0 0 0,1 0 0 0 0,0-1 0 0 0,3-24 0 0 0,1 12-27 0 0,2 1 0 0 0,12-44 0 0 0,-6 42-1095 0 0,24-49 0 0 0,-30 70 294 0 0,7-15-480 0 0</inkml:trace>
+</inkml:ink>
+</file>
+
+<file path=ppt/ink/ink19.xml><?xml version="1.0" encoding="utf-8"?>
+<inkml:ink xmlns:inkml="http://www.w3.org/2003/InkML">
+  <inkml:definitions>
+    <inkml:context xml:id="ctx0">
+      <inkml:inkSource xml:id="inkSrc0">
+        <inkml:traceFormat>
+          <inkml:channel name="X" type="integer" min="-2.14748E9" max="2.14748E9" units="cm"/>
+          <inkml:channel name="Y" type="integer" min="-2.14748E9" max="2.14748E9" units="cm"/>
+          <inkml:channel name="F" type="integer" max="32767" units="dev"/>
+          <inkml:channel name="OA" type="integer" max="360" units="deg"/>
+          <inkml:channel name="OE" type="integer" max="90" units="deg"/>
+        </inkml:traceFormat>
+        <inkml:channelProperties>
+          <inkml:channelProperty channel="X" name="resolution" value="1000" units="1/cm"/>
+          <inkml:channelProperty channel="Y" name="resolution" value="1000" units="1/cm"/>
+          <inkml:channelProperty channel="F" name="resolution" value="0" units="1/dev"/>
+          <inkml:channelProperty channel="OA" name="resolution" value="1000" units="1/deg"/>
+          <inkml:channelProperty channel="OE" name="resolution" value="1000" units="1/deg"/>
+        </inkml:channelProperties>
+      </inkml:inkSource>
+      <inkml:timestamp xml:id="ts0" timeString="2023-01-09T13:58:49.149"/>
+    </inkml:context>
+    <inkml:brush xml:id="br0">
+      <inkml:brushProperty name="width" value="0.05" units="cm"/>
+      <inkml:brushProperty name="height" value="0.05" units="cm"/>
+      <inkml:brushProperty name="color" value="#E71224"/>
+    </inkml:brush>
+  </inkml:definitions>
+  <inkml:trace contextRef="#ctx0" brushRef="#br0">0 503 10103 0 0,'1'1'56'0'0,"0"-1"-1"0"0,0 1 1 0 0,0 0-1 0 0,-1-1 1 0 0,1 1-1 0 0,0-1 0 0 0,0 1 1 0 0,0-1-1 0 0,0 1 1 0 0,0-1-1 0 0,0 0 1 0 0,0 0-1 0 0,0 1 1 0 0,2-1-1 0 0,-2 0 32 0 0,3 1 716 0 0,-9-21 1943 0 0,5 6-2153 0 0,2 0-1 0 0,0 0 1 0 0,0 1-1 0 0,2-1 1 0 0,-1 0-1 0 0,2 1 1 0 0,0 0-1 0 0,8-16 1 0 0,-2 8-377 0 0,1 0-1 0 0,1 1 1 0 0,1 0 0 0 0,16-18 0 0 0,-16 24-133 0 0,1 0 0 0 0,0 0 0 0 0,28-18-1 0 0,56-29 99 0 0,-39 26 187 0 0,-44 25-308 0 0,0 1-1 0 0,0 1 0 0 0,1 1 1 0 0,0 0-1 0 0,0 1 0 0 0,1 1 1 0 0,20-3-1 0 0,-30 7-33 0 0,0 0 0 0 0,0 0-1 0 0,0 1 1 0 0,-1 1 0 0 0,1-1 0 0 0,0 1-1 0 0,0 1 1 0 0,10 2 0 0 0,-13-2-7 0 0,0 0 1 0 0,0 0-1 0 0,0 1 0 0 0,0 0 0 0 0,0 0 1 0 0,0 0-1 0 0,-1 0 0 0 0,1 1 0 0 0,-1 0 1 0 0,0 0-1 0 0,0 0 0 0 0,6 8 0 0 0,5 10 37 0 0,-6-9-35 0 0,0 0 0 0 0,1 0-1 0 0,22 22 1 0 0,-27-32-1841 0 0</inkml:trace>
+</inkml:ink>
+</file>
+
+<file path=ppt/ink/ink2.xml><?xml version="1.0" encoding="utf-8"?>
+<inkml:ink xmlns:inkml="http://www.w3.org/2003/InkML">
+  <inkml:definitions>
+    <inkml:context xml:id="ctx0">
+      <inkml:inkSource xml:id="inkSrc0">
+        <inkml:traceFormat>
+          <inkml:channel name="X" type="integer" min="-2.14748E9" max="2.14748E9" units="cm"/>
+          <inkml:channel name="Y" type="integer" min="-2.14748E9" max="2.14748E9" units="cm"/>
+          <inkml:channel name="F" type="integer" max="32767" units="dev"/>
+          <inkml:channel name="OA" type="integer" max="360" units="deg"/>
+          <inkml:channel name="OE" type="integer" max="90" units="deg"/>
+        </inkml:traceFormat>
+        <inkml:channelProperties>
+          <inkml:channelProperty channel="X" name="resolution" value="1000" units="1/cm"/>
+          <inkml:channelProperty channel="Y" name="resolution" value="1000" units="1/cm"/>
+          <inkml:channelProperty channel="F" name="resolution" value="0" units="1/dev"/>
+          <inkml:channelProperty channel="OA" name="resolution" value="1000" units="1/deg"/>
+          <inkml:channelProperty channel="OE" name="resolution" value="1000" units="1/deg"/>
+        </inkml:channelProperties>
+      </inkml:inkSource>
+      <inkml:timestamp xml:id="ts0" timeString="2023-01-09T14:15:16.426"/>
+    </inkml:context>
+    <inkml:brush xml:id="br0">
+      <inkml:brushProperty name="width" value="0.05" units="cm"/>
+      <inkml:brushProperty name="height" value="0.05" units="cm"/>
+      <inkml:brushProperty name="color" value="#E71224"/>
+    </inkml:brush>
+  </inkml:definitions>
+  <inkml:trace contextRef="#ctx0" brushRef="#br0">0 330 7367 0 0,'0'0'667'0'0,"3"0"-488"0"0,16-1 272 0 0,-1 2-1 0 0,1 0 1 0 0,-1 1 0 0 0,1 1 0 0 0,27 8 0 0 0,80 23-262 0 0,-65-19-54 0 0,73 20 350 0 0,-26-8 275 0 0,18 6-26 0 0,-63-14-332 0 0,-39-14-172 0 0,1 0-1 0 0,29 2 0 0 0,-19-2-30 0 0,-22-3-34 0 0,-1 0 1 0 0,26-1 0 0 0,-32-2-103 0 0,-1 1 0 0 0,0-1-1 0 0,1-1 1 0 0,-1 1 0 0 0,6-3-1 0 0,-9 3 26 0 0,-1 0-65 0 0,0 1 0 0 0,0 0-1 0 0,0-1 1 0 0,0 1-1 0 0,0-1 1 0 0,0 1 0 0 0,0-1-1 0 0,0 1 1 0 0,0-1 0 0 0,0 0-1 0 0,-1 0 1 0 0,1 1 0 0 0,0-1-1 0 0,0 0 1 0 0,-1 0 0 0 0,2-1-1 0 0,7-15 409 0 0,-7 12-311 0 0,-1 0 0 0 0,0 0 0 0 0,-1-1 0 0 0,1 1-1 0 0,-1 0 1 0 0,0 0 0 0 0,0 0 0 0 0,-1 0 0 0 0,0-1-1 0 0,1 1 1 0 0,-2 0 0 0 0,-1-6 0 0 0,-4-7 473 0 0,-16-34 0 0 0,12 32-385 0 0,-6-21 106 0 0,8 20-179 0 0,-11-19 0 0 0,5 12-104 0 0,3 10-1 0 0,2 0 1 0 0,1-1-1 0 0,-10-26 0 0 0,12 24-141 0 0,5 16-18 0 0,-1 0-1 0 0,2 0 0 0 0,-1 0 0 0 0,1-1 1 0 0,0 1-1 0 0,0-1 0 0 0,0 1 0 0 0,1-1 1 0 0,0 1-1 0 0,0-1 0 0 0,1-5 0 0 0,2-3-1250 0 0</inkml:trace>
+</inkml:ink>
+</file>
+
+<file path=ppt/ink/ink20.xml><?xml version="1.0" encoding="utf-8"?>
+<inkml:ink xmlns:inkml="http://www.w3.org/2003/InkML">
+  <inkml:definitions>
+    <inkml:context xml:id="ctx0">
+      <inkml:inkSource xml:id="inkSrc0">
+        <inkml:traceFormat>
+          <inkml:channel name="X" type="integer" min="-2.14748E9" max="2.14748E9" units="cm"/>
+          <inkml:channel name="Y" type="integer" min="-2.14748E9" max="2.14748E9" units="cm"/>
+          <inkml:channel name="F" type="integer" max="32767" units="dev"/>
+          <inkml:channel name="OA" type="integer" max="360" units="deg"/>
+          <inkml:channel name="OE" type="integer" max="90" units="deg"/>
+        </inkml:traceFormat>
+        <inkml:channelProperties>
+          <inkml:channelProperty channel="X" name="resolution" value="1000" units="1/cm"/>
+          <inkml:channelProperty channel="Y" name="resolution" value="1000" units="1/cm"/>
+          <inkml:channelProperty channel="F" name="resolution" value="0" units="1/dev"/>
+          <inkml:channelProperty channel="OA" name="resolution" value="1000" units="1/deg"/>
+          <inkml:channelProperty channel="OE" name="resolution" value="1000" units="1/deg"/>
+        </inkml:channelProperties>
+      </inkml:inkSource>
+      <inkml:timestamp xml:id="ts0" timeString="2023-01-09T13:58:49.652"/>
+    </inkml:context>
+    <inkml:brush xml:id="br0">
+      <inkml:brushProperty name="width" value="0.05" units="cm"/>
+      <inkml:brushProperty name="height" value="0.05" units="cm"/>
+      <inkml:brushProperty name="color" value="#E71224"/>
+    </inkml:brush>
+  </inkml:definitions>
+  <inkml:trace contextRef="#ctx0" brushRef="#br0">0 1 6447 0 0,'0'0'586'0'0,"7"3"1216"0"0,30 4 4788 0 0,-28-5-6534 0 0,0-1 0 0 0,0 1 0 0 0,0 0 0 0 0,8 4 0 0 0,90 42 2650 0 0,-105-47-2677 0 0,-1 0 0 0 0,1-1 0 0 0,-1 1-1 0 0,1 0 1 0 0,-1 0 0 0 0,1 0 0 0 0,-1 1 0 0 0,0-1 0 0 0,1 0-1 0 0,-1 0 1 0 0,0 1 0 0 0,0-1 0 0 0,0 0 0 0 0,0 1-1 0 0,0-1 1 0 0,0 1 0 0 0,0 2 0 0 0,0-2 10 0 0,-1-1-1 0 0,0 1 1 0 0,0-1 0 0 0,0 1 0 0 0,0 0-1 0 0,0-1 1 0 0,0 1 0 0 0,0-1 0 0 0,-1 1-1 0 0,1-1 1 0 0,-1 1 0 0 0,1-1 0 0 0,-1 1-1 0 0,1-1 1 0 0,-2 3 0 0 0,-2 1 100 0 0,0 1 1 0 0,-1-1 0 0 0,1 0-1 0 0,-1 0 1 0 0,0 0 0 0 0,-8 6-1 0 0,-1-1-12 0 0,-20 16 223 0 0,1 1 0 0 0,-57 61-1 0 0,81-74-3809 0 0</inkml:trace>
+</inkml:ink>
+</file>
+
+<file path=ppt/ink/ink3.xml><?xml version="1.0" encoding="utf-8"?>
 <inkml:ink xmlns:inkml="http://www.w3.org/2003/InkML">
   <inkml:definitions>
     <inkml:context xml:id="ctx0">
@@ -150,295 +682,7 @@
 </inkml:ink>
 </file>
 
-<file path=ppt/ink/ink10.xml><?xml version="1.0" encoding="utf-8"?>
-<inkml:ink xmlns:inkml="http://www.w3.org/2003/InkML">
-  <inkml:definitions>
-    <inkml:context xml:id="ctx0">
-      <inkml:inkSource xml:id="inkSrc0">
-        <inkml:traceFormat>
-          <inkml:channel name="X" type="integer" min="-2.14748E9" max="2.14748E9" units="cm"/>
-          <inkml:channel name="Y" type="integer" min="-2.14748E9" max="2.14748E9" units="cm"/>
-          <inkml:channel name="F" type="integer" max="32767" units="dev"/>
-          <inkml:channel name="OA" type="integer" max="360" units="deg"/>
-          <inkml:channel name="OE" type="integer" max="90" units="deg"/>
-        </inkml:traceFormat>
-        <inkml:channelProperties>
-          <inkml:channelProperty channel="X" name="resolution" value="1000" units="1/cm"/>
-          <inkml:channelProperty channel="Y" name="resolution" value="1000" units="1/cm"/>
-          <inkml:channelProperty channel="F" name="resolution" value="0" units="1/dev"/>
-          <inkml:channelProperty channel="OA" name="resolution" value="1000" units="1/deg"/>
-          <inkml:channelProperty channel="OE" name="resolution" value="1000" units="1/deg"/>
-        </inkml:channelProperties>
-      </inkml:inkSource>
-      <inkml:timestamp xml:id="ts0" timeString="2023-01-09T13:42:00.003"/>
-    </inkml:context>
-    <inkml:brush xml:id="br0">
-      <inkml:brushProperty name="width" value="0.05" units="cm"/>
-      <inkml:brushProperty name="height" value="0.05" units="cm"/>
-      <inkml:brushProperty name="color" value="#E71224"/>
-    </inkml:brush>
-  </inkml:definitions>
-  <inkml:trace contextRef="#ctx0" brushRef="#br0">20 948 3679 0 0,'0'0'167'0'0,"0"-1"256"0"0,-2-1 87 0 0,1 0 0 0 0,0-1 1 0 0,0 1-1 0 0,0 0 0 0 0,0-1 0 0 0,0 1 1 0 0,1 0-1 0 0,-1-1 0 0 0,1 1 1 0 0,0-1-1 0 0,-1 1 0 0 0,1-1 0 0 0,0 1 1 0 0,1-4-1 0 0,0 1-172 0 0,0 0 0 0 0,0-1-1 0 0,0 1 1 0 0,1 0 0 0 0,0 0 0 0 0,3-6-1 0 0,3-3-77 0 0,1 1-1 0 0,0 0 0 0 0,18-20 1 0 0,1 5 267 0 0,2 1 0 0 0,1 1 0 0 0,41-25 0 0 0,-48 34-313 0 0,19-14 266 0 0,65-34 0 0 0,-15 19-96 0 0,156-54 0 0 0,147-11 264 0 0,-193 68-234 0 0,81-15 411 0 0,21 19-9 0 0,-90 15-439 0 0,107-7 32 0 0,-128 15-130 0 0,344-21 681 0 0,-446 31-824 0 0,91-3 59 0 0,195-15-14 0 0,-370 23-181 0 0,219-1 286 0 0,-114 4-188 0 0,2 1-74 0 0,28-1 27 0 0,68 8 78 0 0,-70 0-69 0 0,-21-5 43 0 0,144 24-1 0 0,-121-8 12 0 0,37 6-5 0 0,36 8 187 0 0,-134-23-240 0 0,151 15 156 0 0,-80-6-162 0 0,-86-10-36 0 0,13-1 5 0 0,49 9 37 0 0,-7 0 14 0 0,63 14 41 0 0,-132-21-32 0 0,-1 3 1 0 0,0 2-1 0 0,52 27 0 0 0,-67-27-61 0 0,-4-3 1 0 0,-2 3 0 0 0,32 20 0 0 0,30 22 41 0 0,-61-41-20 0 0,-2 1 0 0 0,0 2 0 0 0,-1 1 0 0 0,32 32 0 0 0,-46-39 2 0 0,0 2-1 0 0,-1-1 1 0 0,-1 2-1 0 0,-1 0 1 0 0,0 0 0 0 0,-2 1-1 0 0,0 1 1 0 0,-1 0-1 0 0,11 36 1 0 0,-14-36 7 0 0,1 6 18 0 0,6 46 0 0 0,-11-51-30 0 0,0 0 1 0 0,-2 1 0 0 0,-1-1 0 0 0,0 1-1 0 0,-2-1 1 0 0,0 0 0 0 0,-2 0 0 0 0,0 0-1 0 0,-11 26 1 0 0,11-38-10 0 0,0 0-1 0 0,0 0 0 0 0,-1-1 1 0 0,0 1-1 0 0,0-1 1 0 0,-1-1-1 0 0,0 1 1 0 0,0-1-1 0 0,-1-1 1 0 0,0 1-1 0 0,-14 7 0 0 0,-24 19 29 0 0,-13 8 46 0 0,-70 38 34 0 0,-110 60 173 0 0,128-91-131 0 0,-232 65 0 0 0,291-100-111 0 0,-76 9 1 0 0,-135 12 173 0 0,145-17-176 0 0,-41 3-54 0 0,-119-6-11 0 0,249-13 0 0 0,8 0 30 0 0,-36 8 1 0 0,0 1-28 0 0,-205 10-3 0 0,160-13 0 0 0,4 1 0 0 0,-97 5 0 0 0,31-3 0 0 0,-2 0 0 0 0,-46 7 0 0 0,101-6 0 0 0,-45 5-6 0 0,72-5 41 0 0,-170-1 0 0 0,176-15-12 0 0,-287-21 226 0 0,-44-12-121 0 0,254 28-128 0 0,59 4 0 0 0,-48 0 0 0 0,35 0 0 0 0,32 1 0 0 0,-75-12 0 0 0,64 4 0 0 0,-49-10 64 0 0,-118-5 53 0 0,137 11-42 0 0,-137-21 17 0 0,116 15-56 0 0,38 16 6 0 0,37 4-20 0 0,28 0-22 0 0,0-2 0 0 0,-50-14 0 0 0,-23-4 0 0 0,45 11 0 0 0,27 4 13 0 0,1-3 0 0 0,0-1-1 0 0,0-1 1 0 0,-58-32 0 0 0,33 8 62 0 0,45 26-49 0 0,-26-22 0 0 0,17 13-25 0 0,8 5 5 0 0,0 0 0 0 0,0-1-1 0 0,2 0 1 0 0,0-2 0 0 0,1 1 0 0 0,1-2 0 0 0,0 0 0 0 0,2 0-1 0 0,0-1 1 0 0,-9-24 0 0 0,15 28-6 0 0,1-1 0 0 0,1 0 0 0 0,0 1 0 0 0,1-1 0 0 0,1 0 0 0 0,1-27 0 0 0,2 11 0 0 0,2-1 0 0 0,11-43 0 0 0,-14 70 0 0 0,6-16 0 0 0,-3 16-129 0 0,0 0 1 0 0,0 1-1 0 0,0 0 1 0 0,1-1-1 0 0,-1 2 1 0 0,1-1-1 0 0,1 1 0 0 0,-1-1 1 0 0,11-6-1 0 0,8-5-1382 0 0,30-15 0 0 0,-29 17 491 0 0,12-6-423 0 0,3-3-26 0 0</inkml:trace>
-</inkml:ink>
-</file>
-
-<file path=ppt/ink/ink11.xml><?xml version="1.0" encoding="utf-8"?>
-<inkml:ink xmlns:inkml="http://www.w3.org/2003/InkML">
-  <inkml:definitions>
-    <inkml:context xml:id="ctx0">
-      <inkml:inkSource xml:id="inkSrc0">
-        <inkml:traceFormat>
-          <inkml:channel name="X" type="integer" min="-2.14748E9" max="2.14748E9" units="cm"/>
-          <inkml:channel name="Y" type="integer" min="-2.14748E9" max="2.14748E9" units="cm"/>
-          <inkml:channel name="F" type="integer" max="32767" units="dev"/>
-          <inkml:channel name="OA" type="integer" max="360" units="deg"/>
-          <inkml:channel name="OE" type="integer" max="90" units="deg"/>
-        </inkml:traceFormat>
-        <inkml:channelProperties>
-          <inkml:channelProperty channel="X" name="resolution" value="1000" units="1/cm"/>
-          <inkml:channelProperty channel="Y" name="resolution" value="1000" units="1/cm"/>
-          <inkml:channelProperty channel="F" name="resolution" value="0" units="1/dev"/>
-          <inkml:channelProperty channel="OA" name="resolution" value="1000" units="1/deg"/>
-          <inkml:channelProperty channel="OE" name="resolution" value="1000" units="1/deg"/>
-        </inkml:channelProperties>
-      </inkml:inkSource>
-      <inkml:timestamp xml:id="ts0" timeString="2023-01-09T13:42:02.320"/>
-    </inkml:context>
-    <inkml:brush xml:id="br0">
-      <inkml:brushProperty name="width" value="0.05" units="cm"/>
-      <inkml:brushProperty name="height" value="0.05" units="cm"/>
-      <inkml:brushProperty name="color" value="#E71224"/>
-    </inkml:brush>
-  </inkml:definitions>
-  <inkml:trace contextRef="#ctx0" brushRef="#br0">460 1 8807 0 0,'0'0'8488'0'0,"0"0"-8464"0"0,0 0 0 0 0,0 0-1 0 0,1 0 1 0 0,-1 0-1 0 0,0 1 1 0 0,0-1 0 0 0,0 0-1 0 0,0 0 1 0 0,1 1 0 0 0,-1-1-1 0 0,0 0 1 0 0,0 0-1 0 0,0 1 1 0 0,0-1 0 0 0,0 0-1 0 0,0 1 1 0 0,0-1 0 0 0,0 0-1 0 0,0 0 1 0 0,0 1 0 0 0,0-1-1 0 0,0 0 1 0 0,0 1-1 0 0,0-1 1 0 0,0 0 0 0 0,0 0-1 0 0,0 1 1 0 0,0-1 0 0 0,0 2 21 0 0,-1-1 1 0 0,1 0-1 0 0,0 0 1 0 0,-1 0-1 0 0,1 1 1 0 0,-1-1-1 0 0,0 0 1 0 0,1 0-1 0 0,-1 0 1 0 0,0 0-1 0 0,0 0 1 0 0,0 0-1 0 0,1 0 1 0 0,-1 0-1 0 0,0 0 1 0 0,-2 0-1 0 0,-21 13 966 0 0,20-12-816 0 0,-1 0 0 0 0,1 1 0 0 0,0-1 0 0 0,-1 1 0 0 0,-3 4 0 0 0,-2 2 37 0 0,-1-1 1 0 0,0 0-1 0 0,-13 8 0 0 0,13-10-158 0 0,0 1 1 0 0,1 0-1 0 0,0 1 1 0 0,-15 15 0 0 0,-8 13-45 0 0,2-2 49 0 0,1 2-1 0 0,-45 69 1 0 0,49-64-27 0 0,-11 20 40 0 0,30-48-80 0 0,0 1-1 0 0,1 0 1 0 0,1 0-1 0 0,1 0 1 0 0,-5 21-1 0 0,8-29-5 0 0,1 1-1 0 0,0 0 0 0 0,0 0 0 0 0,0 0 0 0 0,1-1 0 0 0,-1 1 0 0 0,2 0 0 0 0,-1-1 0 0 0,1 1 0 0 0,0-1 0 0 0,0 1 0 0 0,1-1 0 0 0,0 0 0 0 0,0 0 0 0 0,1 0 0 0 0,4 6 0 0 0,-3-5 52 0 0,0 0 1 0 0,1-1 0 0 0,0 0-1 0 0,0 0 1 0 0,1 0 0 0 0,0-1-1 0 0,0 1 1 0 0,0-2 0 0 0,0 1-1 0 0,1-1 1 0 0,0 0 0 0 0,10 3-1 0 0,6 2 98 0 0,-1 1 48 0 0,1-1 0 0 0,44 9 0 0 0,109 5 141 0 0,14 2 20 0 0,-189-24-364 0 0,31 5 0 0 0,31 11 0 0 0,-28-13-2849 0 0,-35-4 1808 0 0,8 0-3597 0 0</inkml:trace>
-</inkml:ink>
-</file>
-
-<file path=ppt/ink/ink12.xml><?xml version="1.0" encoding="utf-8"?>
-<inkml:ink xmlns:inkml="http://www.w3.org/2003/InkML">
-  <inkml:definitions>
-    <inkml:context xml:id="ctx0">
-      <inkml:inkSource xml:id="inkSrc0">
-        <inkml:traceFormat>
-          <inkml:channel name="X" type="integer" min="-2.14748E9" max="2.14748E9" units="cm"/>
-          <inkml:channel name="Y" type="integer" min="-2.14748E9" max="2.14748E9" units="cm"/>
-          <inkml:channel name="F" type="integer" max="32767" units="dev"/>
-          <inkml:channel name="OA" type="integer" max="360" units="deg"/>
-          <inkml:channel name="OE" type="integer" max="90" units="deg"/>
-        </inkml:traceFormat>
-        <inkml:channelProperties>
-          <inkml:channelProperty channel="X" name="resolution" value="1000" units="1/cm"/>
-          <inkml:channelProperty channel="Y" name="resolution" value="1000" units="1/cm"/>
-          <inkml:channelProperty channel="F" name="resolution" value="0" units="1/dev"/>
-          <inkml:channelProperty channel="OA" name="resolution" value="1000" units="1/deg"/>
-          <inkml:channelProperty channel="OE" name="resolution" value="1000" units="1/deg"/>
-        </inkml:channelProperties>
-      </inkml:inkSource>
-      <inkml:timestamp xml:id="ts0" timeString="2023-01-09T13:42:02.789"/>
-    </inkml:context>
-    <inkml:brush xml:id="br0">
-      <inkml:brushProperty name="width" value="0.05" units="cm"/>
-      <inkml:brushProperty name="height" value="0.05" units="cm"/>
-      <inkml:brushProperty name="color" value="#E71224"/>
-    </inkml:brush>
-  </inkml:definitions>
-  <inkml:trace contextRef="#ctx0" brushRef="#br0">9 0 6447 0 0,'-8'4'9608'0'0,"21"2"-8924"0"0,-1-2-506 0 0,0-1 0 0 0,1 0 0 0 0,-1 0 0 0 0,1-1 0 0 0,14 0 0 0 0,-7-1 18 0 0,19 5 0 0 0,4 3 151 0 0,-8-2 171 0 0,34 11 0 0 0,-59-15-422 0 0,-1 1 0 0 0,0-1 0 0 0,0 2 0 0 0,-1-1 1 0 0,1 1-1 0 0,-1 1 0 0 0,0-1 0 0 0,11 11 0 0 0,-17-14-78 0 0,0 1 0 0 0,-1-1 1 0 0,1 0-1 0 0,-1 0 0 0 0,1 1 0 0 0,-1-1 0 0 0,0 1 0 0 0,0-1 0 0 0,0 1 0 0 0,0-1 0 0 0,0 1 0 0 0,0 0 1 0 0,-1 0-1 0 0,0-1 0 0 0,1 1 0 0 0,-1 0 0 0 0,0 0 0 0 0,0-1 0 0 0,-1 1 0 0 0,1 0 0 0 0,0 0 1 0 0,-1-1-1 0 0,0 1 0 0 0,1 0 0 0 0,-1-1 0 0 0,0 1 0 0 0,-1-1 0 0 0,-1 4 0 0 0,-4 7 99 0 0,-1-1-1 0 0,0 0 0 0 0,-1-1 0 0 0,-11 13 1 0 0,15-18-69 0 0,-14 14 41 0 0,0-1 1 0 0,-42 31-1 0 0,-50 25-64 0 0,51-37-40 0 0,50-31-385 0 0,1 1 0 0 0,-1 0-1 0 0,1 0 1 0 0,1 1-1 0 0,-9 10 1 0 0,6-5-439 0 0</inkml:trace>
-</inkml:ink>
-</file>
-
-<file path=ppt/ink/ink13.xml><?xml version="1.0" encoding="utf-8"?>
-<inkml:ink xmlns:inkml="http://www.w3.org/2003/InkML">
-  <inkml:definitions>
-    <inkml:context xml:id="ctx0">
-      <inkml:inkSource xml:id="inkSrc0">
-        <inkml:traceFormat>
-          <inkml:channel name="X" type="integer" min="-2.14748E9" max="2.14748E9" units="cm"/>
-          <inkml:channel name="Y" type="integer" min="-2.14748E9" max="2.14748E9" units="cm"/>
-          <inkml:channel name="F" type="integer" max="32767" units="dev"/>
-          <inkml:channel name="OA" type="integer" max="360" units="deg"/>
-          <inkml:channel name="OE" type="integer" max="90" units="deg"/>
-        </inkml:traceFormat>
-        <inkml:channelProperties>
-          <inkml:channelProperty channel="X" name="resolution" value="1000" units="1/cm"/>
-          <inkml:channelProperty channel="Y" name="resolution" value="1000" units="1/cm"/>
-          <inkml:channelProperty channel="F" name="resolution" value="0" units="1/dev"/>
-          <inkml:channelProperty channel="OA" name="resolution" value="1000" units="1/deg"/>
-          <inkml:channelProperty channel="OE" name="resolution" value="1000" units="1/deg"/>
-        </inkml:channelProperties>
-      </inkml:inkSource>
-      <inkml:timestamp xml:id="ts0" timeString="2023-01-09T13:51:30.366"/>
-    </inkml:context>
-    <inkml:brush xml:id="br0">
-      <inkml:brushProperty name="width" value="0.05" units="cm"/>
-      <inkml:brushProperty name="height" value="0.05" units="cm"/>
-      <inkml:brushProperty name="color" value="#E71224"/>
-    </inkml:brush>
-  </inkml:definitions>
-  <inkml:trace contextRef="#ctx0" brushRef="#br0">45 706 4607 0 0,'0'0'580'0'0,"3"-1"-22"0"0,-1 0-372 0 0,0 0 0 0 0,1 0 1 0 0,-1-1-1 0 0,0 1 0 0 0,0-1 1 0 0,0 0-1 0 0,0 1 0 0 0,0-1 1 0 0,0 0-1 0 0,-1 0 0 0 0,1 0 1 0 0,-1-1-1 0 0,1 1 0 0 0,-1 0 1 0 0,2-5-1 0 0,9-11 502 0 0,1 0 0 0 0,1 2 0 0 0,29-29 0 0 0,-42 44-653 0 0,96-110 2976 0 0,-47 53-1914 0 0,-25 33-661 0 0,1 1 0 0 0,0 1 0 0 0,54-33 0 0 0,-34 25-162 0 0,-19 13-112 0 0,1 2 0 0 0,54-22-1 0 0,-29 15-54 0 0,16-3 29 0 0,-3 2 66 0 0,-27 7 85 0 0,1 0 1 0 0,1 3 0 0 0,1 2-1 0 0,81-14 1 0 0,213 12 545 0 0,-316 14-748 0 0,28 1 161 0 0,-1 1 0 0 0,73 14 0 0 0,85 18 359 0 0,-134-30-464 0 0,-51-4-35 0 0,0 1 0 0 0,35 7 0 0 0,17 4 53 0 0,69 11 278 0 0,-121-20-390 0 0,-13-3-33 0 0,-1 1-1 0 0,1 0 0 0 0,-1 1 0 0 0,1-1 1 0 0,-1 1-1 0 0,12 5 0 0 0,0 0-2 0 0,-7-3 27 0 0,-1 0 0 0 0,13 7-1 0 0,-18-8-27 0 0,0 0-1 0 0,-1 1 1 0 0,1-1 0 0 0,4 5-1 0 0,28 20 19 0 0,-33-25-28 0 0,8 7 1 0 0,-1 0 9 0 0,-6-4 17 0 0,16 12 63 0 0,-15-14-55 0 0,-4-3-24 0 0,0 1 1 0 0,0-1-1 0 0,0 1 0 0 0,0 0 1 0 0,0 0-1 0 0,0 0 1 0 0,0-1-1 0 0,2 5 0 0 0,6 8 48 0 0,0 1-1 0 0,-1 1 0 0 0,-1-1 0 0 0,11 27 0 0 0,-4-7-14 0 0,7 10 31 0 0,0-11-22 0 0,-6-2 11 0 0,-12-24-31 0 0,-1-1-17 0 0,0-1-1 0 0,0 1 0 0 0,-1 1 0 0 0,0-1 1 0 0,0 0-1 0 0,1 13 0 0 0,0-1 50 0 0,3 8 120 0 0,2 46 1 0 0,-8-39-122 0 0,-1-10-53 0 0,-11 92 254 0 0,10-104-231 0 0,-1 1 0 0 0,0-1 0 0 0,-1 0 1 0 0,-1 0-1 0 0,0 0 0 0 0,0-1 0 0 0,-1 1 0 0 0,0-1 0 0 0,-1-1 0 0 0,0 1 0 0 0,-12 12 0 0 0,-8 8 52 0 0,9-14-33 0 0,-7 3-8 0 0,-2-1-1 0 0,0-1 0 0 0,-2-1 1 0 0,0-1-1 0 0,-54 20 1 0 0,-131 53 72 0 0,126-58-78 0 0,22-9-14 0 0,-79 26 50 0 0,112-38 1 0 0,-1-1 1 0 0,0-3 0 0 0,0 0-1 0 0,-43 0 1 0 0,74-5-66 0 0,-82 8 123 0 0,-65 4 143 0 0,-192-19 67 0 0,157 1-83 0 0,101 2-186 0 0,23-1-75 0 0,-26-4 0 0 0,9-2 41 0 0,39 6 3 0 0,-50-11-1 0 0,58 7-18 0 0,-62-18 12 0 0,81 22-35 0 0,-1-2 0 0 0,1 0 0 0 0,0 0 0 0 0,0-1 1 0 0,-13-10-1 0 0,12 7 43 0 0,-1 0-24 0 0,1-1-1 0 0,-15-15 0 0 0,5 1 5 0 0,1-1-1 0 0,2-1 0 0 0,-22-37 0 0 0,32 46-18 0 0,0-1 0 0 0,2 0 0 0 0,0 0 0 0 0,2-1 0 0 0,0 1 0 0 0,-5-35 0 0 0,7 30 13 0 0,2-1 1 0 0,1 0-1 0 0,3-43 0 0 0,0 51-37 0 0,1 0 1 0 0,0 0-1 0 0,1 1 0 0 0,1-1 1 0 0,1 1-1 0 0,10-21 0 0 0,6-8-3730 0 0,-12 27-5185 0 0</inkml:trace>
-</inkml:ink>
-</file>
-
-<file path=ppt/ink/ink14.xml><?xml version="1.0" encoding="utf-8"?>
-<inkml:ink xmlns:inkml="http://www.w3.org/2003/InkML">
-  <inkml:definitions>
-    <inkml:context xml:id="ctx0">
-      <inkml:inkSource xml:id="inkSrc0">
-        <inkml:traceFormat>
-          <inkml:channel name="X" type="integer" min="-2.14748E9" max="2.14748E9" units="cm"/>
-          <inkml:channel name="Y" type="integer" min="-2.14748E9" max="2.14748E9" units="cm"/>
-          <inkml:channel name="F" type="integer" max="32767" units="dev"/>
-          <inkml:channel name="OA" type="integer" max="360" units="deg"/>
-          <inkml:channel name="OE" type="integer" max="90" units="deg"/>
-        </inkml:traceFormat>
-        <inkml:channelProperties>
-          <inkml:channelProperty channel="X" name="resolution" value="1000" units="1/cm"/>
-          <inkml:channelProperty channel="Y" name="resolution" value="1000" units="1/cm"/>
-          <inkml:channelProperty channel="F" name="resolution" value="0" units="1/dev"/>
-          <inkml:channelProperty channel="OA" name="resolution" value="1000" units="1/deg"/>
-          <inkml:channelProperty channel="OE" name="resolution" value="1000" units="1/deg"/>
-        </inkml:channelProperties>
-      </inkml:inkSource>
-      <inkml:timestamp xml:id="ts0" timeString="2023-01-09T13:51:32.516"/>
-    </inkml:context>
-    <inkml:brush xml:id="br0">
-      <inkml:brushProperty name="width" value="0.05" units="cm"/>
-      <inkml:brushProperty name="height" value="0.05" units="cm"/>
-      <inkml:brushProperty name="color" value="#E71224"/>
-    </inkml:brush>
-  </inkml:definitions>
-  <inkml:trace contextRef="#ctx0" brushRef="#br0">65 181 3223 0 0,'0'0'1979'0'0,"0"2"-1068"0"0,0-1-872 0 0,0-1-1 0 0,0 0 1 0 0,0 1 0 0 0,0-1 0 0 0,0 0 0 0 0,0 1-1 0 0,0-1 1 0 0,0 0 0 0 0,0 1 0 0 0,0-1 0 0 0,-1 0 0 0 0,1 1-1 0 0,0-1 1 0 0,0 0 0 0 0,0 0 0 0 0,-1 1 0 0 0,1-1-1 0 0,0 0 1 0 0,0 0 0 0 0,-1 1 0 0 0,1-1 0 0 0,0 0-1 0 0,0 0 1 0 0,-1 0 0 0 0,1 1 0 0 0,0-1 0 0 0,-1 0 0 0 0,1 0-1 0 0,0 0 1 0 0,-1 0 0 0 0,0 0 0 0 0,-15 0 1687 0 0,11-1-1202 0 0,-1-1-1 0 0,0 0 1 0 0,-8-3-1 0 0,12 4 285 0 0,-2 0-743 0 0,-1 0 3445 0 0,113 5-2456 0 0,60-2-287 0 0,74-10 477 0 0,-142 2-771 0 0,58-5 262 0 0,210-31 441 0 0,-166 20-819 0 0,18-3 126 0 0,-91 6-150 0 0,132-14 485 0 0,-66 29-517 0 0,-90 0-205 0 0,27-2-52 0 0,214 3 96 0 0,-250 9-74 0 0,30 2 8 0 0,74 4 78 0 0,-69-2-59 0 0,-6 8-23 0 0,-42-5 7 0 0,-30-3 8 0 0,89 27 1 0 0,-50-11 140 0 0,-65-17-165 0 0,-1 1-1 0 0,0 1 0 0 0,41 24 0 0 0,-14-7 26 0 0,17 7 70 0 0,-51-21-156 0 0,-15-11 0 0 0,0 0 0 0 0,0-1 0 0 0,0 1 0 0 0,1-1 0 0 0,-1 1 0 0 0,0-1 0 0 0,1 0 0 0 0,0-1 0 0 0,5 2 0 0 0,-7-2-179 0 0,0-1 0 0 0,0 0 0 0 0,0 1-1 0 0,0-1 1 0 0,0 0 0 0 0,0 0 0 0 0,0-1 0 0 0,0 1 0 0 0,0-1-1 0 0,0 1 1 0 0,0-1 0 0 0,3-1 0 0 0,2-2-1712 0 0,1 0 0 0 0,11-8 0 0 0,-13 8 607 0 0,3-2-814 0 0</inkml:trace>
-</inkml:ink>
-</file>
-
-<file path=ppt/ink/ink15.xml><?xml version="1.0" encoding="utf-8"?>
-<inkml:ink xmlns:inkml="http://www.w3.org/2003/InkML">
-  <inkml:definitions>
-    <inkml:context xml:id="ctx0">
-      <inkml:inkSource xml:id="inkSrc0">
-        <inkml:traceFormat>
-          <inkml:channel name="X" type="integer" min="-2.14748E9" max="2.14748E9" units="cm"/>
-          <inkml:channel name="Y" type="integer" min="-2.14748E9" max="2.14748E9" units="cm"/>
-          <inkml:channel name="F" type="integer" max="32767" units="dev"/>
-          <inkml:channel name="OA" type="integer" max="360" units="deg"/>
-          <inkml:channel name="OE" type="integer" max="90" units="deg"/>
-        </inkml:traceFormat>
-        <inkml:channelProperties>
-          <inkml:channelProperty channel="X" name="resolution" value="1000" units="1/cm"/>
-          <inkml:channelProperty channel="Y" name="resolution" value="1000" units="1/cm"/>
-          <inkml:channelProperty channel="F" name="resolution" value="0" units="1/dev"/>
-          <inkml:channelProperty channel="OA" name="resolution" value="1000" units="1/deg"/>
-          <inkml:channelProperty channel="OE" name="resolution" value="1000" units="1/deg"/>
-        </inkml:channelProperties>
-      </inkml:inkSource>
-      <inkml:timestamp xml:id="ts0" timeString="2023-01-09T13:51:33.286"/>
-    </inkml:context>
-    <inkml:brush xml:id="br0">
-      <inkml:brushProperty name="width" value="0.05" units="cm"/>
-      <inkml:brushProperty name="height" value="0.05" units="cm"/>
-      <inkml:brushProperty name="color" value="#E71224"/>
-    </inkml:brush>
-  </inkml:definitions>
-  <inkml:trace contextRef="#ctx0" brushRef="#br0">0 433 919 0 0,'0'0'12455'0'0,"2"-1"-12051"0"0,15-10 21 0 0,1 1-1 0 0,0 1 1 0 0,1 0 0 0 0,0 1-1 0 0,0 2 1 0 0,0 0 0 0 0,32-6-1 0 0,-11 8-45 0 0,1 2 0 0 0,66 4-1 0 0,-38-6 654 0 0,-67 4-893 0 0,18-7 644 0 0,-19 7-743 0 0,-1 0 0 0 0,1 0 0 0 0,-1 0 1 0 0,1 0-1 0 0,-1 0 0 0 0,1-1 1 0 0,-1 1-1 0 0,1 0 0 0 0,-1 0 1 0 0,1-1-1 0 0,-1 1 0 0 0,0 0 1 0 0,1-1-1 0 0,-1 1 0 0 0,0 0 0 0 0,1-1 1 0 0,-1 1-1 0 0,0-1 0 0 0,1 1 1 0 0,-1-1-1 0 0,0 1 0 0 0,0-1 1 0 0,1 1-1 0 0,-1-1 0 0 0,0 0 0 0 0,1 0 28 0 0,-1 0 0 0 0,1 0 0 0 0,-1 0 0 0 0,1 0 0 0 0,-1-1 0 0 0,0 1 0 0 0,0 0 0 0 0,0 0-1 0 0,1 0 1 0 0,-1-1 0 0 0,-1-1 0 0 0,0-1 29 0 0,-1 0-1 0 0,1 0 0 0 0,-1-1 1 0 0,0 1-1 0 0,-1 1 0 0 0,1-1 1 0 0,-1 0-1 0 0,0 1 0 0 0,-5-6 1 0 0,-35-30 550 0 0,18 18-410 0 0,-78-67 439 0 0,76 63-603 0 0,16 16-84 0 0,0-1 1 0 0,1 0-1 0 0,0 0 1 0 0,-16-24-1 0 0,25 32-114 0 0,1 1-1 0 0,-1 0 1 0 0,1 0 0 0 0,0-1-1 0 0,-1 1 1 0 0,1 0-1 0 0,0-1 1 0 0,0 1 0 0 0,0 0-1 0 0,0-1 1 0 0,0 1-1 0 0,1-3 1 0 0,-1 3 31 0 0,2-8-814 0 0</inkml:trace>
-</inkml:ink>
-</file>
-
-<file path=ppt/ink/ink16.xml><?xml version="1.0" encoding="utf-8"?>
-<inkml:ink xmlns:inkml="http://www.w3.org/2003/InkML">
-  <inkml:definitions>
-    <inkml:context xml:id="ctx0">
-      <inkml:inkSource xml:id="inkSrc0">
-        <inkml:traceFormat>
-          <inkml:channel name="X" type="integer" min="-2.14748E9" max="2.14748E9" units="cm"/>
-          <inkml:channel name="Y" type="integer" min="-2.14748E9" max="2.14748E9" units="cm"/>
-          <inkml:channel name="F" type="integer" max="32767" units="dev"/>
-          <inkml:channel name="OA" type="integer" max="360" units="deg"/>
-          <inkml:channel name="OE" type="integer" max="90" units="deg"/>
-        </inkml:traceFormat>
-        <inkml:channelProperties>
-          <inkml:channelProperty channel="X" name="resolution" value="1000" units="1/cm"/>
-          <inkml:channelProperty channel="Y" name="resolution" value="1000" units="1/cm"/>
-          <inkml:channelProperty channel="F" name="resolution" value="0" units="1/dev"/>
-          <inkml:channelProperty channel="OA" name="resolution" value="1000" units="1/deg"/>
-          <inkml:channelProperty channel="OE" name="resolution" value="1000" units="1/deg"/>
-        </inkml:channelProperties>
-      </inkml:inkSource>
-      <inkml:timestamp xml:id="ts0" timeString="2023-01-09T13:58:47.380"/>
-    </inkml:context>
-    <inkml:brush xml:id="br0">
-      <inkml:brushProperty name="width" value="0.05" units="cm"/>
-      <inkml:brushProperty name="height" value="0.05" units="cm"/>
-      <inkml:brushProperty name="color" value="#E71224"/>
-    </inkml:brush>
-  </inkml:definitions>
-  <inkml:trace contextRef="#ctx0" brushRef="#br0">58 446 919 0 0,'0'0'9439'0'0,"1"-2"-9102"0"0,6-21 1646 0 0,-6 17-1710 0 0,0 1 1 0 0,1 0-1 0 0,-1-1 1 0 0,1 1 0 0 0,4-6-1 0 0,9-12 264 0 0,1 1-1 0 0,1 1 0 0 0,1 1 0 0 0,0 0 1 0 0,41-32-1 0 0,-30 30-193 0 0,0 2 1 0 0,2 0 0 0 0,63-28-1 0 0,-32 22 23 0 0,1 4 0 0 0,1 2 0 0 0,110-19 0 0 0,-145 35-178 0 0,0 1-1 0 0,1 2 0 0 0,49 4 1 0 0,-32 3 277 0 0,70 16 0 0 0,-86-13-391 0 0,1 1-1 0 0,-2 1 1 0 0,0 1 0 0 0,0 2-1 0 0,-1 1 1 0 0,-1 2 0 0 0,32 23-1 0 0,-41-24 0 0 0,-1 0 0 0 0,-1 1 0 0 0,0 1 0 0 0,27 40 0 0 0,46 88 132 0 0,-78-126-175 0 0,1 6 12 0 0,0 0 0 0 0,-2 2 0 0 0,-1-1 0 0 0,-1 1 0 0 0,-2 0 0 0 0,-1 1 0 0 0,5 48 0 0 0,-11-64-9 0 0,0 0-1 0 0,0 1 0 0 0,-2-1 1 0 0,1 0-1 0 0,-2 0 0 0 0,0 0 1 0 0,0 0-1 0 0,-1 0 0 0 0,-1-1 0 0 0,0 0 1 0 0,-1 0-1 0 0,-11 19 0 0 0,-1-3 37 0 0,-2-2-1 0 0,-1 1 0 0 0,-45 43 1 0 0,50-56-32 0 0,0 0 0 0 0,-1-1 1 0 0,-1 0-1 0 0,0-2 0 0 0,-24 12 1 0 0,9-8 32 0 0,0-2-1 0 0,-47 13 1 0 0,-227 44 232 0 0,241-61 100 0 0,0-2 0 0 0,-116-3 0 0 0,143-6-206 0 0,-66-12 0 0 0,86 10-109 0 0,0-1 1 0 0,0-1-1 0 0,1-1 1 0 0,-1-1 0 0 0,-22-13-1 0 0,-8-5 54 0 0,20 10 13 0 0,1 0 0 0 0,-28-22 0 0 0,45 28-74 0 0,0 0-1 0 0,0-1 1 0 0,2-1 0 0 0,-1 0-1 0 0,1 0 1 0 0,1-1 0 0 0,0 0-1 0 0,-10-22 1 0 0,4 1-4 0 0,2 0-1 0 0,-12-51 1 0 0,20 66-75 0 0,0-1 0 0 0,2 1 0 0 0,1 0 0 0 0,0-1 0 0 0,3-24 0 0 0,1 12-27 0 0,2 1 0 0 0,12-44 0 0 0,-6 42-1095 0 0,24-49 0 0 0,-30 70 294 0 0,7-15-480 0 0</inkml:trace>
-</inkml:ink>
-</file>
-
-<file path=ppt/ink/ink17.xml><?xml version="1.0" encoding="utf-8"?>
-<inkml:ink xmlns:inkml="http://www.w3.org/2003/InkML">
-  <inkml:definitions>
-    <inkml:context xml:id="ctx0">
-      <inkml:inkSource xml:id="inkSrc0">
-        <inkml:traceFormat>
-          <inkml:channel name="X" type="integer" min="-2.14748E9" max="2.14748E9" units="cm"/>
-          <inkml:channel name="Y" type="integer" min="-2.14748E9" max="2.14748E9" units="cm"/>
-          <inkml:channel name="F" type="integer" max="32767" units="dev"/>
-          <inkml:channel name="OA" type="integer" max="360" units="deg"/>
-          <inkml:channel name="OE" type="integer" max="90" units="deg"/>
-        </inkml:traceFormat>
-        <inkml:channelProperties>
-          <inkml:channelProperty channel="X" name="resolution" value="1000" units="1/cm"/>
-          <inkml:channelProperty channel="Y" name="resolution" value="1000" units="1/cm"/>
-          <inkml:channelProperty channel="F" name="resolution" value="0" units="1/dev"/>
-          <inkml:channelProperty channel="OA" name="resolution" value="1000" units="1/deg"/>
-          <inkml:channelProperty channel="OE" name="resolution" value="1000" units="1/deg"/>
-        </inkml:channelProperties>
-      </inkml:inkSource>
-      <inkml:timestamp xml:id="ts0" timeString="2023-01-09T13:58:49.149"/>
-    </inkml:context>
-    <inkml:brush xml:id="br0">
-      <inkml:brushProperty name="width" value="0.05" units="cm"/>
-      <inkml:brushProperty name="height" value="0.05" units="cm"/>
-      <inkml:brushProperty name="color" value="#E71224"/>
-    </inkml:brush>
-  </inkml:definitions>
-  <inkml:trace contextRef="#ctx0" brushRef="#br0">0 503 10103 0 0,'1'1'56'0'0,"0"-1"-1"0"0,0 1 1 0 0,0 0-1 0 0,-1-1 1 0 0,1 1-1 0 0,0-1 0 0 0,0 1 1 0 0,0-1-1 0 0,0 1 1 0 0,0-1-1 0 0,0 0 1 0 0,0 0-1 0 0,0 1 1 0 0,2-1-1 0 0,-2 0 32 0 0,3 1 716 0 0,-9-21 1943 0 0,5 6-2153 0 0,2 0-1 0 0,0 0 1 0 0,0 1-1 0 0,2-1 1 0 0,-1 0-1 0 0,2 1 1 0 0,0 0-1 0 0,8-16 1 0 0,-2 8-377 0 0,1 0-1 0 0,1 1 1 0 0,1 0 0 0 0,16-18 0 0 0,-16 24-133 0 0,1 0 0 0 0,0 0 0 0 0,28-18-1 0 0,56-29 99 0 0,-39 26 187 0 0,-44 25-308 0 0,0 1-1 0 0,0 1 0 0 0,1 1 1 0 0,0 0-1 0 0,0 1 0 0 0,1 1 1 0 0,20-3-1 0 0,-30 7-33 0 0,0 0 0 0 0,0 0-1 0 0,0 1 1 0 0,-1 1 0 0 0,1-1 0 0 0,0 1-1 0 0,0 1 1 0 0,10 2 0 0 0,-13-2-7 0 0,0 0 1 0 0,0 0-1 0 0,0 1 0 0 0,0 0 0 0 0,0 0 1 0 0,0 0-1 0 0,-1 0 0 0 0,1 1 0 0 0,-1 0 1 0 0,0 0-1 0 0,0 0 0 0 0,6 8 0 0 0,5 10 37 0 0,-6-9-35 0 0,0 0 0 0 0,1 0-1 0 0,22 22 1 0 0,-27-32-1841 0 0</inkml:trace>
-</inkml:ink>
-</file>
-
-<file path=ppt/ink/ink18.xml><?xml version="1.0" encoding="utf-8"?>
-<inkml:ink xmlns:inkml="http://www.w3.org/2003/InkML">
-  <inkml:definitions>
-    <inkml:context xml:id="ctx0">
-      <inkml:inkSource xml:id="inkSrc0">
-        <inkml:traceFormat>
-          <inkml:channel name="X" type="integer" min="-2.14748E9" max="2.14748E9" units="cm"/>
-          <inkml:channel name="Y" type="integer" min="-2.14748E9" max="2.14748E9" units="cm"/>
-          <inkml:channel name="F" type="integer" max="32767" units="dev"/>
-          <inkml:channel name="OA" type="integer" max="360" units="deg"/>
-          <inkml:channel name="OE" type="integer" max="90" units="deg"/>
-        </inkml:traceFormat>
-        <inkml:channelProperties>
-          <inkml:channelProperty channel="X" name="resolution" value="1000" units="1/cm"/>
-          <inkml:channelProperty channel="Y" name="resolution" value="1000" units="1/cm"/>
-          <inkml:channelProperty channel="F" name="resolution" value="0" units="1/dev"/>
-          <inkml:channelProperty channel="OA" name="resolution" value="1000" units="1/deg"/>
-          <inkml:channelProperty channel="OE" name="resolution" value="1000" units="1/deg"/>
-        </inkml:channelProperties>
-      </inkml:inkSource>
-      <inkml:timestamp xml:id="ts0" timeString="2023-01-09T13:58:49.652"/>
-    </inkml:context>
-    <inkml:brush xml:id="br0">
-      <inkml:brushProperty name="width" value="0.05" units="cm"/>
-      <inkml:brushProperty name="height" value="0.05" units="cm"/>
-      <inkml:brushProperty name="color" value="#E71224"/>
-    </inkml:brush>
-  </inkml:definitions>
-  <inkml:trace contextRef="#ctx0" brushRef="#br0">0 1 6447 0 0,'0'0'586'0'0,"7"3"1216"0"0,30 4 4788 0 0,-28-5-6534 0 0,0-1 0 0 0,0 1 0 0 0,0 0 0 0 0,8 4 0 0 0,90 42 2650 0 0,-105-47-2677 0 0,-1 0 0 0 0,1-1 0 0 0,-1 1-1 0 0,1 0 1 0 0,-1 0 0 0 0,1 0 0 0 0,-1 1 0 0 0,0-1 0 0 0,1 0-1 0 0,-1 0 1 0 0,0 1 0 0 0,0-1 0 0 0,0 0 0 0 0,0 1-1 0 0,0-1 1 0 0,0 1 0 0 0,0 2 0 0 0,0-2 10 0 0,-1-1-1 0 0,0 1 1 0 0,0-1 0 0 0,0 1 0 0 0,0 0-1 0 0,0-1 1 0 0,0 1 0 0 0,0-1 0 0 0,-1 1-1 0 0,1-1 1 0 0,-1 1 0 0 0,1-1 0 0 0,-1 1-1 0 0,1-1 1 0 0,-2 3 0 0 0,-2 1 100 0 0,0 1 1 0 0,-1-1 0 0 0,1 0-1 0 0,-1 0 1 0 0,0 0 0 0 0,-8 6-1 0 0,-1-1-12 0 0,-20 16 223 0 0,1 1 0 0 0,-57 61-1 0 0,81-74-3809 0 0</inkml:trace>
-</inkml:ink>
-</file>
-
-<file path=ppt/ink/ink2.xml><?xml version="1.0" encoding="utf-8"?>
+<file path=ppt/ink/ink4.xml><?xml version="1.0" encoding="utf-8"?>
 <inkml:ink xmlns:inkml="http://www.w3.org/2003/InkML">
   <inkml:definitions>
     <inkml:context xml:id="ctx0">
@@ -470,7 +714,7 @@
 </inkml:ink>
 </file>
 
-<file path=ppt/ink/ink3.xml><?xml version="1.0" encoding="utf-8"?>
+<file path=ppt/ink/ink5.xml><?xml version="1.0" encoding="utf-8"?>
 <inkml:ink xmlns:inkml="http://www.w3.org/2003/InkML">
   <inkml:definitions>
     <inkml:context xml:id="ctx0">
@@ -502,7 +746,7 @@
 </inkml:ink>
 </file>
 
-<file path=ppt/ink/ink4.xml><?xml version="1.0" encoding="utf-8"?>
+<file path=ppt/ink/ink6.xml><?xml version="1.0" encoding="utf-8"?>
 <inkml:ink xmlns:inkml="http://www.w3.org/2003/InkML">
   <inkml:definitions>
     <inkml:context xml:id="ctx0">
@@ -534,7 +778,7 @@
 </inkml:ink>
 </file>
 
-<file path=ppt/ink/ink5.xml><?xml version="1.0" encoding="utf-8"?>
+<file path=ppt/ink/ink7.xml><?xml version="1.0" encoding="utf-8"?>
 <inkml:ink xmlns:inkml="http://www.w3.org/2003/InkML">
   <inkml:definitions>
     <inkml:context xml:id="ctx0">
@@ -566,7 +810,7 @@
 </inkml:ink>
 </file>
 
-<file path=ppt/ink/ink6.xml><?xml version="1.0" encoding="utf-8"?>
+<file path=ppt/ink/ink8.xml><?xml version="1.0" encoding="utf-8"?>
 <inkml:ink xmlns:inkml="http://www.w3.org/2003/InkML">
   <inkml:definitions>
     <inkml:context xml:id="ctx0">
@@ -598,7 +842,7 @@
 </inkml:ink>
 </file>
 
-<file path=ppt/ink/ink7.xml><?xml version="1.0" encoding="utf-8"?>
+<file path=ppt/ink/ink9.xml><?xml version="1.0" encoding="utf-8"?>
 <inkml:ink xmlns:inkml="http://www.w3.org/2003/InkML">
   <inkml:definitions>
     <inkml:context xml:id="ctx0">
@@ -630,70 +874,6 @@
 </inkml:ink>
 </file>
 
-<file path=ppt/ink/ink8.xml><?xml version="1.0" encoding="utf-8"?>
-<inkml:ink xmlns:inkml="http://www.w3.org/2003/InkML">
-  <inkml:definitions>
-    <inkml:context xml:id="ctx0">
-      <inkml:inkSource xml:id="inkSrc0">
-        <inkml:traceFormat>
-          <inkml:channel name="X" type="integer" min="-2.14748E9" max="2.14748E9" units="cm"/>
-          <inkml:channel name="Y" type="integer" min="-2.14748E9" max="2.14748E9" units="cm"/>
-          <inkml:channel name="F" type="integer" max="32767" units="dev"/>
-          <inkml:channel name="OA" type="integer" max="360" units="deg"/>
-          <inkml:channel name="OE" type="integer" max="90" units="deg"/>
-        </inkml:traceFormat>
-        <inkml:channelProperties>
-          <inkml:channelProperty channel="X" name="resolution" value="1000" units="1/cm"/>
-          <inkml:channelProperty channel="Y" name="resolution" value="1000" units="1/cm"/>
-          <inkml:channelProperty channel="F" name="resolution" value="0" units="1/dev"/>
-          <inkml:channelProperty channel="OA" name="resolution" value="1000" units="1/deg"/>
-          <inkml:channelProperty channel="OE" name="resolution" value="1000" units="1/deg"/>
-        </inkml:channelProperties>
-      </inkml:inkSource>
-      <inkml:timestamp xml:id="ts0" timeString="2023-01-09T13:41:22.079"/>
-    </inkml:context>
-    <inkml:brush xml:id="br0">
-      <inkml:brushProperty name="width" value="0.05" units="cm"/>
-      <inkml:brushProperty name="height" value="0.05" units="cm"/>
-      <inkml:brushProperty name="color" value="#E71224"/>
-    </inkml:brush>
-  </inkml:definitions>
-  <inkml:trace contextRef="#ctx0" brushRef="#br0">3976 0 2303 0 0,'0'0'7564'0'0,"-11"5"-5460"0"0,6-2-1607 0 0,1-1-1 0 0,0 1 1 0 0,0 0-1 0 0,0 0 1 0 0,1 1-1 0 0,-1-1 1 0 0,1 1-1 0 0,0 0 1 0 0,0 0-1 0 0,-3 4 1 0 0,-26 47 1076 0 0,30-51-1496 0 0,-5 11 169 0 0,1 1 0 0 0,1 1 0 0 0,-7 31 0 0 0,5-20-26 0 0,2-7-73 0 0,1-1 34 0 0,-1-1-1 0 0,-12 28 0 0 0,-103 190 703 0 0,101-199-801 0 0,11-20-38 0 0,-1-1 1 0 0,-15 22 0 0 0,-44 60 48 0 0,27-38-29 0 0,25-40-41 0 0,-2-1-1 0 0,-26 25 0 0 0,14-14-25 0 0,9-12 22 0 0,0-2 0 0 0,-1 0 0 0 0,-32 18 0 0 0,13-8 37 0 0,-222 148 84 0 0,68-57-108 0 0,140-91-16 0 0,-99 37 0 0 0,-30-8 52 0 0,65-21-19 0 0,-97 14 39 0 0,51-14 136 0 0,-28 19-66 0 0,-198 52 151 0 0,324-84-261 0 0,-127 62 0 0 0,51-18-8 0 0,-2 0-40 0 0,113-50 0 0 0,-4 2 0 0 0,-72 31 0 0 0,30-16 0 0 0,-20 7 0 0 0,61-25 0 0 0,-53 30 0 0 0,-19 9 0 0 0,93-47 0 0 0,-1 2 0 0 0,1 0 0 0 0,1 0 0 0 0,-1 2 0 0 0,2 0 0 0 0,-1 0 0 0 0,2 2 0 0 0,0 0 0 0 0,-23 28 0 0 0,30-33 0 0 0,1-1-12 0 0,-4 9-198 0 0</inkml:trace>
-</inkml:ink>
-</file>
-
-<file path=ppt/ink/ink9.xml><?xml version="1.0" encoding="utf-8"?>
-<inkml:ink xmlns:inkml="http://www.w3.org/2003/InkML">
-  <inkml:definitions>
-    <inkml:context xml:id="ctx0">
-      <inkml:inkSource xml:id="inkSrc0">
-        <inkml:traceFormat>
-          <inkml:channel name="X" type="integer" min="-2.14748E9" max="2.14748E9" units="cm"/>
-          <inkml:channel name="Y" type="integer" min="-2.14748E9" max="2.14748E9" units="cm"/>
-          <inkml:channel name="F" type="integer" max="32767" units="dev"/>
-          <inkml:channel name="OA" type="integer" max="360" units="deg"/>
-          <inkml:channel name="OE" type="integer" max="90" units="deg"/>
-        </inkml:traceFormat>
-        <inkml:channelProperties>
-          <inkml:channelProperty channel="X" name="resolution" value="1000" units="1/cm"/>
-          <inkml:channelProperty channel="Y" name="resolution" value="1000" units="1/cm"/>
-          <inkml:channelProperty channel="F" name="resolution" value="0" units="1/dev"/>
-          <inkml:channelProperty channel="OA" name="resolution" value="1000" units="1/deg"/>
-          <inkml:channelProperty channel="OE" name="resolution" value="1000" units="1/deg"/>
-        </inkml:channelProperties>
-      </inkml:inkSource>
-      <inkml:timestamp xml:id="ts0" timeString="2023-01-09T13:41:22.582"/>
-    </inkml:context>
-    <inkml:brush xml:id="br0">
-      <inkml:brushProperty name="width" value="0.05" units="cm"/>
-      <inkml:brushProperty name="height" value="0.05" units="cm"/>
-      <inkml:brushProperty name="color" value="#E71224"/>
-    </inkml:brush>
-  </inkml:definitions>
-  <inkml:trace contextRef="#ctx0" brushRef="#br0">110 1 9215 0 0,'0'0'1231'0'0,"-16"12"6785"0"0,13-7-7815 0 0,-1 0 0 0 0,1 0 0 0 0,0 1 0 0 0,0-1 0 0 0,1 1 0 0 0,0-1 0 0 0,-3 12 0 0 0,-7 45-159 0 0,9-43 57 0 0,-15 81-22 0 0,5-30-73 0 0,-8 108-1 0 0,21-166-3 0 0,-1-7 0 0 0,1 0 0 0 0,0 1 0 0 0,0-1 0 0 0,1 0 0 0 0,-1 0 0 0 0,1 0 0 0 0,0 0 0 0 0,1 0 0 0 0,-1 0 0 0 0,1 0 0 0 0,4 8 0 0 0,-5-10 0 0 0,0-1 0 0 0,1 1 0 0 0,-1-1 0 0 0,1 0-1 0 0,0 1 1 0 0,0-1 0 0 0,0 0 0 0 0,0 0 0 0 0,0 0 0 0 0,0-1 0 0 0,1 1-1 0 0,-1 0 1 0 0,0-1 0 0 0,1 1 0 0 0,0-1 0 0 0,-1 0 0 0 0,1 0-1 0 0,0 0 1 0 0,-1 0 0 0 0,1 0 0 0 0,0-1 0 0 0,0 1 0 0 0,0-1 0 0 0,0 0-1 0 0,4 0 1 0 0,6 0 8 0 0,1-2-1 0 0,-1 1 1 0 0,0-2-1 0 0,15-3 1 0 0,-18 3 12 0 0,24-7 186 0 0,43-19 0 0 0,-10 4 40 0 0,1 5-51 0 0,0 4-1 0 0,86-9 1 0 0,26-6-6773 0 0,-133 20 124 0 0</inkml:trace>
-</inkml:ink>
-</file>
-
 <file path=ppt/slideLayouts/slideLayout1.xml><?xml version="1.0" encoding="utf-8"?>
 <p:sldLayout xmlns:a="http://schemas.openxmlformats.org/drawingml/2006/main" xmlns:r="http://schemas.openxmlformats.org/officeDocument/2006/relationships" xmlns:p="http://schemas.openxmlformats.org/presentationml/2006/main" type="title" preserve="1">
   <p:cSld name="Title Slide">
@@ -1326,6 +1506,1703 @@
 </p:sldLayout>
 </file>
 
+<file path=ppt/slideLayouts/slideLayout12.xml><?xml version="1.0" encoding="utf-8"?>
+<p:sldLayout xmlns:a="http://schemas.openxmlformats.org/drawingml/2006/main" xmlns:r="http://schemas.openxmlformats.org/officeDocument/2006/relationships" xmlns:p="http://schemas.openxmlformats.org/presentationml/2006/main" type="title" preserve="1">
+  <p:cSld name="Title Slide">
+    <p:spTree>
+      <p:nvGrpSpPr>
+        <p:cNvPr id="1" name=""/>
+        <p:cNvGrpSpPr/>
+        <p:nvPr/>
+      </p:nvGrpSpPr>
+      <p:grpSpPr>
+        <a:xfrm>
+          <a:off x="0" y="0"/>
+          <a:ext cx="0" cy="0"/>
+          <a:chOff x="0" y="0"/>
+          <a:chExt cx="0" cy="0"/>
+        </a:xfrm>
+      </p:grpSpPr>
+      <p:sp>
+        <p:nvSpPr>
+          <p:cNvPr id="2" name="Title 1"/>
+          <p:cNvSpPr>
+            <a:spLocks noGrp="1"/>
+          </p:cNvSpPr>
+          <p:nvPr>
+            <p:ph type="ctrTitle"/>
+          </p:nvPr>
+        </p:nvSpPr>
+        <p:spPr>
+          <a:xfrm>
+            <a:off x="1524000" y="1122363"/>
+            <a:ext cx="9144000" cy="2387600"/>
+          </a:xfrm>
+        </p:spPr>
+        <p:txBody>
+          <a:bodyPr anchor="b"/>
+          <a:lstStyle>
+            <a:lvl1pPr algn="ctr">
+              <a:defRPr sz="6000"/>
+            </a:lvl1pPr>
+          </a:lstStyle>
+          <a:p>
+            <a:r>
+              <a:rPr lang="en-US"/>
+              <a:t>Click to edit Master title style</a:t>
+            </a:r>
+            <a:endParaRPr lang="en-US" dirty="0"/>
+          </a:p>
+        </p:txBody>
+      </p:sp>
+      <p:sp>
+        <p:nvSpPr>
+          <p:cNvPr id="3" name="Subtitle 2"/>
+          <p:cNvSpPr>
+            <a:spLocks noGrp="1"/>
+          </p:cNvSpPr>
+          <p:nvPr>
+            <p:ph type="subTitle" idx="1"/>
+          </p:nvPr>
+        </p:nvSpPr>
+        <p:spPr>
+          <a:xfrm>
+            <a:off x="1524000" y="3602038"/>
+            <a:ext cx="9144000" cy="1655762"/>
+          </a:xfrm>
+        </p:spPr>
+        <p:txBody>
+          <a:bodyPr/>
+          <a:lstStyle>
+            <a:lvl1pPr marL="0" indent="0" algn="ctr">
+              <a:buNone/>
+              <a:defRPr sz="2400"/>
+            </a:lvl1pPr>
+            <a:lvl2pPr marL="457200" indent="0" algn="ctr">
+              <a:buNone/>
+              <a:defRPr sz="2000"/>
+            </a:lvl2pPr>
+            <a:lvl3pPr marL="914400" indent="0" algn="ctr">
+              <a:buNone/>
+              <a:defRPr sz="1800"/>
+            </a:lvl3pPr>
+            <a:lvl4pPr marL="1371600" indent="0" algn="ctr">
+              <a:buNone/>
+              <a:defRPr sz="1600"/>
+            </a:lvl4pPr>
+            <a:lvl5pPr marL="1828800" indent="0" algn="ctr">
+              <a:buNone/>
+              <a:defRPr sz="1600"/>
+            </a:lvl5pPr>
+            <a:lvl6pPr marL="2286000" indent="0" algn="ctr">
+              <a:buNone/>
+              <a:defRPr sz="1600"/>
+            </a:lvl6pPr>
+            <a:lvl7pPr marL="2743200" indent="0" algn="ctr">
+              <a:buNone/>
+              <a:defRPr sz="1600"/>
+            </a:lvl7pPr>
+            <a:lvl8pPr marL="3200400" indent="0" algn="ctr">
+              <a:buNone/>
+              <a:defRPr sz="1600"/>
+            </a:lvl8pPr>
+            <a:lvl9pPr marL="3657600" indent="0" algn="ctr">
+              <a:buNone/>
+              <a:defRPr sz="1600"/>
+            </a:lvl9pPr>
+          </a:lstStyle>
+          <a:p>
+            <a:r>
+              <a:rPr lang="en-US"/>
+              <a:t>Click to edit Master subtitle style</a:t>
+            </a:r>
+            <a:endParaRPr lang="en-US" dirty="0"/>
+          </a:p>
+        </p:txBody>
+      </p:sp>
+      <p:sp>
+        <p:nvSpPr>
+          <p:cNvPr id="4" name="Date Placeholder 3"/>
+          <p:cNvSpPr>
+            <a:spLocks noGrp="1"/>
+          </p:cNvSpPr>
+          <p:nvPr>
+            <p:ph type="dt" sz="half" idx="10"/>
+          </p:nvPr>
+        </p:nvSpPr>
+        <p:spPr/>
+        <p:txBody>
+          <a:bodyPr/>
+          <a:lstStyle/>
+          <a:p>
+            <a:fld id="{846CE7D5-CF57-46EF-B807-FDD0502418D4}" type="datetimeFigureOut">
+              <a:rPr lang="en-US" smtClean="0"/>
+              <a:t>1/9/2023</a:t>
+            </a:fld>
+            <a:endParaRPr lang="en-US"/>
+          </a:p>
+        </p:txBody>
+      </p:sp>
+      <p:sp>
+        <p:nvSpPr>
+          <p:cNvPr id="5" name="Footer Placeholder 4"/>
+          <p:cNvSpPr>
+            <a:spLocks noGrp="1"/>
+          </p:cNvSpPr>
+          <p:nvPr>
+            <p:ph type="ftr" sz="quarter" idx="11"/>
+          </p:nvPr>
+        </p:nvSpPr>
+        <p:spPr/>
+        <p:txBody>
+          <a:bodyPr/>
+          <a:lstStyle/>
+          <a:p>
+            <a:endParaRPr lang="en-US"/>
+          </a:p>
+        </p:txBody>
+      </p:sp>
+      <p:sp>
+        <p:nvSpPr>
+          <p:cNvPr id="6" name="Slide Number Placeholder 5"/>
+          <p:cNvSpPr>
+            <a:spLocks noGrp="1"/>
+          </p:cNvSpPr>
+          <p:nvPr>
+            <p:ph type="sldNum" sz="quarter" idx="12"/>
+          </p:nvPr>
+        </p:nvSpPr>
+        <p:spPr/>
+        <p:txBody>
+          <a:bodyPr/>
+          <a:lstStyle/>
+          <a:p>
+            <a:fld id="{330EA680-D336-4FF7-8B7A-9848BB0A1C32}" type="slidenum">
+              <a:rPr lang="en-US" smtClean="0"/>
+              <a:t>‹#›</a:t>
+            </a:fld>
+            <a:endParaRPr lang="en-US"/>
+          </a:p>
+        </p:txBody>
+      </p:sp>
+    </p:spTree>
+    <p:extLst>
+      <p:ext uri="{BB962C8B-B14F-4D97-AF65-F5344CB8AC3E}">
+        <p14:creationId xmlns:p14="http://schemas.microsoft.com/office/powerpoint/2010/main" val="2274482764"/>
+      </p:ext>
+    </p:extLst>
+  </p:cSld>
+  <p:clrMapOvr>
+    <a:masterClrMapping/>
+  </p:clrMapOvr>
+</p:sldLayout>
+</file>
+
+<file path=ppt/slideLayouts/slideLayout13.xml><?xml version="1.0" encoding="utf-8"?>
+<p:sldLayout xmlns:a="http://schemas.openxmlformats.org/drawingml/2006/main" xmlns:r="http://schemas.openxmlformats.org/officeDocument/2006/relationships" xmlns:p="http://schemas.openxmlformats.org/presentationml/2006/main" type="obj" preserve="1">
+  <p:cSld name="Title and Content">
+    <p:spTree>
+      <p:nvGrpSpPr>
+        <p:cNvPr id="1" name=""/>
+        <p:cNvGrpSpPr/>
+        <p:nvPr/>
+      </p:nvGrpSpPr>
+      <p:grpSpPr>
+        <a:xfrm>
+          <a:off x="0" y="0"/>
+          <a:ext cx="0" cy="0"/>
+          <a:chOff x="0" y="0"/>
+          <a:chExt cx="0" cy="0"/>
+        </a:xfrm>
+      </p:grpSpPr>
+      <p:sp>
+        <p:nvSpPr>
+          <p:cNvPr id="2" name="Title 1"/>
+          <p:cNvSpPr>
+            <a:spLocks noGrp="1"/>
+          </p:cNvSpPr>
+          <p:nvPr>
+            <p:ph type="title"/>
+          </p:nvPr>
+        </p:nvSpPr>
+        <p:spPr/>
+        <p:txBody>
+          <a:bodyPr/>
+          <a:lstStyle/>
+          <a:p>
+            <a:r>
+              <a:rPr lang="en-US"/>
+              <a:t>Click to edit Master title style</a:t>
+            </a:r>
+            <a:endParaRPr lang="en-US" dirty="0"/>
+          </a:p>
+        </p:txBody>
+      </p:sp>
+      <p:sp>
+        <p:nvSpPr>
+          <p:cNvPr id="3" name="Content Placeholder 2"/>
+          <p:cNvSpPr>
+            <a:spLocks noGrp="1"/>
+          </p:cNvSpPr>
+          <p:nvPr>
+            <p:ph idx="1"/>
+          </p:nvPr>
+        </p:nvSpPr>
+        <p:spPr/>
+        <p:txBody>
+          <a:bodyPr/>
+          <a:lstStyle/>
+          <a:p>
+            <a:pPr lvl="0"/>
+            <a:r>
+              <a:rPr lang="en-US"/>
+              <a:t>Click to edit Master text styles</a:t>
+            </a:r>
+          </a:p>
+          <a:p>
+            <a:pPr lvl="1"/>
+            <a:r>
+              <a:rPr lang="en-US"/>
+              <a:t>Second level</a:t>
+            </a:r>
+          </a:p>
+          <a:p>
+            <a:pPr lvl="2"/>
+            <a:r>
+              <a:rPr lang="en-US"/>
+              <a:t>Third level</a:t>
+            </a:r>
+          </a:p>
+          <a:p>
+            <a:pPr lvl="3"/>
+            <a:r>
+              <a:rPr lang="en-US"/>
+              <a:t>Fourth level</a:t>
+            </a:r>
+          </a:p>
+          <a:p>
+            <a:pPr lvl="4"/>
+            <a:r>
+              <a:rPr lang="en-US"/>
+              <a:t>Fifth level</a:t>
+            </a:r>
+            <a:endParaRPr lang="en-US" dirty="0"/>
+          </a:p>
+        </p:txBody>
+      </p:sp>
+      <p:sp>
+        <p:nvSpPr>
+          <p:cNvPr id="4" name="Date Placeholder 3"/>
+          <p:cNvSpPr>
+            <a:spLocks noGrp="1"/>
+          </p:cNvSpPr>
+          <p:nvPr>
+            <p:ph type="dt" sz="half" idx="10"/>
+          </p:nvPr>
+        </p:nvSpPr>
+        <p:spPr/>
+        <p:txBody>
+          <a:bodyPr/>
+          <a:lstStyle/>
+          <a:p>
+            <a:fld id="{846CE7D5-CF57-46EF-B807-FDD0502418D4}" type="datetimeFigureOut">
+              <a:rPr lang="en-US" smtClean="0"/>
+              <a:t>1/9/2023</a:t>
+            </a:fld>
+            <a:endParaRPr lang="en-US"/>
+          </a:p>
+        </p:txBody>
+      </p:sp>
+      <p:sp>
+        <p:nvSpPr>
+          <p:cNvPr id="5" name="Footer Placeholder 4"/>
+          <p:cNvSpPr>
+            <a:spLocks noGrp="1"/>
+          </p:cNvSpPr>
+          <p:nvPr>
+            <p:ph type="ftr" sz="quarter" idx="11"/>
+          </p:nvPr>
+        </p:nvSpPr>
+        <p:spPr/>
+        <p:txBody>
+          <a:bodyPr/>
+          <a:lstStyle/>
+          <a:p>
+            <a:endParaRPr lang="en-US"/>
+          </a:p>
+        </p:txBody>
+      </p:sp>
+      <p:sp>
+        <p:nvSpPr>
+          <p:cNvPr id="6" name="Slide Number Placeholder 5"/>
+          <p:cNvSpPr>
+            <a:spLocks noGrp="1"/>
+          </p:cNvSpPr>
+          <p:nvPr>
+            <p:ph type="sldNum" sz="quarter" idx="12"/>
+          </p:nvPr>
+        </p:nvSpPr>
+        <p:spPr/>
+        <p:txBody>
+          <a:bodyPr/>
+          <a:lstStyle/>
+          <a:p>
+            <a:fld id="{330EA680-D336-4FF7-8B7A-9848BB0A1C32}" type="slidenum">
+              <a:rPr lang="en-US" smtClean="0"/>
+              <a:t>‹#›</a:t>
+            </a:fld>
+            <a:endParaRPr lang="en-US"/>
+          </a:p>
+        </p:txBody>
+      </p:sp>
+    </p:spTree>
+    <p:extLst>
+      <p:ext uri="{BB962C8B-B14F-4D97-AF65-F5344CB8AC3E}">
+        <p14:creationId xmlns:p14="http://schemas.microsoft.com/office/powerpoint/2010/main" val="3737820783"/>
+      </p:ext>
+    </p:extLst>
+  </p:cSld>
+  <p:clrMapOvr>
+    <a:masterClrMapping/>
+  </p:clrMapOvr>
+</p:sldLayout>
+</file>
+
+<file path=ppt/slideLayouts/slideLayout14.xml><?xml version="1.0" encoding="utf-8"?>
+<p:sldLayout xmlns:a="http://schemas.openxmlformats.org/drawingml/2006/main" xmlns:r="http://schemas.openxmlformats.org/officeDocument/2006/relationships" xmlns:p="http://schemas.openxmlformats.org/presentationml/2006/main" type="secHead" preserve="1">
+  <p:cSld name="Section Header">
+    <p:spTree>
+      <p:nvGrpSpPr>
+        <p:cNvPr id="1" name=""/>
+        <p:cNvGrpSpPr/>
+        <p:nvPr/>
+      </p:nvGrpSpPr>
+      <p:grpSpPr>
+        <a:xfrm>
+          <a:off x="0" y="0"/>
+          <a:ext cx="0" cy="0"/>
+          <a:chOff x="0" y="0"/>
+          <a:chExt cx="0" cy="0"/>
+        </a:xfrm>
+      </p:grpSpPr>
+      <p:sp>
+        <p:nvSpPr>
+          <p:cNvPr id="2" name="Title 1"/>
+          <p:cNvSpPr>
+            <a:spLocks noGrp="1"/>
+          </p:cNvSpPr>
+          <p:nvPr>
+            <p:ph type="title"/>
+          </p:nvPr>
+        </p:nvSpPr>
+        <p:spPr>
+          <a:xfrm>
+            <a:off x="831850" y="1709738"/>
+            <a:ext cx="10515600" cy="2852737"/>
+          </a:xfrm>
+        </p:spPr>
+        <p:txBody>
+          <a:bodyPr anchor="b"/>
+          <a:lstStyle>
+            <a:lvl1pPr>
+              <a:defRPr sz="6000"/>
+            </a:lvl1pPr>
+          </a:lstStyle>
+          <a:p>
+            <a:r>
+              <a:rPr lang="en-US"/>
+              <a:t>Click to edit Master title style</a:t>
+            </a:r>
+            <a:endParaRPr lang="en-US" dirty="0"/>
+          </a:p>
+        </p:txBody>
+      </p:sp>
+      <p:sp>
+        <p:nvSpPr>
+          <p:cNvPr id="3" name="Text Placeholder 2"/>
+          <p:cNvSpPr>
+            <a:spLocks noGrp="1"/>
+          </p:cNvSpPr>
+          <p:nvPr>
+            <p:ph type="body" idx="1"/>
+          </p:nvPr>
+        </p:nvSpPr>
+        <p:spPr>
+          <a:xfrm>
+            <a:off x="831850" y="4589463"/>
+            <a:ext cx="10515600" cy="1500187"/>
+          </a:xfrm>
+        </p:spPr>
+        <p:txBody>
+          <a:bodyPr/>
+          <a:lstStyle>
+            <a:lvl1pPr marL="0" indent="0">
+              <a:buNone/>
+              <a:defRPr sz="2400">
+                <a:solidFill>
+                  <a:schemeClr val="tx1">
+                    <a:tint val="75000"/>
+                  </a:schemeClr>
+                </a:solidFill>
+              </a:defRPr>
+            </a:lvl1pPr>
+            <a:lvl2pPr marL="457200" indent="0">
+              <a:buNone/>
+              <a:defRPr sz="2000">
+                <a:solidFill>
+                  <a:schemeClr val="tx1">
+                    <a:tint val="75000"/>
+                  </a:schemeClr>
+                </a:solidFill>
+              </a:defRPr>
+            </a:lvl2pPr>
+            <a:lvl3pPr marL="914400" indent="0">
+              <a:buNone/>
+              <a:defRPr sz="1800">
+                <a:solidFill>
+                  <a:schemeClr val="tx1">
+                    <a:tint val="75000"/>
+                  </a:schemeClr>
+                </a:solidFill>
+              </a:defRPr>
+            </a:lvl3pPr>
+            <a:lvl4pPr marL="1371600" indent="0">
+              <a:buNone/>
+              <a:defRPr sz="1600">
+                <a:solidFill>
+                  <a:schemeClr val="tx1">
+                    <a:tint val="75000"/>
+                  </a:schemeClr>
+                </a:solidFill>
+              </a:defRPr>
+            </a:lvl4pPr>
+            <a:lvl5pPr marL="1828800" indent="0">
+              <a:buNone/>
+              <a:defRPr sz="1600">
+                <a:solidFill>
+                  <a:schemeClr val="tx1">
+                    <a:tint val="75000"/>
+                  </a:schemeClr>
+                </a:solidFill>
+              </a:defRPr>
+            </a:lvl5pPr>
+            <a:lvl6pPr marL="2286000" indent="0">
+              <a:buNone/>
+              <a:defRPr sz="1600">
+                <a:solidFill>
+                  <a:schemeClr val="tx1">
+                    <a:tint val="75000"/>
+                  </a:schemeClr>
+                </a:solidFill>
+              </a:defRPr>
+            </a:lvl6pPr>
+            <a:lvl7pPr marL="2743200" indent="0">
+              <a:buNone/>
+              <a:defRPr sz="1600">
+                <a:solidFill>
+                  <a:schemeClr val="tx1">
+                    <a:tint val="75000"/>
+                  </a:schemeClr>
+                </a:solidFill>
+              </a:defRPr>
+            </a:lvl7pPr>
+            <a:lvl8pPr marL="3200400" indent="0">
+              <a:buNone/>
+              <a:defRPr sz="1600">
+                <a:solidFill>
+                  <a:schemeClr val="tx1">
+                    <a:tint val="75000"/>
+                  </a:schemeClr>
+                </a:solidFill>
+              </a:defRPr>
+            </a:lvl8pPr>
+            <a:lvl9pPr marL="3657600" indent="0">
+              <a:buNone/>
+              <a:defRPr sz="1600">
+                <a:solidFill>
+                  <a:schemeClr val="tx1">
+                    <a:tint val="75000"/>
+                  </a:schemeClr>
+                </a:solidFill>
+              </a:defRPr>
+            </a:lvl9pPr>
+          </a:lstStyle>
+          <a:p>
+            <a:pPr lvl="0"/>
+            <a:r>
+              <a:rPr lang="en-US"/>
+              <a:t>Click to edit Master text styles</a:t>
+            </a:r>
+          </a:p>
+        </p:txBody>
+      </p:sp>
+      <p:sp>
+        <p:nvSpPr>
+          <p:cNvPr id="4" name="Date Placeholder 3"/>
+          <p:cNvSpPr>
+            <a:spLocks noGrp="1"/>
+          </p:cNvSpPr>
+          <p:nvPr>
+            <p:ph type="dt" sz="half" idx="10"/>
+          </p:nvPr>
+        </p:nvSpPr>
+        <p:spPr/>
+        <p:txBody>
+          <a:bodyPr/>
+          <a:lstStyle/>
+          <a:p>
+            <a:fld id="{846CE7D5-CF57-46EF-B807-FDD0502418D4}" type="datetimeFigureOut">
+              <a:rPr lang="en-US" smtClean="0"/>
+              <a:t>1/9/2023</a:t>
+            </a:fld>
+            <a:endParaRPr lang="en-US"/>
+          </a:p>
+        </p:txBody>
+      </p:sp>
+      <p:sp>
+        <p:nvSpPr>
+          <p:cNvPr id="5" name="Footer Placeholder 4"/>
+          <p:cNvSpPr>
+            <a:spLocks noGrp="1"/>
+          </p:cNvSpPr>
+          <p:nvPr>
+            <p:ph type="ftr" sz="quarter" idx="11"/>
+          </p:nvPr>
+        </p:nvSpPr>
+        <p:spPr/>
+        <p:txBody>
+          <a:bodyPr/>
+          <a:lstStyle/>
+          <a:p>
+            <a:endParaRPr lang="en-US"/>
+          </a:p>
+        </p:txBody>
+      </p:sp>
+      <p:sp>
+        <p:nvSpPr>
+          <p:cNvPr id="6" name="Slide Number Placeholder 5"/>
+          <p:cNvSpPr>
+            <a:spLocks noGrp="1"/>
+          </p:cNvSpPr>
+          <p:nvPr>
+            <p:ph type="sldNum" sz="quarter" idx="12"/>
+          </p:nvPr>
+        </p:nvSpPr>
+        <p:spPr/>
+        <p:txBody>
+          <a:bodyPr/>
+          <a:lstStyle/>
+          <a:p>
+            <a:fld id="{330EA680-D336-4FF7-8B7A-9848BB0A1C32}" type="slidenum">
+              <a:rPr lang="en-US" smtClean="0"/>
+              <a:t>‹#›</a:t>
+            </a:fld>
+            <a:endParaRPr lang="en-US"/>
+          </a:p>
+        </p:txBody>
+      </p:sp>
+    </p:spTree>
+    <p:extLst>
+      <p:ext uri="{BB962C8B-B14F-4D97-AF65-F5344CB8AC3E}">
+        <p14:creationId xmlns:p14="http://schemas.microsoft.com/office/powerpoint/2010/main" val="1249751401"/>
+      </p:ext>
+    </p:extLst>
+  </p:cSld>
+  <p:clrMapOvr>
+    <a:masterClrMapping/>
+  </p:clrMapOvr>
+</p:sldLayout>
+</file>
+
+<file path=ppt/slideLayouts/slideLayout15.xml><?xml version="1.0" encoding="utf-8"?>
+<p:sldLayout xmlns:a="http://schemas.openxmlformats.org/drawingml/2006/main" xmlns:r="http://schemas.openxmlformats.org/officeDocument/2006/relationships" xmlns:p="http://schemas.openxmlformats.org/presentationml/2006/main" type="twoObj" preserve="1">
+  <p:cSld name="Two Content">
+    <p:spTree>
+      <p:nvGrpSpPr>
+        <p:cNvPr id="1" name=""/>
+        <p:cNvGrpSpPr/>
+        <p:nvPr/>
+      </p:nvGrpSpPr>
+      <p:grpSpPr>
+        <a:xfrm>
+          <a:off x="0" y="0"/>
+          <a:ext cx="0" cy="0"/>
+          <a:chOff x="0" y="0"/>
+          <a:chExt cx="0" cy="0"/>
+        </a:xfrm>
+      </p:grpSpPr>
+      <p:sp>
+        <p:nvSpPr>
+          <p:cNvPr id="2" name="Title 1"/>
+          <p:cNvSpPr>
+            <a:spLocks noGrp="1"/>
+          </p:cNvSpPr>
+          <p:nvPr>
+            <p:ph type="title"/>
+          </p:nvPr>
+        </p:nvSpPr>
+        <p:spPr/>
+        <p:txBody>
+          <a:bodyPr/>
+          <a:lstStyle/>
+          <a:p>
+            <a:r>
+              <a:rPr lang="en-US"/>
+              <a:t>Click to edit Master title style</a:t>
+            </a:r>
+            <a:endParaRPr lang="en-US" dirty="0"/>
+          </a:p>
+        </p:txBody>
+      </p:sp>
+      <p:sp>
+        <p:nvSpPr>
+          <p:cNvPr id="3" name="Content Placeholder 2"/>
+          <p:cNvSpPr>
+            <a:spLocks noGrp="1"/>
+          </p:cNvSpPr>
+          <p:nvPr>
+            <p:ph sz="half" idx="1"/>
+          </p:nvPr>
+        </p:nvSpPr>
+        <p:spPr>
+          <a:xfrm>
+            <a:off x="838200" y="1825625"/>
+            <a:ext cx="5181600" cy="4351338"/>
+          </a:xfrm>
+        </p:spPr>
+        <p:txBody>
+          <a:bodyPr/>
+          <a:lstStyle/>
+          <a:p>
+            <a:pPr lvl="0"/>
+            <a:r>
+              <a:rPr lang="en-US"/>
+              <a:t>Click to edit Master text styles</a:t>
+            </a:r>
+          </a:p>
+          <a:p>
+            <a:pPr lvl="1"/>
+            <a:r>
+              <a:rPr lang="en-US"/>
+              <a:t>Second level</a:t>
+            </a:r>
+          </a:p>
+          <a:p>
+            <a:pPr lvl="2"/>
+            <a:r>
+              <a:rPr lang="en-US"/>
+              <a:t>Third level</a:t>
+            </a:r>
+          </a:p>
+          <a:p>
+            <a:pPr lvl="3"/>
+            <a:r>
+              <a:rPr lang="en-US"/>
+              <a:t>Fourth level</a:t>
+            </a:r>
+          </a:p>
+          <a:p>
+            <a:pPr lvl="4"/>
+            <a:r>
+              <a:rPr lang="en-US"/>
+              <a:t>Fifth level</a:t>
+            </a:r>
+            <a:endParaRPr lang="en-US" dirty="0"/>
+          </a:p>
+        </p:txBody>
+      </p:sp>
+      <p:sp>
+        <p:nvSpPr>
+          <p:cNvPr id="4" name="Content Placeholder 3"/>
+          <p:cNvSpPr>
+            <a:spLocks noGrp="1"/>
+          </p:cNvSpPr>
+          <p:nvPr>
+            <p:ph sz="half" idx="2"/>
+          </p:nvPr>
+        </p:nvSpPr>
+        <p:spPr>
+          <a:xfrm>
+            <a:off x="6172200" y="1825625"/>
+            <a:ext cx="5181600" cy="4351338"/>
+          </a:xfrm>
+        </p:spPr>
+        <p:txBody>
+          <a:bodyPr/>
+          <a:lstStyle/>
+          <a:p>
+            <a:pPr lvl="0"/>
+            <a:r>
+              <a:rPr lang="en-US"/>
+              <a:t>Click to edit Master text styles</a:t>
+            </a:r>
+          </a:p>
+          <a:p>
+            <a:pPr lvl="1"/>
+            <a:r>
+              <a:rPr lang="en-US"/>
+              <a:t>Second level</a:t>
+            </a:r>
+          </a:p>
+          <a:p>
+            <a:pPr lvl="2"/>
+            <a:r>
+              <a:rPr lang="en-US"/>
+              <a:t>Third level</a:t>
+            </a:r>
+          </a:p>
+          <a:p>
+            <a:pPr lvl="3"/>
+            <a:r>
+              <a:rPr lang="en-US"/>
+              <a:t>Fourth level</a:t>
+            </a:r>
+          </a:p>
+          <a:p>
+            <a:pPr lvl="4"/>
+            <a:r>
+              <a:rPr lang="en-US"/>
+              <a:t>Fifth level</a:t>
+            </a:r>
+            <a:endParaRPr lang="en-US" dirty="0"/>
+          </a:p>
+        </p:txBody>
+      </p:sp>
+      <p:sp>
+        <p:nvSpPr>
+          <p:cNvPr id="5" name="Date Placeholder 4"/>
+          <p:cNvSpPr>
+            <a:spLocks noGrp="1"/>
+          </p:cNvSpPr>
+          <p:nvPr>
+            <p:ph type="dt" sz="half" idx="10"/>
+          </p:nvPr>
+        </p:nvSpPr>
+        <p:spPr/>
+        <p:txBody>
+          <a:bodyPr/>
+          <a:lstStyle/>
+          <a:p>
+            <a:fld id="{846CE7D5-CF57-46EF-B807-FDD0502418D4}" type="datetimeFigureOut">
+              <a:rPr lang="en-US" smtClean="0"/>
+              <a:t>1/9/2023</a:t>
+            </a:fld>
+            <a:endParaRPr lang="en-US"/>
+          </a:p>
+        </p:txBody>
+      </p:sp>
+      <p:sp>
+        <p:nvSpPr>
+          <p:cNvPr id="6" name="Footer Placeholder 5"/>
+          <p:cNvSpPr>
+            <a:spLocks noGrp="1"/>
+          </p:cNvSpPr>
+          <p:nvPr>
+            <p:ph type="ftr" sz="quarter" idx="11"/>
+          </p:nvPr>
+        </p:nvSpPr>
+        <p:spPr/>
+        <p:txBody>
+          <a:bodyPr/>
+          <a:lstStyle/>
+          <a:p>
+            <a:endParaRPr lang="en-US"/>
+          </a:p>
+        </p:txBody>
+      </p:sp>
+      <p:sp>
+        <p:nvSpPr>
+          <p:cNvPr id="7" name="Slide Number Placeholder 6"/>
+          <p:cNvSpPr>
+            <a:spLocks noGrp="1"/>
+          </p:cNvSpPr>
+          <p:nvPr>
+            <p:ph type="sldNum" sz="quarter" idx="12"/>
+          </p:nvPr>
+        </p:nvSpPr>
+        <p:spPr/>
+        <p:txBody>
+          <a:bodyPr/>
+          <a:lstStyle/>
+          <a:p>
+            <a:fld id="{330EA680-D336-4FF7-8B7A-9848BB0A1C32}" type="slidenum">
+              <a:rPr lang="en-US" smtClean="0"/>
+              <a:t>‹#›</a:t>
+            </a:fld>
+            <a:endParaRPr lang="en-US"/>
+          </a:p>
+        </p:txBody>
+      </p:sp>
+    </p:spTree>
+    <p:extLst>
+      <p:ext uri="{BB962C8B-B14F-4D97-AF65-F5344CB8AC3E}">
+        <p14:creationId xmlns:p14="http://schemas.microsoft.com/office/powerpoint/2010/main" val="2383258843"/>
+      </p:ext>
+    </p:extLst>
+  </p:cSld>
+  <p:clrMapOvr>
+    <a:masterClrMapping/>
+  </p:clrMapOvr>
+</p:sldLayout>
+</file>
+
+<file path=ppt/slideLayouts/slideLayout16.xml><?xml version="1.0" encoding="utf-8"?>
+<p:sldLayout xmlns:a="http://schemas.openxmlformats.org/drawingml/2006/main" xmlns:r="http://schemas.openxmlformats.org/officeDocument/2006/relationships" xmlns:p="http://schemas.openxmlformats.org/presentationml/2006/main" type="twoTxTwoObj" preserve="1">
+  <p:cSld name="Comparison">
+    <p:spTree>
+      <p:nvGrpSpPr>
+        <p:cNvPr id="1" name=""/>
+        <p:cNvGrpSpPr/>
+        <p:nvPr/>
+      </p:nvGrpSpPr>
+      <p:grpSpPr>
+        <a:xfrm>
+          <a:off x="0" y="0"/>
+          <a:ext cx="0" cy="0"/>
+          <a:chOff x="0" y="0"/>
+          <a:chExt cx="0" cy="0"/>
+        </a:xfrm>
+      </p:grpSpPr>
+      <p:sp>
+        <p:nvSpPr>
+          <p:cNvPr id="2" name="Title 1"/>
+          <p:cNvSpPr>
+            <a:spLocks noGrp="1"/>
+          </p:cNvSpPr>
+          <p:nvPr>
+            <p:ph type="title"/>
+          </p:nvPr>
+        </p:nvSpPr>
+        <p:spPr>
+          <a:xfrm>
+            <a:off x="839788" y="365125"/>
+            <a:ext cx="10515600" cy="1325563"/>
+          </a:xfrm>
+        </p:spPr>
+        <p:txBody>
+          <a:bodyPr/>
+          <a:lstStyle/>
+          <a:p>
+            <a:r>
+              <a:rPr lang="en-US"/>
+              <a:t>Click to edit Master title style</a:t>
+            </a:r>
+            <a:endParaRPr lang="en-US" dirty="0"/>
+          </a:p>
+        </p:txBody>
+      </p:sp>
+      <p:sp>
+        <p:nvSpPr>
+          <p:cNvPr id="3" name="Text Placeholder 2"/>
+          <p:cNvSpPr>
+            <a:spLocks noGrp="1"/>
+          </p:cNvSpPr>
+          <p:nvPr>
+            <p:ph type="body" idx="1"/>
+          </p:nvPr>
+        </p:nvSpPr>
+        <p:spPr>
+          <a:xfrm>
+            <a:off x="839788" y="1681163"/>
+            <a:ext cx="5157787" cy="823912"/>
+          </a:xfrm>
+        </p:spPr>
+        <p:txBody>
+          <a:bodyPr anchor="b"/>
+          <a:lstStyle>
+            <a:lvl1pPr marL="0" indent="0">
+              <a:buNone/>
+              <a:defRPr sz="2400" b="1"/>
+            </a:lvl1pPr>
+            <a:lvl2pPr marL="457200" indent="0">
+              <a:buNone/>
+              <a:defRPr sz="2000" b="1"/>
+            </a:lvl2pPr>
+            <a:lvl3pPr marL="914400" indent="0">
+              <a:buNone/>
+              <a:defRPr sz="1800" b="1"/>
+            </a:lvl3pPr>
+            <a:lvl4pPr marL="1371600" indent="0">
+              <a:buNone/>
+              <a:defRPr sz="1600" b="1"/>
+            </a:lvl4pPr>
+            <a:lvl5pPr marL="1828800" indent="0">
+              <a:buNone/>
+              <a:defRPr sz="1600" b="1"/>
+            </a:lvl5pPr>
+            <a:lvl6pPr marL="2286000" indent="0">
+              <a:buNone/>
+              <a:defRPr sz="1600" b="1"/>
+            </a:lvl6pPr>
+            <a:lvl7pPr marL="2743200" indent="0">
+              <a:buNone/>
+              <a:defRPr sz="1600" b="1"/>
+            </a:lvl7pPr>
+            <a:lvl8pPr marL="3200400" indent="0">
+              <a:buNone/>
+              <a:defRPr sz="1600" b="1"/>
+            </a:lvl8pPr>
+            <a:lvl9pPr marL="3657600" indent="0">
+              <a:buNone/>
+              <a:defRPr sz="1600" b="1"/>
+            </a:lvl9pPr>
+          </a:lstStyle>
+          <a:p>
+            <a:pPr lvl="0"/>
+            <a:r>
+              <a:rPr lang="en-US"/>
+              <a:t>Click to edit Master text styles</a:t>
+            </a:r>
+          </a:p>
+        </p:txBody>
+      </p:sp>
+      <p:sp>
+        <p:nvSpPr>
+          <p:cNvPr id="4" name="Content Placeholder 3"/>
+          <p:cNvSpPr>
+            <a:spLocks noGrp="1"/>
+          </p:cNvSpPr>
+          <p:nvPr>
+            <p:ph sz="half" idx="2"/>
+          </p:nvPr>
+        </p:nvSpPr>
+        <p:spPr>
+          <a:xfrm>
+            <a:off x="839788" y="2505075"/>
+            <a:ext cx="5157787" cy="3684588"/>
+          </a:xfrm>
+        </p:spPr>
+        <p:txBody>
+          <a:bodyPr/>
+          <a:lstStyle/>
+          <a:p>
+            <a:pPr lvl="0"/>
+            <a:r>
+              <a:rPr lang="en-US"/>
+              <a:t>Click to edit Master text styles</a:t>
+            </a:r>
+          </a:p>
+          <a:p>
+            <a:pPr lvl="1"/>
+            <a:r>
+              <a:rPr lang="en-US"/>
+              <a:t>Second level</a:t>
+            </a:r>
+          </a:p>
+          <a:p>
+            <a:pPr lvl="2"/>
+            <a:r>
+              <a:rPr lang="en-US"/>
+              <a:t>Third level</a:t>
+            </a:r>
+          </a:p>
+          <a:p>
+            <a:pPr lvl="3"/>
+            <a:r>
+              <a:rPr lang="en-US"/>
+              <a:t>Fourth level</a:t>
+            </a:r>
+          </a:p>
+          <a:p>
+            <a:pPr lvl="4"/>
+            <a:r>
+              <a:rPr lang="en-US"/>
+              <a:t>Fifth level</a:t>
+            </a:r>
+            <a:endParaRPr lang="en-US" dirty="0"/>
+          </a:p>
+        </p:txBody>
+      </p:sp>
+      <p:sp>
+        <p:nvSpPr>
+          <p:cNvPr id="5" name="Text Placeholder 4"/>
+          <p:cNvSpPr>
+            <a:spLocks noGrp="1"/>
+          </p:cNvSpPr>
+          <p:nvPr>
+            <p:ph type="body" sz="quarter" idx="3"/>
+          </p:nvPr>
+        </p:nvSpPr>
+        <p:spPr>
+          <a:xfrm>
+            <a:off x="6172200" y="1681163"/>
+            <a:ext cx="5183188" cy="823912"/>
+          </a:xfrm>
+        </p:spPr>
+        <p:txBody>
+          <a:bodyPr anchor="b"/>
+          <a:lstStyle>
+            <a:lvl1pPr marL="0" indent="0">
+              <a:buNone/>
+              <a:defRPr sz="2400" b="1"/>
+            </a:lvl1pPr>
+            <a:lvl2pPr marL="457200" indent="0">
+              <a:buNone/>
+              <a:defRPr sz="2000" b="1"/>
+            </a:lvl2pPr>
+            <a:lvl3pPr marL="914400" indent="0">
+              <a:buNone/>
+              <a:defRPr sz="1800" b="1"/>
+            </a:lvl3pPr>
+            <a:lvl4pPr marL="1371600" indent="0">
+              <a:buNone/>
+              <a:defRPr sz="1600" b="1"/>
+            </a:lvl4pPr>
+            <a:lvl5pPr marL="1828800" indent="0">
+              <a:buNone/>
+              <a:defRPr sz="1600" b="1"/>
+            </a:lvl5pPr>
+            <a:lvl6pPr marL="2286000" indent="0">
+              <a:buNone/>
+              <a:defRPr sz="1600" b="1"/>
+            </a:lvl6pPr>
+            <a:lvl7pPr marL="2743200" indent="0">
+              <a:buNone/>
+              <a:defRPr sz="1600" b="1"/>
+            </a:lvl7pPr>
+            <a:lvl8pPr marL="3200400" indent="0">
+              <a:buNone/>
+              <a:defRPr sz="1600" b="1"/>
+            </a:lvl8pPr>
+            <a:lvl9pPr marL="3657600" indent="0">
+              <a:buNone/>
+              <a:defRPr sz="1600" b="1"/>
+            </a:lvl9pPr>
+          </a:lstStyle>
+          <a:p>
+            <a:pPr lvl="0"/>
+            <a:r>
+              <a:rPr lang="en-US"/>
+              <a:t>Click to edit Master text styles</a:t>
+            </a:r>
+          </a:p>
+        </p:txBody>
+      </p:sp>
+      <p:sp>
+        <p:nvSpPr>
+          <p:cNvPr id="6" name="Content Placeholder 5"/>
+          <p:cNvSpPr>
+            <a:spLocks noGrp="1"/>
+          </p:cNvSpPr>
+          <p:nvPr>
+            <p:ph sz="quarter" idx="4"/>
+          </p:nvPr>
+        </p:nvSpPr>
+        <p:spPr>
+          <a:xfrm>
+            <a:off x="6172200" y="2505075"/>
+            <a:ext cx="5183188" cy="3684588"/>
+          </a:xfrm>
+        </p:spPr>
+        <p:txBody>
+          <a:bodyPr/>
+          <a:lstStyle/>
+          <a:p>
+            <a:pPr lvl="0"/>
+            <a:r>
+              <a:rPr lang="en-US"/>
+              <a:t>Click to edit Master text styles</a:t>
+            </a:r>
+          </a:p>
+          <a:p>
+            <a:pPr lvl="1"/>
+            <a:r>
+              <a:rPr lang="en-US"/>
+              <a:t>Second level</a:t>
+            </a:r>
+          </a:p>
+          <a:p>
+            <a:pPr lvl="2"/>
+            <a:r>
+              <a:rPr lang="en-US"/>
+              <a:t>Third level</a:t>
+            </a:r>
+          </a:p>
+          <a:p>
+            <a:pPr lvl="3"/>
+            <a:r>
+              <a:rPr lang="en-US"/>
+              <a:t>Fourth level</a:t>
+            </a:r>
+          </a:p>
+          <a:p>
+            <a:pPr lvl="4"/>
+            <a:r>
+              <a:rPr lang="en-US"/>
+              <a:t>Fifth level</a:t>
+            </a:r>
+            <a:endParaRPr lang="en-US" dirty="0"/>
+          </a:p>
+        </p:txBody>
+      </p:sp>
+      <p:sp>
+        <p:nvSpPr>
+          <p:cNvPr id="7" name="Date Placeholder 6"/>
+          <p:cNvSpPr>
+            <a:spLocks noGrp="1"/>
+          </p:cNvSpPr>
+          <p:nvPr>
+            <p:ph type="dt" sz="half" idx="10"/>
+          </p:nvPr>
+        </p:nvSpPr>
+        <p:spPr/>
+        <p:txBody>
+          <a:bodyPr/>
+          <a:lstStyle/>
+          <a:p>
+            <a:fld id="{846CE7D5-CF57-46EF-B807-FDD0502418D4}" type="datetimeFigureOut">
+              <a:rPr lang="en-US" smtClean="0"/>
+              <a:t>1/9/2023</a:t>
+            </a:fld>
+            <a:endParaRPr lang="en-US"/>
+          </a:p>
+        </p:txBody>
+      </p:sp>
+      <p:sp>
+        <p:nvSpPr>
+          <p:cNvPr id="8" name="Footer Placeholder 7"/>
+          <p:cNvSpPr>
+            <a:spLocks noGrp="1"/>
+          </p:cNvSpPr>
+          <p:nvPr>
+            <p:ph type="ftr" sz="quarter" idx="11"/>
+          </p:nvPr>
+        </p:nvSpPr>
+        <p:spPr/>
+        <p:txBody>
+          <a:bodyPr/>
+          <a:lstStyle/>
+          <a:p>
+            <a:endParaRPr lang="en-US"/>
+          </a:p>
+        </p:txBody>
+      </p:sp>
+      <p:sp>
+        <p:nvSpPr>
+          <p:cNvPr id="9" name="Slide Number Placeholder 8"/>
+          <p:cNvSpPr>
+            <a:spLocks noGrp="1"/>
+          </p:cNvSpPr>
+          <p:nvPr>
+            <p:ph type="sldNum" sz="quarter" idx="12"/>
+          </p:nvPr>
+        </p:nvSpPr>
+        <p:spPr/>
+        <p:txBody>
+          <a:bodyPr/>
+          <a:lstStyle/>
+          <a:p>
+            <a:fld id="{330EA680-D336-4FF7-8B7A-9848BB0A1C32}" type="slidenum">
+              <a:rPr lang="en-US" smtClean="0"/>
+              <a:t>‹#›</a:t>
+            </a:fld>
+            <a:endParaRPr lang="en-US"/>
+          </a:p>
+        </p:txBody>
+      </p:sp>
+    </p:spTree>
+    <p:extLst>
+      <p:ext uri="{BB962C8B-B14F-4D97-AF65-F5344CB8AC3E}">
+        <p14:creationId xmlns:p14="http://schemas.microsoft.com/office/powerpoint/2010/main" val="3952909279"/>
+      </p:ext>
+    </p:extLst>
+  </p:cSld>
+  <p:clrMapOvr>
+    <a:masterClrMapping/>
+  </p:clrMapOvr>
+</p:sldLayout>
+</file>
+
+<file path=ppt/slideLayouts/slideLayout17.xml><?xml version="1.0" encoding="utf-8"?>
+<p:sldLayout xmlns:a="http://schemas.openxmlformats.org/drawingml/2006/main" xmlns:r="http://schemas.openxmlformats.org/officeDocument/2006/relationships" xmlns:p="http://schemas.openxmlformats.org/presentationml/2006/main" type="titleOnly" preserve="1">
+  <p:cSld name="Title Only">
+    <p:spTree>
+      <p:nvGrpSpPr>
+        <p:cNvPr id="1" name=""/>
+        <p:cNvGrpSpPr/>
+        <p:nvPr/>
+      </p:nvGrpSpPr>
+      <p:grpSpPr>
+        <a:xfrm>
+          <a:off x="0" y="0"/>
+          <a:ext cx="0" cy="0"/>
+          <a:chOff x="0" y="0"/>
+          <a:chExt cx="0" cy="0"/>
+        </a:xfrm>
+      </p:grpSpPr>
+      <p:sp>
+        <p:nvSpPr>
+          <p:cNvPr id="2" name="Title 1"/>
+          <p:cNvSpPr>
+            <a:spLocks noGrp="1"/>
+          </p:cNvSpPr>
+          <p:nvPr>
+            <p:ph type="title"/>
+          </p:nvPr>
+        </p:nvSpPr>
+        <p:spPr/>
+        <p:txBody>
+          <a:bodyPr/>
+          <a:lstStyle/>
+          <a:p>
+            <a:r>
+              <a:rPr lang="en-US"/>
+              <a:t>Click to edit Master title style</a:t>
+            </a:r>
+            <a:endParaRPr lang="en-US" dirty="0"/>
+          </a:p>
+        </p:txBody>
+      </p:sp>
+      <p:sp>
+        <p:nvSpPr>
+          <p:cNvPr id="3" name="Date Placeholder 2"/>
+          <p:cNvSpPr>
+            <a:spLocks noGrp="1"/>
+          </p:cNvSpPr>
+          <p:nvPr>
+            <p:ph type="dt" sz="half" idx="10"/>
+          </p:nvPr>
+        </p:nvSpPr>
+        <p:spPr/>
+        <p:txBody>
+          <a:bodyPr/>
+          <a:lstStyle/>
+          <a:p>
+            <a:fld id="{846CE7D5-CF57-46EF-B807-FDD0502418D4}" type="datetimeFigureOut">
+              <a:rPr lang="en-US" smtClean="0"/>
+              <a:t>1/9/2023</a:t>
+            </a:fld>
+            <a:endParaRPr lang="en-US"/>
+          </a:p>
+        </p:txBody>
+      </p:sp>
+      <p:sp>
+        <p:nvSpPr>
+          <p:cNvPr id="4" name="Footer Placeholder 3"/>
+          <p:cNvSpPr>
+            <a:spLocks noGrp="1"/>
+          </p:cNvSpPr>
+          <p:nvPr>
+            <p:ph type="ftr" sz="quarter" idx="11"/>
+          </p:nvPr>
+        </p:nvSpPr>
+        <p:spPr/>
+        <p:txBody>
+          <a:bodyPr/>
+          <a:lstStyle/>
+          <a:p>
+            <a:endParaRPr lang="en-US"/>
+          </a:p>
+        </p:txBody>
+      </p:sp>
+      <p:sp>
+        <p:nvSpPr>
+          <p:cNvPr id="5" name="Slide Number Placeholder 4"/>
+          <p:cNvSpPr>
+            <a:spLocks noGrp="1"/>
+          </p:cNvSpPr>
+          <p:nvPr>
+            <p:ph type="sldNum" sz="quarter" idx="12"/>
+          </p:nvPr>
+        </p:nvSpPr>
+        <p:spPr/>
+        <p:txBody>
+          <a:bodyPr/>
+          <a:lstStyle/>
+          <a:p>
+            <a:fld id="{330EA680-D336-4FF7-8B7A-9848BB0A1C32}" type="slidenum">
+              <a:rPr lang="en-US" smtClean="0"/>
+              <a:t>‹#›</a:t>
+            </a:fld>
+            <a:endParaRPr lang="en-US"/>
+          </a:p>
+        </p:txBody>
+      </p:sp>
+    </p:spTree>
+    <p:extLst>
+      <p:ext uri="{BB962C8B-B14F-4D97-AF65-F5344CB8AC3E}">
+        <p14:creationId xmlns:p14="http://schemas.microsoft.com/office/powerpoint/2010/main" val="582419440"/>
+      </p:ext>
+    </p:extLst>
+  </p:cSld>
+  <p:clrMapOvr>
+    <a:masterClrMapping/>
+  </p:clrMapOvr>
+</p:sldLayout>
+</file>
+
+<file path=ppt/slideLayouts/slideLayout18.xml><?xml version="1.0" encoding="utf-8"?>
+<p:sldLayout xmlns:a="http://schemas.openxmlformats.org/drawingml/2006/main" xmlns:r="http://schemas.openxmlformats.org/officeDocument/2006/relationships" xmlns:p="http://schemas.openxmlformats.org/presentationml/2006/main" type="blank" preserve="1">
+  <p:cSld name="Blank">
+    <p:spTree>
+      <p:nvGrpSpPr>
+        <p:cNvPr id="1" name=""/>
+        <p:cNvGrpSpPr/>
+        <p:nvPr/>
+      </p:nvGrpSpPr>
+      <p:grpSpPr>
+        <a:xfrm>
+          <a:off x="0" y="0"/>
+          <a:ext cx="0" cy="0"/>
+          <a:chOff x="0" y="0"/>
+          <a:chExt cx="0" cy="0"/>
+        </a:xfrm>
+      </p:grpSpPr>
+      <p:sp>
+        <p:nvSpPr>
+          <p:cNvPr id="2" name="Date Placeholder 1"/>
+          <p:cNvSpPr>
+            <a:spLocks noGrp="1"/>
+          </p:cNvSpPr>
+          <p:nvPr>
+            <p:ph type="dt" sz="half" idx="10"/>
+          </p:nvPr>
+        </p:nvSpPr>
+        <p:spPr/>
+        <p:txBody>
+          <a:bodyPr/>
+          <a:lstStyle/>
+          <a:p>
+            <a:fld id="{846CE7D5-CF57-46EF-B807-FDD0502418D4}" type="datetimeFigureOut">
+              <a:rPr lang="en-US" smtClean="0"/>
+              <a:t>1/9/2023</a:t>
+            </a:fld>
+            <a:endParaRPr lang="en-US"/>
+          </a:p>
+        </p:txBody>
+      </p:sp>
+      <p:sp>
+        <p:nvSpPr>
+          <p:cNvPr id="3" name="Footer Placeholder 2"/>
+          <p:cNvSpPr>
+            <a:spLocks noGrp="1"/>
+          </p:cNvSpPr>
+          <p:nvPr>
+            <p:ph type="ftr" sz="quarter" idx="11"/>
+          </p:nvPr>
+        </p:nvSpPr>
+        <p:spPr/>
+        <p:txBody>
+          <a:bodyPr/>
+          <a:lstStyle/>
+          <a:p>
+            <a:endParaRPr lang="en-US"/>
+          </a:p>
+        </p:txBody>
+      </p:sp>
+      <p:sp>
+        <p:nvSpPr>
+          <p:cNvPr id="4" name="Slide Number Placeholder 3"/>
+          <p:cNvSpPr>
+            <a:spLocks noGrp="1"/>
+          </p:cNvSpPr>
+          <p:nvPr>
+            <p:ph type="sldNum" sz="quarter" idx="12"/>
+          </p:nvPr>
+        </p:nvSpPr>
+        <p:spPr/>
+        <p:txBody>
+          <a:bodyPr/>
+          <a:lstStyle/>
+          <a:p>
+            <a:fld id="{330EA680-D336-4FF7-8B7A-9848BB0A1C32}" type="slidenum">
+              <a:rPr lang="en-US" smtClean="0"/>
+              <a:t>‹#›</a:t>
+            </a:fld>
+            <a:endParaRPr lang="en-US"/>
+          </a:p>
+        </p:txBody>
+      </p:sp>
+    </p:spTree>
+    <p:extLst>
+      <p:ext uri="{BB962C8B-B14F-4D97-AF65-F5344CB8AC3E}">
+        <p14:creationId xmlns:p14="http://schemas.microsoft.com/office/powerpoint/2010/main" val="989852166"/>
+      </p:ext>
+    </p:extLst>
+  </p:cSld>
+  <p:clrMapOvr>
+    <a:masterClrMapping/>
+  </p:clrMapOvr>
+</p:sldLayout>
+</file>
+
+<file path=ppt/slideLayouts/slideLayout19.xml><?xml version="1.0" encoding="utf-8"?>
+<p:sldLayout xmlns:a="http://schemas.openxmlformats.org/drawingml/2006/main" xmlns:r="http://schemas.openxmlformats.org/officeDocument/2006/relationships" xmlns:p="http://schemas.openxmlformats.org/presentationml/2006/main" type="objTx" preserve="1">
+  <p:cSld name="Content with Caption">
+    <p:spTree>
+      <p:nvGrpSpPr>
+        <p:cNvPr id="1" name=""/>
+        <p:cNvGrpSpPr/>
+        <p:nvPr/>
+      </p:nvGrpSpPr>
+      <p:grpSpPr>
+        <a:xfrm>
+          <a:off x="0" y="0"/>
+          <a:ext cx="0" cy="0"/>
+          <a:chOff x="0" y="0"/>
+          <a:chExt cx="0" cy="0"/>
+        </a:xfrm>
+      </p:grpSpPr>
+      <p:sp>
+        <p:nvSpPr>
+          <p:cNvPr id="2" name="Title 1"/>
+          <p:cNvSpPr>
+            <a:spLocks noGrp="1"/>
+          </p:cNvSpPr>
+          <p:nvPr>
+            <p:ph type="title"/>
+          </p:nvPr>
+        </p:nvSpPr>
+        <p:spPr>
+          <a:xfrm>
+            <a:off x="839788" y="457200"/>
+            <a:ext cx="3932237" cy="1600200"/>
+          </a:xfrm>
+        </p:spPr>
+        <p:txBody>
+          <a:bodyPr anchor="b"/>
+          <a:lstStyle>
+            <a:lvl1pPr>
+              <a:defRPr sz="3200"/>
+            </a:lvl1pPr>
+          </a:lstStyle>
+          <a:p>
+            <a:r>
+              <a:rPr lang="en-US"/>
+              <a:t>Click to edit Master title style</a:t>
+            </a:r>
+            <a:endParaRPr lang="en-US" dirty="0"/>
+          </a:p>
+        </p:txBody>
+      </p:sp>
+      <p:sp>
+        <p:nvSpPr>
+          <p:cNvPr id="3" name="Content Placeholder 2"/>
+          <p:cNvSpPr>
+            <a:spLocks noGrp="1"/>
+          </p:cNvSpPr>
+          <p:nvPr>
+            <p:ph idx="1"/>
+          </p:nvPr>
+        </p:nvSpPr>
+        <p:spPr>
+          <a:xfrm>
+            <a:off x="5183188" y="987425"/>
+            <a:ext cx="6172200" cy="4873625"/>
+          </a:xfrm>
+        </p:spPr>
+        <p:txBody>
+          <a:bodyPr/>
+          <a:lstStyle>
+            <a:lvl1pPr>
+              <a:defRPr sz="3200"/>
+            </a:lvl1pPr>
+            <a:lvl2pPr>
+              <a:defRPr sz="2800"/>
+            </a:lvl2pPr>
+            <a:lvl3pPr>
+              <a:defRPr sz="2400"/>
+            </a:lvl3pPr>
+            <a:lvl4pPr>
+              <a:defRPr sz="2000"/>
+            </a:lvl4pPr>
+            <a:lvl5pPr>
+              <a:defRPr sz="2000"/>
+            </a:lvl5pPr>
+            <a:lvl6pPr>
+              <a:defRPr sz="2000"/>
+            </a:lvl6pPr>
+            <a:lvl7pPr>
+              <a:defRPr sz="2000"/>
+            </a:lvl7pPr>
+            <a:lvl8pPr>
+              <a:defRPr sz="2000"/>
+            </a:lvl8pPr>
+            <a:lvl9pPr>
+              <a:defRPr sz="2000"/>
+            </a:lvl9pPr>
+          </a:lstStyle>
+          <a:p>
+            <a:pPr lvl="0"/>
+            <a:r>
+              <a:rPr lang="en-US"/>
+              <a:t>Click to edit Master text styles</a:t>
+            </a:r>
+          </a:p>
+          <a:p>
+            <a:pPr lvl="1"/>
+            <a:r>
+              <a:rPr lang="en-US"/>
+              <a:t>Second level</a:t>
+            </a:r>
+          </a:p>
+          <a:p>
+            <a:pPr lvl="2"/>
+            <a:r>
+              <a:rPr lang="en-US"/>
+              <a:t>Third level</a:t>
+            </a:r>
+          </a:p>
+          <a:p>
+            <a:pPr lvl="3"/>
+            <a:r>
+              <a:rPr lang="en-US"/>
+              <a:t>Fourth level</a:t>
+            </a:r>
+          </a:p>
+          <a:p>
+            <a:pPr lvl="4"/>
+            <a:r>
+              <a:rPr lang="en-US"/>
+              <a:t>Fifth level</a:t>
+            </a:r>
+            <a:endParaRPr lang="en-US" dirty="0"/>
+          </a:p>
+        </p:txBody>
+      </p:sp>
+      <p:sp>
+        <p:nvSpPr>
+          <p:cNvPr id="4" name="Text Placeholder 3"/>
+          <p:cNvSpPr>
+            <a:spLocks noGrp="1"/>
+          </p:cNvSpPr>
+          <p:nvPr>
+            <p:ph type="body" sz="half" idx="2"/>
+          </p:nvPr>
+        </p:nvSpPr>
+        <p:spPr>
+          <a:xfrm>
+            <a:off x="839788" y="2057400"/>
+            <a:ext cx="3932237" cy="3811588"/>
+          </a:xfrm>
+        </p:spPr>
+        <p:txBody>
+          <a:bodyPr/>
+          <a:lstStyle>
+            <a:lvl1pPr marL="0" indent="0">
+              <a:buNone/>
+              <a:defRPr sz="1600"/>
+            </a:lvl1pPr>
+            <a:lvl2pPr marL="457200" indent="0">
+              <a:buNone/>
+              <a:defRPr sz="1400"/>
+            </a:lvl2pPr>
+            <a:lvl3pPr marL="914400" indent="0">
+              <a:buNone/>
+              <a:defRPr sz="1200"/>
+            </a:lvl3pPr>
+            <a:lvl4pPr marL="1371600" indent="0">
+              <a:buNone/>
+              <a:defRPr sz="1000"/>
+            </a:lvl4pPr>
+            <a:lvl5pPr marL="1828800" indent="0">
+              <a:buNone/>
+              <a:defRPr sz="1000"/>
+            </a:lvl5pPr>
+            <a:lvl6pPr marL="2286000" indent="0">
+              <a:buNone/>
+              <a:defRPr sz="1000"/>
+            </a:lvl6pPr>
+            <a:lvl7pPr marL="2743200" indent="0">
+              <a:buNone/>
+              <a:defRPr sz="1000"/>
+            </a:lvl7pPr>
+            <a:lvl8pPr marL="3200400" indent="0">
+              <a:buNone/>
+              <a:defRPr sz="1000"/>
+            </a:lvl8pPr>
+            <a:lvl9pPr marL="3657600" indent="0">
+              <a:buNone/>
+              <a:defRPr sz="1000"/>
+            </a:lvl9pPr>
+          </a:lstStyle>
+          <a:p>
+            <a:pPr lvl="0"/>
+            <a:r>
+              <a:rPr lang="en-US"/>
+              <a:t>Click to edit Master text styles</a:t>
+            </a:r>
+          </a:p>
+        </p:txBody>
+      </p:sp>
+      <p:sp>
+        <p:nvSpPr>
+          <p:cNvPr id="5" name="Date Placeholder 4"/>
+          <p:cNvSpPr>
+            <a:spLocks noGrp="1"/>
+          </p:cNvSpPr>
+          <p:nvPr>
+            <p:ph type="dt" sz="half" idx="10"/>
+          </p:nvPr>
+        </p:nvSpPr>
+        <p:spPr/>
+        <p:txBody>
+          <a:bodyPr/>
+          <a:lstStyle/>
+          <a:p>
+            <a:fld id="{846CE7D5-CF57-46EF-B807-FDD0502418D4}" type="datetimeFigureOut">
+              <a:rPr lang="en-US" smtClean="0"/>
+              <a:t>1/9/2023</a:t>
+            </a:fld>
+            <a:endParaRPr lang="en-US"/>
+          </a:p>
+        </p:txBody>
+      </p:sp>
+      <p:sp>
+        <p:nvSpPr>
+          <p:cNvPr id="6" name="Footer Placeholder 5"/>
+          <p:cNvSpPr>
+            <a:spLocks noGrp="1"/>
+          </p:cNvSpPr>
+          <p:nvPr>
+            <p:ph type="ftr" sz="quarter" idx="11"/>
+          </p:nvPr>
+        </p:nvSpPr>
+        <p:spPr/>
+        <p:txBody>
+          <a:bodyPr/>
+          <a:lstStyle/>
+          <a:p>
+            <a:endParaRPr lang="en-US"/>
+          </a:p>
+        </p:txBody>
+      </p:sp>
+      <p:sp>
+        <p:nvSpPr>
+          <p:cNvPr id="7" name="Slide Number Placeholder 6"/>
+          <p:cNvSpPr>
+            <a:spLocks noGrp="1"/>
+          </p:cNvSpPr>
+          <p:nvPr>
+            <p:ph type="sldNum" sz="quarter" idx="12"/>
+          </p:nvPr>
+        </p:nvSpPr>
+        <p:spPr/>
+        <p:txBody>
+          <a:bodyPr/>
+          <a:lstStyle/>
+          <a:p>
+            <a:fld id="{330EA680-D336-4FF7-8B7A-9848BB0A1C32}" type="slidenum">
+              <a:rPr lang="en-US" smtClean="0"/>
+              <a:t>‹#›</a:t>
+            </a:fld>
+            <a:endParaRPr lang="en-US"/>
+          </a:p>
+        </p:txBody>
+      </p:sp>
+    </p:spTree>
+    <p:extLst>
+      <p:ext uri="{BB962C8B-B14F-4D97-AF65-F5344CB8AC3E}">
+        <p14:creationId xmlns:p14="http://schemas.microsoft.com/office/powerpoint/2010/main" val="1403890074"/>
+      </p:ext>
+    </p:extLst>
+  </p:cSld>
+  <p:clrMapOvr>
+    <a:masterClrMapping/>
+  </p:clrMapOvr>
+</p:sldLayout>
+</file>
+
 <file path=ppt/slideLayouts/slideLayout2.xml><?xml version="1.0" encoding="utf-8"?>
 <p:sldLayout xmlns:a="http://schemas.openxmlformats.org/drawingml/2006/main" xmlns:r="http://schemas.openxmlformats.org/officeDocument/2006/relationships" xmlns:p="http://schemas.openxmlformats.org/presentationml/2006/main" type="obj" preserve="1">
   <p:cSld name="Title and Content">
@@ -1517,6 +3394,613 @@
     <p:extLst>
       <p:ext uri="{BB962C8B-B14F-4D97-AF65-F5344CB8AC3E}">
         <p14:creationId xmlns:p14="http://schemas.microsoft.com/office/powerpoint/2010/main" val="366037928"/>
+      </p:ext>
+    </p:extLst>
+  </p:cSld>
+  <p:clrMapOvr>
+    <a:masterClrMapping/>
+  </p:clrMapOvr>
+</p:sldLayout>
+</file>
+
+<file path=ppt/slideLayouts/slideLayout20.xml><?xml version="1.0" encoding="utf-8"?>
+<p:sldLayout xmlns:a="http://schemas.openxmlformats.org/drawingml/2006/main" xmlns:r="http://schemas.openxmlformats.org/officeDocument/2006/relationships" xmlns:p="http://schemas.openxmlformats.org/presentationml/2006/main" type="picTx" preserve="1">
+  <p:cSld name="Picture with Caption">
+    <p:spTree>
+      <p:nvGrpSpPr>
+        <p:cNvPr id="1" name=""/>
+        <p:cNvGrpSpPr/>
+        <p:nvPr/>
+      </p:nvGrpSpPr>
+      <p:grpSpPr>
+        <a:xfrm>
+          <a:off x="0" y="0"/>
+          <a:ext cx="0" cy="0"/>
+          <a:chOff x="0" y="0"/>
+          <a:chExt cx="0" cy="0"/>
+        </a:xfrm>
+      </p:grpSpPr>
+      <p:sp>
+        <p:nvSpPr>
+          <p:cNvPr id="2" name="Title 1"/>
+          <p:cNvSpPr>
+            <a:spLocks noGrp="1"/>
+          </p:cNvSpPr>
+          <p:nvPr>
+            <p:ph type="title"/>
+          </p:nvPr>
+        </p:nvSpPr>
+        <p:spPr>
+          <a:xfrm>
+            <a:off x="839788" y="457200"/>
+            <a:ext cx="3932237" cy="1600200"/>
+          </a:xfrm>
+        </p:spPr>
+        <p:txBody>
+          <a:bodyPr anchor="b"/>
+          <a:lstStyle>
+            <a:lvl1pPr>
+              <a:defRPr sz="3200"/>
+            </a:lvl1pPr>
+          </a:lstStyle>
+          <a:p>
+            <a:r>
+              <a:rPr lang="en-US"/>
+              <a:t>Click to edit Master title style</a:t>
+            </a:r>
+            <a:endParaRPr lang="en-US" dirty="0"/>
+          </a:p>
+        </p:txBody>
+      </p:sp>
+      <p:sp>
+        <p:nvSpPr>
+          <p:cNvPr id="3" name="Picture Placeholder 2"/>
+          <p:cNvSpPr>
+            <a:spLocks noGrp="1" noChangeAspect="1"/>
+          </p:cNvSpPr>
+          <p:nvPr>
+            <p:ph type="pic" idx="1"/>
+          </p:nvPr>
+        </p:nvSpPr>
+        <p:spPr>
+          <a:xfrm>
+            <a:off x="5183188" y="987425"/>
+            <a:ext cx="6172200" cy="4873625"/>
+          </a:xfrm>
+        </p:spPr>
+        <p:txBody>
+          <a:bodyPr anchor="t"/>
+          <a:lstStyle>
+            <a:lvl1pPr marL="0" indent="0">
+              <a:buNone/>
+              <a:defRPr sz="3200"/>
+            </a:lvl1pPr>
+            <a:lvl2pPr marL="457200" indent="0">
+              <a:buNone/>
+              <a:defRPr sz="2800"/>
+            </a:lvl2pPr>
+            <a:lvl3pPr marL="914400" indent="0">
+              <a:buNone/>
+              <a:defRPr sz="2400"/>
+            </a:lvl3pPr>
+            <a:lvl4pPr marL="1371600" indent="0">
+              <a:buNone/>
+              <a:defRPr sz="2000"/>
+            </a:lvl4pPr>
+            <a:lvl5pPr marL="1828800" indent="0">
+              <a:buNone/>
+              <a:defRPr sz="2000"/>
+            </a:lvl5pPr>
+            <a:lvl6pPr marL="2286000" indent="0">
+              <a:buNone/>
+              <a:defRPr sz="2000"/>
+            </a:lvl6pPr>
+            <a:lvl7pPr marL="2743200" indent="0">
+              <a:buNone/>
+              <a:defRPr sz="2000"/>
+            </a:lvl7pPr>
+            <a:lvl8pPr marL="3200400" indent="0">
+              <a:buNone/>
+              <a:defRPr sz="2000"/>
+            </a:lvl8pPr>
+            <a:lvl9pPr marL="3657600" indent="0">
+              <a:buNone/>
+              <a:defRPr sz="2000"/>
+            </a:lvl9pPr>
+          </a:lstStyle>
+          <a:p>
+            <a:r>
+              <a:rPr lang="en-US"/>
+              <a:t>Click icon to add picture</a:t>
+            </a:r>
+            <a:endParaRPr lang="en-US" dirty="0"/>
+          </a:p>
+        </p:txBody>
+      </p:sp>
+      <p:sp>
+        <p:nvSpPr>
+          <p:cNvPr id="4" name="Text Placeholder 3"/>
+          <p:cNvSpPr>
+            <a:spLocks noGrp="1"/>
+          </p:cNvSpPr>
+          <p:nvPr>
+            <p:ph type="body" sz="half" idx="2"/>
+          </p:nvPr>
+        </p:nvSpPr>
+        <p:spPr>
+          <a:xfrm>
+            <a:off x="839788" y="2057400"/>
+            <a:ext cx="3932237" cy="3811588"/>
+          </a:xfrm>
+        </p:spPr>
+        <p:txBody>
+          <a:bodyPr/>
+          <a:lstStyle>
+            <a:lvl1pPr marL="0" indent="0">
+              <a:buNone/>
+              <a:defRPr sz="1600"/>
+            </a:lvl1pPr>
+            <a:lvl2pPr marL="457200" indent="0">
+              <a:buNone/>
+              <a:defRPr sz="1400"/>
+            </a:lvl2pPr>
+            <a:lvl3pPr marL="914400" indent="0">
+              <a:buNone/>
+              <a:defRPr sz="1200"/>
+            </a:lvl3pPr>
+            <a:lvl4pPr marL="1371600" indent="0">
+              <a:buNone/>
+              <a:defRPr sz="1000"/>
+            </a:lvl4pPr>
+            <a:lvl5pPr marL="1828800" indent="0">
+              <a:buNone/>
+              <a:defRPr sz="1000"/>
+            </a:lvl5pPr>
+            <a:lvl6pPr marL="2286000" indent="0">
+              <a:buNone/>
+              <a:defRPr sz="1000"/>
+            </a:lvl6pPr>
+            <a:lvl7pPr marL="2743200" indent="0">
+              <a:buNone/>
+              <a:defRPr sz="1000"/>
+            </a:lvl7pPr>
+            <a:lvl8pPr marL="3200400" indent="0">
+              <a:buNone/>
+              <a:defRPr sz="1000"/>
+            </a:lvl8pPr>
+            <a:lvl9pPr marL="3657600" indent="0">
+              <a:buNone/>
+              <a:defRPr sz="1000"/>
+            </a:lvl9pPr>
+          </a:lstStyle>
+          <a:p>
+            <a:pPr lvl="0"/>
+            <a:r>
+              <a:rPr lang="en-US"/>
+              <a:t>Click to edit Master text styles</a:t>
+            </a:r>
+          </a:p>
+        </p:txBody>
+      </p:sp>
+      <p:sp>
+        <p:nvSpPr>
+          <p:cNvPr id="5" name="Date Placeholder 4"/>
+          <p:cNvSpPr>
+            <a:spLocks noGrp="1"/>
+          </p:cNvSpPr>
+          <p:nvPr>
+            <p:ph type="dt" sz="half" idx="10"/>
+          </p:nvPr>
+        </p:nvSpPr>
+        <p:spPr/>
+        <p:txBody>
+          <a:bodyPr/>
+          <a:lstStyle/>
+          <a:p>
+            <a:fld id="{846CE7D5-CF57-46EF-B807-FDD0502418D4}" type="datetimeFigureOut">
+              <a:rPr lang="en-US" smtClean="0"/>
+              <a:t>1/9/2023</a:t>
+            </a:fld>
+            <a:endParaRPr lang="en-US"/>
+          </a:p>
+        </p:txBody>
+      </p:sp>
+      <p:sp>
+        <p:nvSpPr>
+          <p:cNvPr id="6" name="Footer Placeholder 5"/>
+          <p:cNvSpPr>
+            <a:spLocks noGrp="1"/>
+          </p:cNvSpPr>
+          <p:nvPr>
+            <p:ph type="ftr" sz="quarter" idx="11"/>
+          </p:nvPr>
+        </p:nvSpPr>
+        <p:spPr/>
+        <p:txBody>
+          <a:bodyPr/>
+          <a:lstStyle/>
+          <a:p>
+            <a:endParaRPr lang="en-US"/>
+          </a:p>
+        </p:txBody>
+      </p:sp>
+      <p:sp>
+        <p:nvSpPr>
+          <p:cNvPr id="7" name="Slide Number Placeholder 6"/>
+          <p:cNvSpPr>
+            <a:spLocks noGrp="1"/>
+          </p:cNvSpPr>
+          <p:nvPr>
+            <p:ph type="sldNum" sz="quarter" idx="12"/>
+          </p:nvPr>
+        </p:nvSpPr>
+        <p:spPr/>
+        <p:txBody>
+          <a:bodyPr/>
+          <a:lstStyle/>
+          <a:p>
+            <a:fld id="{330EA680-D336-4FF7-8B7A-9848BB0A1C32}" type="slidenum">
+              <a:rPr lang="en-US" smtClean="0"/>
+              <a:t>‹#›</a:t>
+            </a:fld>
+            <a:endParaRPr lang="en-US"/>
+          </a:p>
+        </p:txBody>
+      </p:sp>
+    </p:spTree>
+    <p:extLst>
+      <p:ext uri="{BB962C8B-B14F-4D97-AF65-F5344CB8AC3E}">
+        <p14:creationId xmlns:p14="http://schemas.microsoft.com/office/powerpoint/2010/main" val="3539611364"/>
+      </p:ext>
+    </p:extLst>
+  </p:cSld>
+  <p:clrMapOvr>
+    <a:masterClrMapping/>
+  </p:clrMapOvr>
+</p:sldLayout>
+</file>
+
+<file path=ppt/slideLayouts/slideLayout21.xml><?xml version="1.0" encoding="utf-8"?>
+<p:sldLayout xmlns:a="http://schemas.openxmlformats.org/drawingml/2006/main" xmlns:r="http://schemas.openxmlformats.org/officeDocument/2006/relationships" xmlns:p="http://schemas.openxmlformats.org/presentationml/2006/main" type="vertTx" preserve="1">
+  <p:cSld name="Title and Vertical Text">
+    <p:spTree>
+      <p:nvGrpSpPr>
+        <p:cNvPr id="1" name=""/>
+        <p:cNvGrpSpPr/>
+        <p:nvPr/>
+      </p:nvGrpSpPr>
+      <p:grpSpPr>
+        <a:xfrm>
+          <a:off x="0" y="0"/>
+          <a:ext cx="0" cy="0"/>
+          <a:chOff x="0" y="0"/>
+          <a:chExt cx="0" cy="0"/>
+        </a:xfrm>
+      </p:grpSpPr>
+      <p:sp>
+        <p:nvSpPr>
+          <p:cNvPr id="2" name="Title 1"/>
+          <p:cNvSpPr>
+            <a:spLocks noGrp="1"/>
+          </p:cNvSpPr>
+          <p:nvPr>
+            <p:ph type="title"/>
+          </p:nvPr>
+        </p:nvSpPr>
+        <p:spPr/>
+        <p:txBody>
+          <a:bodyPr/>
+          <a:lstStyle/>
+          <a:p>
+            <a:r>
+              <a:rPr lang="en-US"/>
+              <a:t>Click to edit Master title style</a:t>
+            </a:r>
+            <a:endParaRPr lang="en-US" dirty="0"/>
+          </a:p>
+        </p:txBody>
+      </p:sp>
+      <p:sp>
+        <p:nvSpPr>
+          <p:cNvPr id="3" name="Vertical Text Placeholder 2"/>
+          <p:cNvSpPr>
+            <a:spLocks noGrp="1"/>
+          </p:cNvSpPr>
+          <p:nvPr>
+            <p:ph type="body" orient="vert" idx="1"/>
+          </p:nvPr>
+        </p:nvSpPr>
+        <p:spPr/>
+        <p:txBody>
+          <a:bodyPr vert="eaVert"/>
+          <a:lstStyle/>
+          <a:p>
+            <a:pPr lvl="0"/>
+            <a:r>
+              <a:rPr lang="en-US"/>
+              <a:t>Click to edit Master text styles</a:t>
+            </a:r>
+          </a:p>
+          <a:p>
+            <a:pPr lvl="1"/>
+            <a:r>
+              <a:rPr lang="en-US"/>
+              <a:t>Second level</a:t>
+            </a:r>
+          </a:p>
+          <a:p>
+            <a:pPr lvl="2"/>
+            <a:r>
+              <a:rPr lang="en-US"/>
+              <a:t>Third level</a:t>
+            </a:r>
+          </a:p>
+          <a:p>
+            <a:pPr lvl="3"/>
+            <a:r>
+              <a:rPr lang="en-US"/>
+              <a:t>Fourth level</a:t>
+            </a:r>
+          </a:p>
+          <a:p>
+            <a:pPr lvl="4"/>
+            <a:r>
+              <a:rPr lang="en-US"/>
+              <a:t>Fifth level</a:t>
+            </a:r>
+            <a:endParaRPr lang="en-US" dirty="0"/>
+          </a:p>
+        </p:txBody>
+      </p:sp>
+      <p:sp>
+        <p:nvSpPr>
+          <p:cNvPr id="4" name="Date Placeholder 3"/>
+          <p:cNvSpPr>
+            <a:spLocks noGrp="1"/>
+          </p:cNvSpPr>
+          <p:nvPr>
+            <p:ph type="dt" sz="half" idx="10"/>
+          </p:nvPr>
+        </p:nvSpPr>
+        <p:spPr/>
+        <p:txBody>
+          <a:bodyPr/>
+          <a:lstStyle/>
+          <a:p>
+            <a:fld id="{846CE7D5-CF57-46EF-B807-FDD0502418D4}" type="datetimeFigureOut">
+              <a:rPr lang="en-US" smtClean="0"/>
+              <a:t>1/9/2023</a:t>
+            </a:fld>
+            <a:endParaRPr lang="en-US"/>
+          </a:p>
+        </p:txBody>
+      </p:sp>
+      <p:sp>
+        <p:nvSpPr>
+          <p:cNvPr id="5" name="Footer Placeholder 4"/>
+          <p:cNvSpPr>
+            <a:spLocks noGrp="1"/>
+          </p:cNvSpPr>
+          <p:nvPr>
+            <p:ph type="ftr" sz="quarter" idx="11"/>
+          </p:nvPr>
+        </p:nvSpPr>
+        <p:spPr/>
+        <p:txBody>
+          <a:bodyPr/>
+          <a:lstStyle/>
+          <a:p>
+            <a:endParaRPr lang="en-US"/>
+          </a:p>
+        </p:txBody>
+      </p:sp>
+      <p:sp>
+        <p:nvSpPr>
+          <p:cNvPr id="6" name="Slide Number Placeholder 5"/>
+          <p:cNvSpPr>
+            <a:spLocks noGrp="1"/>
+          </p:cNvSpPr>
+          <p:nvPr>
+            <p:ph type="sldNum" sz="quarter" idx="12"/>
+          </p:nvPr>
+        </p:nvSpPr>
+        <p:spPr/>
+        <p:txBody>
+          <a:bodyPr/>
+          <a:lstStyle/>
+          <a:p>
+            <a:fld id="{330EA680-D336-4FF7-8B7A-9848BB0A1C32}" type="slidenum">
+              <a:rPr lang="en-US" smtClean="0"/>
+              <a:t>‹#›</a:t>
+            </a:fld>
+            <a:endParaRPr lang="en-US"/>
+          </a:p>
+        </p:txBody>
+      </p:sp>
+    </p:spTree>
+    <p:extLst>
+      <p:ext uri="{BB962C8B-B14F-4D97-AF65-F5344CB8AC3E}">
+        <p14:creationId xmlns:p14="http://schemas.microsoft.com/office/powerpoint/2010/main" val="4028139894"/>
+      </p:ext>
+    </p:extLst>
+  </p:cSld>
+  <p:clrMapOvr>
+    <a:masterClrMapping/>
+  </p:clrMapOvr>
+</p:sldLayout>
+</file>
+
+<file path=ppt/slideLayouts/slideLayout22.xml><?xml version="1.0" encoding="utf-8"?>
+<p:sldLayout xmlns:a="http://schemas.openxmlformats.org/drawingml/2006/main" xmlns:r="http://schemas.openxmlformats.org/officeDocument/2006/relationships" xmlns:p="http://schemas.openxmlformats.org/presentationml/2006/main" type="vertTitleAndTx" preserve="1">
+  <p:cSld name="Vertical Title and Text">
+    <p:spTree>
+      <p:nvGrpSpPr>
+        <p:cNvPr id="1" name=""/>
+        <p:cNvGrpSpPr/>
+        <p:nvPr/>
+      </p:nvGrpSpPr>
+      <p:grpSpPr>
+        <a:xfrm>
+          <a:off x="0" y="0"/>
+          <a:ext cx="0" cy="0"/>
+          <a:chOff x="0" y="0"/>
+          <a:chExt cx="0" cy="0"/>
+        </a:xfrm>
+      </p:grpSpPr>
+      <p:sp>
+        <p:nvSpPr>
+          <p:cNvPr id="2" name="Vertical Title 1"/>
+          <p:cNvSpPr>
+            <a:spLocks noGrp="1"/>
+          </p:cNvSpPr>
+          <p:nvPr>
+            <p:ph type="title" orient="vert"/>
+          </p:nvPr>
+        </p:nvSpPr>
+        <p:spPr>
+          <a:xfrm>
+            <a:off x="8724900" y="365125"/>
+            <a:ext cx="2628900" cy="5811838"/>
+          </a:xfrm>
+        </p:spPr>
+        <p:txBody>
+          <a:bodyPr vert="eaVert"/>
+          <a:lstStyle/>
+          <a:p>
+            <a:r>
+              <a:rPr lang="en-US"/>
+              <a:t>Click to edit Master title style</a:t>
+            </a:r>
+            <a:endParaRPr lang="en-US" dirty="0"/>
+          </a:p>
+        </p:txBody>
+      </p:sp>
+      <p:sp>
+        <p:nvSpPr>
+          <p:cNvPr id="3" name="Vertical Text Placeholder 2"/>
+          <p:cNvSpPr>
+            <a:spLocks noGrp="1"/>
+          </p:cNvSpPr>
+          <p:nvPr>
+            <p:ph type="body" orient="vert" idx="1"/>
+          </p:nvPr>
+        </p:nvSpPr>
+        <p:spPr>
+          <a:xfrm>
+            <a:off x="838200" y="365125"/>
+            <a:ext cx="7734300" cy="5811838"/>
+          </a:xfrm>
+        </p:spPr>
+        <p:txBody>
+          <a:bodyPr vert="eaVert"/>
+          <a:lstStyle/>
+          <a:p>
+            <a:pPr lvl="0"/>
+            <a:r>
+              <a:rPr lang="en-US"/>
+              <a:t>Click to edit Master text styles</a:t>
+            </a:r>
+          </a:p>
+          <a:p>
+            <a:pPr lvl="1"/>
+            <a:r>
+              <a:rPr lang="en-US"/>
+              <a:t>Second level</a:t>
+            </a:r>
+          </a:p>
+          <a:p>
+            <a:pPr lvl="2"/>
+            <a:r>
+              <a:rPr lang="en-US"/>
+              <a:t>Third level</a:t>
+            </a:r>
+          </a:p>
+          <a:p>
+            <a:pPr lvl="3"/>
+            <a:r>
+              <a:rPr lang="en-US"/>
+              <a:t>Fourth level</a:t>
+            </a:r>
+          </a:p>
+          <a:p>
+            <a:pPr lvl="4"/>
+            <a:r>
+              <a:rPr lang="en-US"/>
+              <a:t>Fifth level</a:t>
+            </a:r>
+            <a:endParaRPr lang="en-US" dirty="0"/>
+          </a:p>
+        </p:txBody>
+      </p:sp>
+      <p:sp>
+        <p:nvSpPr>
+          <p:cNvPr id="4" name="Date Placeholder 3"/>
+          <p:cNvSpPr>
+            <a:spLocks noGrp="1"/>
+          </p:cNvSpPr>
+          <p:nvPr>
+            <p:ph type="dt" sz="half" idx="10"/>
+          </p:nvPr>
+        </p:nvSpPr>
+        <p:spPr/>
+        <p:txBody>
+          <a:bodyPr/>
+          <a:lstStyle/>
+          <a:p>
+            <a:fld id="{846CE7D5-CF57-46EF-B807-FDD0502418D4}" type="datetimeFigureOut">
+              <a:rPr lang="en-US" smtClean="0"/>
+              <a:t>1/9/2023</a:t>
+            </a:fld>
+            <a:endParaRPr lang="en-US"/>
+          </a:p>
+        </p:txBody>
+      </p:sp>
+      <p:sp>
+        <p:nvSpPr>
+          <p:cNvPr id="5" name="Footer Placeholder 4"/>
+          <p:cNvSpPr>
+            <a:spLocks noGrp="1"/>
+          </p:cNvSpPr>
+          <p:nvPr>
+            <p:ph type="ftr" sz="quarter" idx="11"/>
+          </p:nvPr>
+        </p:nvSpPr>
+        <p:spPr/>
+        <p:txBody>
+          <a:bodyPr/>
+          <a:lstStyle/>
+          <a:p>
+            <a:endParaRPr lang="en-US"/>
+          </a:p>
+        </p:txBody>
+      </p:sp>
+      <p:sp>
+        <p:nvSpPr>
+          <p:cNvPr id="6" name="Slide Number Placeholder 5"/>
+          <p:cNvSpPr>
+            <a:spLocks noGrp="1"/>
+          </p:cNvSpPr>
+          <p:nvPr>
+            <p:ph type="sldNum" sz="quarter" idx="12"/>
+          </p:nvPr>
+        </p:nvSpPr>
+        <p:spPr/>
+        <p:txBody>
+          <a:bodyPr/>
+          <a:lstStyle/>
+          <a:p>
+            <a:fld id="{330EA680-D336-4FF7-8B7A-9848BB0A1C32}" type="slidenum">
+              <a:rPr lang="en-US" smtClean="0"/>
+              <a:t>‹#›</a:t>
+            </a:fld>
+            <a:endParaRPr lang="en-US"/>
+          </a:p>
+        </p:txBody>
+      </p:sp>
+    </p:spTree>
+    <p:extLst>
+      <p:ext uri="{BB962C8B-B14F-4D97-AF65-F5344CB8AC3E}">
+        <p14:creationId xmlns:p14="http://schemas.microsoft.com/office/powerpoint/2010/main" val="2346975254"/>
       </p:ext>
     </p:extLst>
   </p:cSld>
@@ -3912,6 +6396,546 @@
 </p:sldMaster>
 </file>
 
+<file path=ppt/slideMasters/slideMaster2.xml><?xml version="1.0" encoding="utf-8"?>
+<p:sldMaster xmlns:a="http://schemas.openxmlformats.org/drawingml/2006/main" xmlns:r="http://schemas.openxmlformats.org/officeDocument/2006/relationships" xmlns:p="http://schemas.openxmlformats.org/presentationml/2006/main">
+  <p:cSld>
+    <p:bg>
+      <p:bgRef idx="1001">
+        <a:schemeClr val="bg1"/>
+      </p:bgRef>
+    </p:bg>
+    <p:spTree>
+      <p:nvGrpSpPr>
+        <p:cNvPr id="1" name=""/>
+        <p:cNvGrpSpPr/>
+        <p:nvPr/>
+      </p:nvGrpSpPr>
+      <p:grpSpPr>
+        <a:xfrm>
+          <a:off x="0" y="0"/>
+          <a:ext cx="0" cy="0"/>
+          <a:chOff x="0" y="0"/>
+          <a:chExt cx="0" cy="0"/>
+        </a:xfrm>
+      </p:grpSpPr>
+      <p:sp>
+        <p:nvSpPr>
+          <p:cNvPr id="2" name="Title Placeholder 1"/>
+          <p:cNvSpPr>
+            <a:spLocks noGrp="1"/>
+          </p:cNvSpPr>
+          <p:nvPr>
+            <p:ph type="title"/>
+          </p:nvPr>
+        </p:nvSpPr>
+        <p:spPr>
+          <a:xfrm>
+            <a:off x="838200" y="365125"/>
+            <a:ext cx="10515600" cy="1325563"/>
+          </a:xfrm>
+          <a:prstGeom prst="rect">
+            <a:avLst/>
+          </a:prstGeom>
+        </p:spPr>
+        <p:txBody>
+          <a:bodyPr vert="horz" lIns="91440" tIns="45720" rIns="91440" bIns="45720" rtlCol="0" anchor="ctr">
+            <a:normAutofit/>
+          </a:bodyPr>
+          <a:lstStyle/>
+          <a:p>
+            <a:r>
+              <a:rPr lang="en-US"/>
+              <a:t>Click to edit Master title style</a:t>
+            </a:r>
+            <a:endParaRPr lang="en-US" dirty="0"/>
+          </a:p>
+        </p:txBody>
+      </p:sp>
+      <p:sp>
+        <p:nvSpPr>
+          <p:cNvPr id="3" name="Text Placeholder 2"/>
+          <p:cNvSpPr>
+            <a:spLocks noGrp="1"/>
+          </p:cNvSpPr>
+          <p:nvPr>
+            <p:ph type="body" idx="1"/>
+          </p:nvPr>
+        </p:nvSpPr>
+        <p:spPr>
+          <a:xfrm>
+            <a:off x="838200" y="1825625"/>
+            <a:ext cx="10515600" cy="4351338"/>
+          </a:xfrm>
+          <a:prstGeom prst="rect">
+            <a:avLst/>
+          </a:prstGeom>
+        </p:spPr>
+        <p:txBody>
+          <a:bodyPr vert="horz" lIns="91440" tIns="45720" rIns="91440" bIns="45720" rtlCol="0">
+            <a:normAutofit/>
+          </a:bodyPr>
+          <a:lstStyle/>
+          <a:p>
+            <a:pPr lvl="0"/>
+            <a:r>
+              <a:rPr lang="en-US"/>
+              <a:t>Click to edit Master text styles</a:t>
+            </a:r>
+          </a:p>
+          <a:p>
+            <a:pPr lvl="1"/>
+            <a:r>
+              <a:rPr lang="en-US"/>
+              <a:t>Second level</a:t>
+            </a:r>
+          </a:p>
+          <a:p>
+            <a:pPr lvl="2"/>
+            <a:r>
+              <a:rPr lang="en-US"/>
+              <a:t>Third level</a:t>
+            </a:r>
+          </a:p>
+          <a:p>
+            <a:pPr lvl="3"/>
+            <a:r>
+              <a:rPr lang="en-US"/>
+              <a:t>Fourth level</a:t>
+            </a:r>
+          </a:p>
+          <a:p>
+            <a:pPr lvl="4"/>
+            <a:r>
+              <a:rPr lang="en-US"/>
+              <a:t>Fifth level</a:t>
+            </a:r>
+            <a:endParaRPr lang="en-US" dirty="0"/>
+          </a:p>
+        </p:txBody>
+      </p:sp>
+      <p:sp>
+        <p:nvSpPr>
+          <p:cNvPr id="4" name="Date Placeholder 3"/>
+          <p:cNvSpPr>
+            <a:spLocks noGrp="1"/>
+          </p:cNvSpPr>
+          <p:nvPr>
+            <p:ph type="dt" sz="half" idx="2"/>
+          </p:nvPr>
+        </p:nvSpPr>
+        <p:spPr>
+          <a:xfrm>
+            <a:off x="838200" y="6356350"/>
+            <a:ext cx="2743200" cy="365125"/>
+          </a:xfrm>
+          <a:prstGeom prst="rect">
+            <a:avLst/>
+          </a:prstGeom>
+        </p:spPr>
+        <p:txBody>
+          <a:bodyPr vert="horz" lIns="91440" tIns="45720" rIns="91440" bIns="45720" rtlCol="0" anchor="ctr"/>
+          <a:lstStyle>
+            <a:lvl1pPr algn="l">
+              <a:defRPr sz="1200">
+                <a:solidFill>
+                  <a:schemeClr val="tx1">
+                    <a:tint val="75000"/>
+                  </a:schemeClr>
+                </a:solidFill>
+              </a:defRPr>
+            </a:lvl1pPr>
+          </a:lstStyle>
+          <a:p>
+            <a:fld id="{846CE7D5-CF57-46EF-B807-FDD0502418D4}" type="datetimeFigureOut">
+              <a:rPr lang="en-US" smtClean="0"/>
+              <a:t>1/9/2023</a:t>
+            </a:fld>
+            <a:endParaRPr lang="en-US"/>
+          </a:p>
+        </p:txBody>
+      </p:sp>
+      <p:sp>
+        <p:nvSpPr>
+          <p:cNvPr id="5" name="Footer Placeholder 4"/>
+          <p:cNvSpPr>
+            <a:spLocks noGrp="1"/>
+          </p:cNvSpPr>
+          <p:nvPr>
+            <p:ph type="ftr" sz="quarter" idx="3"/>
+          </p:nvPr>
+        </p:nvSpPr>
+        <p:spPr>
+          <a:xfrm>
+            <a:off x="4038600" y="6356350"/>
+            <a:ext cx="4114800" cy="365125"/>
+          </a:xfrm>
+          <a:prstGeom prst="rect">
+            <a:avLst/>
+          </a:prstGeom>
+        </p:spPr>
+        <p:txBody>
+          <a:bodyPr vert="horz" lIns="91440" tIns="45720" rIns="91440" bIns="45720" rtlCol="0" anchor="ctr"/>
+          <a:lstStyle>
+            <a:lvl1pPr algn="ctr">
+              <a:defRPr sz="1200">
+                <a:solidFill>
+                  <a:schemeClr val="tx1">
+                    <a:tint val="75000"/>
+                  </a:schemeClr>
+                </a:solidFill>
+              </a:defRPr>
+            </a:lvl1pPr>
+          </a:lstStyle>
+          <a:p>
+            <a:endParaRPr lang="en-US"/>
+          </a:p>
+        </p:txBody>
+      </p:sp>
+      <p:sp>
+        <p:nvSpPr>
+          <p:cNvPr id="6" name="Slide Number Placeholder 5"/>
+          <p:cNvSpPr>
+            <a:spLocks noGrp="1"/>
+          </p:cNvSpPr>
+          <p:nvPr>
+            <p:ph type="sldNum" sz="quarter" idx="4"/>
+          </p:nvPr>
+        </p:nvSpPr>
+        <p:spPr>
+          <a:xfrm>
+            <a:off x="8610600" y="6356350"/>
+            <a:ext cx="2743200" cy="365125"/>
+          </a:xfrm>
+          <a:prstGeom prst="rect">
+            <a:avLst/>
+          </a:prstGeom>
+        </p:spPr>
+        <p:txBody>
+          <a:bodyPr vert="horz" lIns="91440" tIns="45720" rIns="91440" bIns="45720" rtlCol="0" anchor="ctr"/>
+          <a:lstStyle>
+            <a:lvl1pPr algn="r">
+              <a:defRPr sz="1200">
+                <a:solidFill>
+                  <a:schemeClr val="tx1">
+                    <a:tint val="75000"/>
+                  </a:schemeClr>
+                </a:solidFill>
+              </a:defRPr>
+            </a:lvl1pPr>
+          </a:lstStyle>
+          <a:p>
+            <a:fld id="{330EA680-D336-4FF7-8B7A-9848BB0A1C32}" type="slidenum">
+              <a:rPr lang="en-US" smtClean="0"/>
+              <a:t>‹#›</a:t>
+            </a:fld>
+            <a:endParaRPr lang="en-US"/>
+          </a:p>
+        </p:txBody>
+      </p:sp>
+    </p:spTree>
+    <p:extLst>
+      <p:ext uri="{BB962C8B-B14F-4D97-AF65-F5344CB8AC3E}">
+        <p14:creationId xmlns:p14="http://schemas.microsoft.com/office/powerpoint/2010/main" val="666297913"/>
+      </p:ext>
+    </p:extLst>
+  </p:cSld>
+  <p:clrMap bg1="lt1" tx1="dk1" bg2="lt2" tx2="dk2" accent1="accent1" accent2="accent2" accent3="accent3" accent4="accent4" accent5="accent5" accent6="accent6" hlink="hlink" folHlink="folHlink"/>
+  <p:sldLayoutIdLst>
+    <p:sldLayoutId id="2147483661" r:id="rId1"/>
+    <p:sldLayoutId id="2147483662" r:id="rId2"/>
+    <p:sldLayoutId id="2147483663" r:id="rId3"/>
+    <p:sldLayoutId id="2147483664" r:id="rId4"/>
+    <p:sldLayoutId id="2147483665" r:id="rId5"/>
+    <p:sldLayoutId id="2147483666" r:id="rId6"/>
+    <p:sldLayoutId id="2147483667" r:id="rId7"/>
+    <p:sldLayoutId id="2147483668" r:id="rId8"/>
+    <p:sldLayoutId id="2147483669" r:id="rId9"/>
+    <p:sldLayoutId id="2147483670" r:id="rId10"/>
+    <p:sldLayoutId id="2147483671" r:id="rId11"/>
+  </p:sldLayoutIdLst>
+  <p:txStyles>
+    <p:titleStyle>
+      <a:lvl1pPr algn="l" defTabSz="914400" rtl="0" eaLnBrk="1" latinLnBrk="0" hangingPunct="1">
+        <a:lnSpc>
+          <a:spcPct val="90000"/>
+        </a:lnSpc>
+        <a:spcBef>
+          <a:spcPct val="0"/>
+        </a:spcBef>
+        <a:buNone/>
+        <a:defRPr sz="4400" kern="1200">
+          <a:solidFill>
+            <a:schemeClr val="tx1"/>
+          </a:solidFill>
+          <a:latin typeface="+mj-lt"/>
+          <a:ea typeface="+mj-ea"/>
+          <a:cs typeface="+mj-cs"/>
+        </a:defRPr>
+      </a:lvl1pPr>
+    </p:titleStyle>
+    <p:bodyStyle>
+      <a:lvl1pPr marL="228600" indent="-228600" algn="l" defTabSz="914400" rtl="0" eaLnBrk="1" latinLnBrk="0" hangingPunct="1">
+        <a:lnSpc>
+          <a:spcPct val="90000"/>
+        </a:lnSpc>
+        <a:spcBef>
+          <a:spcPts val="1000"/>
+        </a:spcBef>
+        <a:buFont typeface="Arial" panose="020B0604020202020204" pitchFamily="34" charset="0"/>
+        <a:buChar char="•"/>
+        <a:defRPr sz="2800" kern="1200">
+          <a:solidFill>
+            <a:schemeClr val="tx1"/>
+          </a:solidFill>
+          <a:latin typeface="+mn-lt"/>
+          <a:ea typeface="+mn-ea"/>
+          <a:cs typeface="+mn-cs"/>
+        </a:defRPr>
+      </a:lvl1pPr>
+      <a:lvl2pPr marL="685800" indent="-228600" algn="l" defTabSz="914400" rtl="0" eaLnBrk="1" latinLnBrk="0" hangingPunct="1">
+        <a:lnSpc>
+          <a:spcPct val="90000"/>
+        </a:lnSpc>
+        <a:spcBef>
+          <a:spcPts val="500"/>
+        </a:spcBef>
+        <a:buFont typeface="Arial" panose="020B0604020202020204" pitchFamily="34" charset="0"/>
+        <a:buChar char="•"/>
+        <a:defRPr sz="2400" kern="1200">
+          <a:solidFill>
+            <a:schemeClr val="tx1"/>
+          </a:solidFill>
+          <a:latin typeface="+mn-lt"/>
+          <a:ea typeface="+mn-ea"/>
+          <a:cs typeface="+mn-cs"/>
+        </a:defRPr>
+      </a:lvl2pPr>
+      <a:lvl3pPr marL="1143000" indent="-228600" algn="l" defTabSz="914400" rtl="0" eaLnBrk="1" latinLnBrk="0" hangingPunct="1">
+        <a:lnSpc>
+          <a:spcPct val="90000"/>
+        </a:lnSpc>
+        <a:spcBef>
+          <a:spcPts val="500"/>
+        </a:spcBef>
+        <a:buFont typeface="Arial" panose="020B0604020202020204" pitchFamily="34" charset="0"/>
+        <a:buChar char="•"/>
+        <a:defRPr sz="2000" kern="1200">
+          <a:solidFill>
+            <a:schemeClr val="tx1"/>
+          </a:solidFill>
+          <a:latin typeface="+mn-lt"/>
+          <a:ea typeface="+mn-ea"/>
+          <a:cs typeface="+mn-cs"/>
+        </a:defRPr>
+      </a:lvl3pPr>
+      <a:lvl4pPr marL="1600200" indent="-228600" algn="l" defTabSz="914400" rtl="0" eaLnBrk="1" latinLnBrk="0" hangingPunct="1">
+        <a:lnSpc>
+          <a:spcPct val="90000"/>
+        </a:lnSpc>
+        <a:spcBef>
+          <a:spcPts val="500"/>
+        </a:spcBef>
+        <a:buFont typeface="Arial" panose="020B0604020202020204" pitchFamily="34" charset="0"/>
+        <a:buChar char="•"/>
+        <a:defRPr sz="1800" kern="1200">
+          <a:solidFill>
+            <a:schemeClr val="tx1"/>
+          </a:solidFill>
+          <a:latin typeface="+mn-lt"/>
+          <a:ea typeface="+mn-ea"/>
+          <a:cs typeface="+mn-cs"/>
+        </a:defRPr>
+      </a:lvl4pPr>
+      <a:lvl5pPr marL="2057400" indent="-228600" algn="l" defTabSz="914400" rtl="0" eaLnBrk="1" latinLnBrk="0" hangingPunct="1">
+        <a:lnSpc>
+          <a:spcPct val="90000"/>
+        </a:lnSpc>
+        <a:spcBef>
+          <a:spcPts val="500"/>
+        </a:spcBef>
+        <a:buFont typeface="Arial" panose="020B0604020202020204" pitchFamily="34" charset="0"/>
+        <a:buChar char="•"/>
+        <a:defRPr sz="1800" kern="1200">
+          <a:solidFill>
+            <a:schemeClr val="tx1"/>
+          </a:solidFill>
+          <a:latin typeface="+mn-lt"/>
+          <a:ea typeface="+mn-ea"/>
+          <a:cs typeface="+mn-cs"/>
+        </a:defRPr>
+      </a:lvl5pPr>
+      <a:lvl6pPr marL="2514600" indent="-228600" algn="l" defTabSz="914400" rtl="0" eaLnBrk="1" latinLnBrk="0" hangingPunct="1">
+        <a:lnSpc>
+          <a:spcPct val="90000"/>
+        </a:lnSpc>
+        <a:spcBef>
+          <a:spcPts val="500"/>
+        </a:spcBef>
+        <a:buFont typeface="Arial" panose="020B0604020202020204" pitchFamily="34" charset="0"/>
+        <a:buChar char="•"/>
+        <a:defRPr sz="1800" kern="1200">
+          <a:solidFill>
+            <a:schemeClr val="tx1"/>
+          </a:solidFill>
+          <a:latin typeface="+mn-lt"/>
+          <a:ea typeface="+mn-ea"/>
+          <a:cs typeface="+mn-cs"/>
+        </a:defRPr>
+      </a:lvl6pPr>
+      <a:lvl7pPr marL="2971800" indent="-228600" algn="l" defTabSz="914400" rtl="0" eaLnBrk="1" latinLnBrk="0" hangingPunct="1">
+        <a:lnSpc>
+          <a:spcPct val="90000"/>
+        </a:lnSpc>
+        <a:spcBef>
+          <a:spcPts val="500"/>
+        </a:spcBef>
+        <a:buFont typeface="Arial" panose="020B0604020202020204" pitchFamily="34" charset="0"/>
+        <a:buChar char="•"/>
+        <a:defRPr sz="1800" kern="1200">
+          <a:solidFill>
+            <a:schemeClr val="tx1"/>
+          </a:solidFill>
+          <a:latin typeface="+mn-lt"/>
+          <a:ea typeface="+mn-ea"/>
+          <a:cs typeface="+mn-cs"/>
+        </a:defRPr>
+      </a:lvl7pPr>
+      <a:lvl8pPr marL="3429000" indent="-228600" algn="l" defTabSz="914400" rtl="0" eaLnBrk="1" latinLnBrk="0" hangingPunct="1">
+        <a:lnSpc>
+          <a:spcPct val="90000"/>
+        </a:lnSpc>
+        <a:spcBef>
+          <a:spcPts val="500"/>
+        </a:spcBef>
+        <a:buFont typeface="Arial" panose="020B0604020202020204" pitchFamily="34" charset="0"/>
+        <a:buChar char="•"/>
+        <a:defRPr sz="1800" kern="1200">
+          <a:solidFill>
+            <a:schemeClr val="tx1"/>
+          </a:solidFill>
+          <a:latin typeface="+mn-lt"/>
+          <a:ea typeface="+mn-ea"/>
+          <a:cs typeface="+mn-cs"/>
+        </a:defRPr>
+      </a:lvl8pPr>
+      <a:lvl9pPr marL="3886200" indent="-228600" algn="l" defTabSz="914400" rtl="0" eaLnBrk="1" latinLnBrk="0" hangingPunct="1">
+        <a:lnSpc>
+          <a:spcPct val="90000"/>
+        </a:lnSpc>
+        <a:spcBef>
+          <a:spcPts val="500"/>
+        </a:spcBef>
+        <a:buFont typeface="Arial" panose="020B0604020202020204" pitchFamily="34" charset="0"/>
+        <a:buChar char="•"/>
+        <a:defRPr sz="1800" kern="1200">
+          <a:solidFill>
+            <a:schemeClr val="tx1"/>
+          </a:solidFill>
+          <a:latin typeface="+mn-lt"/>
+          <a:ea typeface="+mn-ea"/>
+          <a:cs typeface="+mn-cs"/>
+        </a:defRPr>
+      </a:lvl9pPr>
+    </p:bodyStyle>
+    <p:otherStyle>
+      <a:defPPr>
+        <a:defRPr lang="en-US"/>
+      </a:defPPr>
+      <a:lvl1pPr marL="0" algn="l" defTabSz="914400" rtl="0" eaLnBrk="1" latinLnBrk="0" hangingPunct="1">
+        <a:defRPr sz="1800" kern="1200">
+          <a:solidFill>
+            <a:schemeClr val="tx1"/>
+          </a:solidFill>
+          <a:latin typeface="+mn-lt"/>
+          <a:ea typeface="+mn-ea"/>
+          <a:cs typeface="+mn-cs"/>
+        </a:defRPr>
+      </a:lvl1pPr>
+      <a:lvl2pPr marL="457200" algn="l" defTabSz="914400" rtl="0" eaLnBrk="1" latinLnBrk="0" hangingPunct="1">
+        <a:defRPr sz="1800" kern="1200">
+          <a:solidFill>
+            <a:schemeClr val="tx1"/>
+          </a:solidFill>
+          <a:latin typeface="+mn-lt"/>
+          <a:ea typeface="+mn-ea"/>
+          <a:cs typeface="+mn-cs"/>
+        </a:defRPr>
+      </a:lvl2pPr>
+      <a:lvl3pPr marL="914400" algn="l" defTabSz="914400" rtl="0" eaLnBrk="1" latinLnBrk="0" hangingPunct="1">
+        <a:defRPr sz="1800" kern="1200">
+          <a:solidFill>
+            <a:schemeClr val="tx1"/>
+          </a:solidFill>
+          <a:latin typeface="+mn-lt"/>
+          <a:ea typeface="+mn-ea"/>
+          <a:cs typeface="+mn-cs"/>
+        </a:defRPr>
+      </a:lvl3pPr>
+      <a:lvl4pPr marL="1371600" algn="l" defTabSz="914400" rtl="0" eaLnBrk="1" latinLnBrk="0" hangingPunct="1">
+        <a:defRPr sz="1800" kern="1200">
+          <a:solidFill>
+            <a:schemeClr val="tx1"/>
+          </a:solidFill>
+          <a:latin typeface="+mn-lt"/>
+          <a:ea typeface="+mn-ea"/>
+          <a:cs typeface="+mn-cs"/>
+        </a:defRPr>
+      </a:lvl4pPr>
+      <a:lvl5pPr marL="1828800" algn="l" defTabSz="914400" rtl="0" eaLnBrk="1" latinLnBrk="0" hangingPunct="1">
+        <a:defRPr sz="1800" kern="1200">
+          <a:solidFill>
+            <a:schemeClr val="tx1"/>
+          </a:solidFill>
+          <a:latin typeface="+mn-lt"/>
+          <a:ea typeface="+mn-ea"/>
+          <a:cs typeface="+mn-cs"/>
+        </a:defRPr>
+      </a:lvl5pPr>
+      <a:lvl6pPr marL="2286000" algn="l" defTabSz="914400" rtl="0" eaLnBrk="1" latinLnBrk="0" hangingPunct="1">
+        <a:defRPr sz="1800" kern="1200">
+          <a:solidFill>
+            <a:schemeClr val="tx1"/>
+          </a:solidFill>
+          <a:latin typeface="+mn-lt"/>
+          <a:ea typeface="+mn-ea"/>
+          <a:cs typeface="+mn-cs"/>
+        </a:defRPr>
+      </a:lvl6pPr>
+      <a:lvl7pPr marL="2743200" algn="l" defTabSz="914400" rtl="0" eaLnBrk="1" latinLnBrk="0" hangingPunct="1">
+        <a:defRPr sz="1800" kern="1200">
+          <a:solidFill>
+            <a:schemeClr val="tx1"/>
+          </a:solidFill>
+          <a:latin typeface="+mn-lt"/>
+          <a:ea typeface="+mn-ea"/>
+          <a:cs typeface="+mn-cs"/>
+        </a:defRPr>
+      </a:lvl7pPr>
+      <a:lvl8pPr marL="3200400" algn="l" defTabSz="914400" rtl="0" eaLnBrk="1" latinLnBrk="0" hangingPunct="1">
+        <a:defRPr sz="1800" kern="1200">
+          <a:solidFill>
+            <a:schemeClr val="tx1"/>
+          </a:solidFill>
+          <a:latin typeface="+mn-lt"/>
+          <a:ea typeface="+mn-ea"/>
+          <a:cs typeface="+mn-cs"/>
+        </a:defRPr>
+      </a:lvl8pPr>
+      <a:lvl9pPr marL="3657600" algn="l" defTabSz="914400" rtl="0" eaLnBrk="1" latinLnBrk="0" hangingPunct="1">
+        <a:defRPr sz="1800" kern="1200">
+          <a:solidFill>
+            <a:schemeClr val="tx1"/>
+          </a:solidFill>
+          <a:latin typeface="+mn-lt"/>
+          <a:ea typeface="+mn-ea"/>
+          <a:cs typeface="+mn-cs"/>
+        </a:defRPr>
+      </a:lvl9pPr>
+    </p:otherStyle>
+  </p:txStyles>
+</p:sldMaster>
+</file>
+
 <file path=ppt/slides/slide1.xml><?xml version="1.0" encoding="utf-8"?>
 <p:sld xmlns:a="http://schemas.openxmlformats.org/drawingml/2006/main" xmlns:r="http://schemas.openxmlformats.org/officeDocument/2006/relationships" xmlns:p="http://schemas.openxmlformats.org/presentationml/2006/main">
   <p:cSld>
@@ -4005,6 +7029,610 @@
 </file>
 
 <file path=ppt/slides/slide10.xml><?xml version="1.0" encoding="utf-8"?>
+<p:sld xmlns:a="http://schemas.openxmlformats.org/drawingml/2006/main" xmlns:r="http://schemas.openxmlformats.org/officeDocument/2006/relationships" xmlns:p="http://schemas.openxmlformats.org/presentationml/2006/main">
+  <p:cSld>
+    <p:spTree>
+      <p:nvGrpSpPr>
+        <p:cNvPr id="1" name=""/>
+        <p:cNvGrpSpPr/>
+        <p:nvPr/>
+      </p:nvGrpSpPr>
+      <p:grpSpPr>
+        <a:xfrm>
+          <a:off x="0" y="0"/>
+          <a:ext cx="0" cy="0"/>
+          <a:chOff x="0" y="0"/>
+          <a:chExt cx="0" cy="0"/>
+        </a:xfrm>
+      </p:grpSpPr>
+      <p:sp>
+        <p:nvSpPr>
+          <p:cNvPr id="2" name="Title 1">
+            <a:extLst>
+              <a:ext uri="{FF2B5EF4-FFF2-40B4-BE49-F238E27FC236}">
+                <a16:creationId xmlns:a16="http://schemas.microsoft.com/office/drawing/2014/main" id="{3484FDFB-CC08-8D14-1B97-496797DC1D98}"/>
+              </a:ext>
+            </a:extLst>
+          </p:cNvPr>
+          <p:cNvSpPr>
+            <a:spLocks noGrp="1"/>
+          </p:cNvSpPr>
+          <p:nvPr>
+            <p:ph type="title"/>
+          </p:nvPr>
+        </p:nvSpPr>
+        <p:spPr/>
+        <p:txBody>
+          <a:bodyPr/>
+          <a:lstStyle/>
+          <a:p>
+            <a:r>
+              <a:rPr lang="en-GB" dirty="0"/>
+              <a:t>Pushing addresses of arguments</a:t>
+            </a:r>
+          </a:p>
+        </p:txBody>
+      </p:sp>
+      <p:sp>
+        <p:nvSpPr>
+          <p:cNvPr id="3" name="Content Placeholder 2">
+            <a:extLst>
+              <a:ext uri="{FF2B5EF4-FFF2-40B4-BE49-F238E27FC236}">
+                <a16:creationId xmlns:a16="http://schemas.microsoft.com/office/drawing/2014/main" id="{EA412EF6-4BA5-412D-330F-DF1D57D7B1D5}"/>
+              </a:ext>
+            </a:extLst>
+          </p:cNvPr>
+          <p:cNvSpPr>
+            <a:spLocks noGrp="1"/>
+          </p:cNvSpPr>
+          <p:nvPr>
+            <p:ph idx="1"/>
+          </p:nvPr>
+        </p:nvSpPr>
+        <p:spPr>
+          <a:xfrm>
+            <a:off x="838199" y="1825625"/>
+            <a:ext cx="10772955" cy="4351338"/>
+          </a:xfrm>
+        </p:spPr>
+        <p:txBody>
+          <a:bodyPr/>
+          <a:lstStyle/>
+          <a:p>
+            <a:pPr marL="0" indent="0">
+              <a:buNone/>
+            </a:pPr>
+            <a:r>
+              <a:rPr lang="en-GB" dirty="0"/>
+              <a:t>Pushing the addresses of the arguments added that are stored in </a:t>
+            </a:r>
+            <a:r>
+              <a:rPr lang="en-GB" dirty="0" err="1"/>
+              <a:t>arg_ptr</a:t>
+            </a:r>
+            <a:r>
+              <a:rPr lang="en-GB" dirty="0"/>
+              <a:t> </a:t>
+            </a:r>
+          </a:p>
+        </p:txBody>
+      </p:sp>
+      <p:pic>
+        <p:nvPicPr>
+          <p:cNvPr id="5" name="Picture 4">
+            <a:extLst>
+              <a:ext uri="{FF2B5EF4-FFF2-40B4-BE49-F238E27FC236}">
+                <a16:creationId xmlns:a16="http://schemas.microsoft.com/office/drawing/2014/main" id="{18F5937C-DF6F-5191-26AA-1FFB01C9908B}"/>
+              </a:ext>
+            </a:extLst>
+          </p:cNvPr>
+          <p:cNvPicPr>
+            <a:picLocks noChangeAspect="1"/>
+          </p:cNvPicPr>
+          <p:nvPr/>
+        </p:nvPicPr>
+        <p:blipFill>
+          <a:blip r:embed="rId2"/>
+          <a:stretch>
+            <a:fillRect/>
+          </a:stretch>
+        </p:blipFill>
+        <p:spPr>
+          <a:xfrm>
+            <a:off x="838199" y="2276803"/>
+            <a:ext cx="9797879" cy="3247218"/>
+          </a:xfrm>
+          <a:prstGeom prst="rect">
+            <a:avLst/>
+          </a:prstGeom>
+        </p:spPr>
+      </p:pic>
+      <p:pic>
+        <p:nvPicPr>
+          <p:cNvPr id="7" name="Picture 6">
+            <a:extLst>
+              <a:ext uri="{FF2B5EF4-FFF2-40B4-BE49-F238E27FC236}">
+                <a16:creationId xmlns:a16="http://schemas.microsoft.com/office/drawing/2014/main" id="{80BF8C23-61E2-6724-343B-DEAACE467E86}"/>
+              </a:ext>
+            </a:extLst>
+          </p:cNvPr>
+          <p:cNvPicPr>
+            <a:picLocks noChangeAspect="1"/>
+          </p:cNvPicPr>
+          <p:nvPr/>
+        </p:nvPicPr>
+        <p:blipFill>
+          <a:blip r:embed="rId3"/>
+          <a:stretch>
+            <a:fillRect/>
+          </a:stretch>
+        </p:blipFill>
+        <p:spPr>
+          <a:xfrm>
+            <a:off x="1906692" y="5959683"/>
+            <a:ext cx="5336931" cy="434559"/>
+          </a:xfrm>
+          <a:prstGeom prst="rect">
+            <a:avLst/>
+          </a:prstGeom>
+        </p:spPr>
+      </p:pic>
+      <p:grpSp>
+        <p:nvGrpSpPr>
+          <p:cNvPr id="11" name="Group 10">
+            <a:extLst>
+              <a:ext uri="{FF2B5EF4-FFF2-40B4-BE49-F238E27FC236}">
+                <a16:creationId xmlns:a16="http://schemas.microsoft.com/office/drawing/2014/main" id="{151509AA-DCFC-08FD-2894-F63824A4103C}"/>
+              </a:ext>
+            </a:extLst>
+          </p:cNvPr>
+          <p:cNvGrpSpPr/>
+          <p:nvPr/>
+        </p:nvGrpSpPr>
+        <p:grpSpPr>
+          <a:xfrm>
+            <a:off x="3617095" y="4341480"/>
+            <a:ext cx="3147840" cy="1669320"/>
+            <a:chOff x="3617095" y="4341480"/>
+            <a:chExt cx="3147840" cy="1669320"/>
+          </a:xfrm>
+        </p:grpSpPr>
+        <mc:AlternateContent xmlns:mc="http://schemas.openxmlformats.org/markup-compatibility/2006" xmlns:p14="http://schemas.microsoft.com/office/powerpoint/2010/main">
+          <mc:Choice Requires="p14">
+            <p:contentPart p14:bwMode="auto" r:id="rId4">
+              <p14:nvContentPartPr>
+                <p14:cNvPr id="8" name="Ink 7">
+                  <a:extLst>
+                    <a:ext uri="{FF2B5EF4-FFF2-40B4-BE49-F238E27FC236}">
+                      <a16:creationId xmlns:a16="http://schemas.microsoft.com/office/drawing/2014/main" id="{8CDA9447-B4FE-5C18-CE92-762D256FEE6E}"/>
+                    </a:ext>
+                  </a:extLst>
+                </p14:cNvPr>
+                <p14:cNvContentPartPr/>
+                <p14:nvPr/>
+              </p14:nvContentPartPr>
+              <p14:xfrm>
+                <a:off x="3992215" y="4341480"/>
+                <a:ext cx="2772720" cy="742680"/>
+              </p14:xfrm>
+            </p:contentPart>
+          </mc:Choice>
+          <mc:Fallback xmlns="">
+            <p:pic>
+              <p:nvPicPr>
+                <p:cNvPr id="8" name="Ink 7">
+                  <a:extLst>
+                    <a:ext uri="{FF2B5EF4-FFF2-40B4-BE49-F238E27FC236}">
+                      <a16:creationId xmlns:a16="http://schemas.microsoft.com/office/drawing/2014/main" id="{8CDA9447-B4FE-5C18-CE92-762D256FEE6E}"/>
+                    </a:ext>
+                  </a:extLst>
+                </p:cNvPr>
+                <p:cNvPicPr/>
+                <p:nvPr/>
+              </p:nvPicPr>
+              <p:blipFill>
+                <a:blip r:embed="rId5"/>
+                <a:stretch>
+                  <a:fillRect/>
+                </a:stretch>
+              </p:blipFill>
+              <p:spPr>
+                <a:xfrm>
+                  <a:off x="3983215" y="4332480"/>
+                  <a:ext cx="2790360" cy="760320"/>
+                </a:xfrm>
+                <a:prstGeom prst="rect">
+                  <a:avLst/>
+                </a:prstGeom>
+              </p:spPr>
+            </p:pic>
+          </mc:Fallback>
+        </mc:AlternateContent>
+        <mc:AlternateContent xmlns:mc="http://schemas.openxmlformats.org/markup-compatibility/2006" xmlns:p14="http://schemas.microsoft.com/office/powerpoint/2010/main">
+          <mc:Choice Requires="p14">
+            <p:contentPart p14:bwMode="auto" r:id="rId6">
+              <p14:nvContentPartPr>
+                <p14:cNvPr id="9" name="Ink 8">
+                  <a:extLst>
+                    <a:ext uri="{FF2B5EF4-FFF2-40B4-BE49-F238E27FC236}">
+                      <a16:creationId xmlns:a16="http://schemas.microsoft.com/office/drawing/2014/main" id="{FBDA83A5-8460-B6A5-5825-C494A63CD7D3}"/>
+                    </a:ext>
+                  </a:extLst>
+                </p14:cNvPr>
+                <p14:cNvContentPartPr/>
+                <p14:nvPr/>
+              </p14:nvContentPartPr>
+              <p14:xfrm>
+                <a:off x="3711055" y="5026560"/>
+                <a:ext cx="1431360" cy="888840"/>
+              </p14:xfrm>
+            </p:contentPart>
+          </mc:Choice>
+          <mc:Fallback xmlns="">
+            <p:pic>
+              <p:nvPicPr>
+                <p:cNvPr id="9" name="Ink 8">
+                  <a:extLst>
+                    <a:ext uri="{FF2B5EF4-FFF2-40B4-BE49-F238E27FC236}">
+                      <a16:creationId xmlns:a16="http://schemas.microsoft.com/office/drawing/2014/main" id="{FBDA83A5-8460-B6A5-5825-C494A63CD7D3}"/>
+                    </a:ext>
+                  </a:extLst>
+                </p:cNvPr>
+                <p:cNvPicPr/>
+                <p:nvPr/>
+              </p:nvPicPr>
+              <p:blipFill>
+                <a:blip r:embed="rId7"/>
+                <a:stretch>
+                  <a:fillRect/>
+                </a:stretch>
+              </p:blipFill>
+              <p:spPr>
+                <a:xfrm>
+                  <a:off x="3702415" y="5017560"/>
+                  <a:ext cx="1449000" cy="906480"/>
+                </a:xfrm>
+                <a:prstGeom prst="rect">
+                  <a:avLst/>
+                </a:prstGeom>
+              </p:spPr>
+            </p:pic>
+          </mc:Fallback>
+        </mc:AlternateContent>
+        <mc:AlternateContent xmlns:mc="http://schemas.openxmlformats.org/markup-compatibility/2006" xmlns:p14="http://schemas.microsoft.com/office/powerpoint/2010/main">
+          <mc:Choice Requires="p14">
+            <p:contentPart p14:bwMode="auto" r:id="rId8">
+              <p14:nvContentPartPr>
+                <p14:cNvPr id="10" name="Ink 9">
+                  <a:extLst>
+                    <a:ext uri="{FF2B5EF4-FFF2-40B4-BE49-F238E27FC236}">
+                      <a16:creationId xmlns:a16="http://schemas.microsoft.com/office/drawing/2014/main" id="{51FC59D5-FD78-20D9-9CAE-6819DB6307E2}"/>
+                    </a:ext>
+                  </a:extLst>
+                </p14:cNvPr>
+                <p14:cNvContentPartPr/>
+                <p14:nvPr/>
+              </p14:nvContentPartPr>
+              <p14:xfrm>
+                <a:off x="3617095" y="5789400"/>
+                <a:ext cx="311400" cy="221400"/>
+              </p14:xfrm>
+            </p:contentPart>
+          </mc:Choice>
+          <mc:Fallback xmlns="">
+            <p:pic>
+              <p:nvPicPr>
+                <p:cNvPr id="10" name="Ink 9">
+                  <a:extLst>
+                    <a:ext uri="{FF2B5EF4-FFF2-40B4-BE49-F238E27FC236}">
+                      <a16:creationId xmlns:a16="http://schemas.microsoft.com/office/drawing/2014/main" id="{51FC59D5-FD78-20D9-9CAE-6819DB6307E2}"/>
+                    </a:ext>
+                  </a:extLst>
+                </p:cNvPr>
+                <p:cNvPicPr/>
+                <p:nvPr/>
+              </p:nvPicPr>
+              <p:blipFill>
+                <a:blip r:embed="rId9"/>
+                <a:stretch>
+                  <a:fillRect/>
+                </a:stretch>
+              </p:blipFill>
+              <p:spPr>
+                <a:xfrm>
+                  <a:off x="3608455" y="5780760"/>
+                  <a:ext cx="329040" cy="239040"/>
+                </a:xfrm>
+                <a:prstGeom prst="rect">
+                  <a:avLst/>
+                </a:prstGeom>
+              </p:spPr>
+            </p:pic>
+          </mc:Fallback>
+        </mc:AlternateContent>
+      </p:grpSp>
+      <p:sp>
+        <p:nvSpPr>
+          <p:cNvPr id="12" name="TextBox 11">
+            <a:extLst>
+              <a:ext uri="{FF2B5EF4-FFF2-40B4-BE49-F238E27FC236}">
+                <a16:creationId xmlns:a16="http://schemas.microsoft.com/office/drawing/2014/main" id="{3A738CD1-7249-1B33-FAE0-69A763624CED}"/>
+              </a:ext>
+            </a:extLst>
+          </p:cNvPr>
+          <p:cNvSpPr txBox="1"/>
+          <p:nvPr/>
+        </p:nvSpPr>
+        <p:spPr>
+          <a:xfrm>
+            <a:off x="4197673" y="5187854"/>
+            <a:ext cx="661182" cy="369332"/>
+          </a:xfrm>
+          <a:prstGeom prst="rect">
+            <a:avLst/>
+          </a:prstGeom>
+          <a:noFill/>
+        </p:spPr>
+        <p:txBody>
+          <a:bodyPr wrap="square" rtlCol="0">
+            <a:spAutoFit/>
+          </a:bodyPr>
+          <a:lstStyle/>
+          <a:p>
+            <a:r>
+              <a:rPr lang="en-GB" dirty="0">
+                <a:solidFill>
+                  <a:srgbClr val="FF0000"/>
+                </a:solidFill>
+              </a:rPr>
+              <a:t>from</a:t>
+            </a:r>
+          </a:p>
+        </p:txBody>
+      </p:sp>
+      <p:grpSp>
+        <p:nvGrpSpPr>
+          <p:cNvPr id="16" name="Group 15">
+            <a:extLst>
+              <a:ext uri="{FF2B5EF4-FFF2-40B4-BE49-F238E27FC236}">
+                <a16:creationId xmlns:a16="http://schemas.microsoft.com/office/drawing/2014/main" id="{1BE8B10F-157B-D983-73B4-394DC8123068}"/>
+              </a:ext>
+            </a:extLst>
+          </p:cNvPr>
+          <p:cNvGrpSpPr/>
+          <p:nvPr/>
+        </p:nvGrpSpPr>
+        <p:grpSpPr>
+          <a:xfrm>
+            <a:off x="1787575" y="2693040"/>
+            <a:ext cx="2756520" cy="1105200"/>
+            <a:chOff x="1787575" y="2693040"/>
+            <a:chExt cx="2756520" cy="1105200"/>
+          </a:xfrm>
+        </p:grpSpPr>
+        <mc:AlternateContent xmlns:mc="http://schemas.openxmlformats.org/markup-compatibility/2006" xmlns:p14="http://schemas.microsoft.com/office/powerpoint/2010/main">
+          <mc:Choice Requires="p14">
+            <p:contentPart p14:bwMode="auto" r:id="rId10">
+              <p14:nvContentPartPr>
+                <p14:cNvPr id="13" name="Ink 12">
+                  <a:extLst>
+                    <a:ext uri="{FF2B5EF4-FFF2-40B4-BE49-F238E27FC236}">
+                      <a16:creationId xmlns:a16="http://schemas.microsoft.com/office/drawing/2014/main" id="{FB85B3D3-DC60-CD4F-9C9E-5042C3C84B20}"/>
+                    </a:ext>
+                  </a:extLst>
+                </p14:cNvPr>
+                <p14:cNvContentPartPr/>
+                <p14:nvPr/>
+              </p14:nvContentPartPr>
+              <p14:xfrm>
+                <a:off x="1787575" y="2693040"/>
+                <a:ext cx="2756520" cy="743040"/>
+              </p14:xfrm>
+            </p:contentPart>
+          </mc:Choice>
+          <mc:Fallback xmlns="">
+            <p:pic>
+              <p:nvPicPr>
+                <p:cNvPr id="13" name="Ink 12">
+                  <a:extLst>
+                    <a:ext uri="{FF2B5EF4-FFF2-40B4-BE49-F238E27FC236}">
+                      <a16:creationId xmlns:a16="http://schemas.microsoft.com/office/drawing/2014/main" id="{FB85B3D3-DC60-CD4F-9C9E-5042C3C84B20}"/>
+                    </a:ext>
+                  </a:extLst>
+                </p:cNvPr>
+                <p:cNvPicPr/>
+                <p:nvPr/>
+              </p:nvPicPr>
+              <p:blipFill>
+                <a:blip r:embed="rId11"/>
+                <a:stretch>
+                  <a:fillRect/>
+                </a:stretch>
+              </p:blipFill>
+              <p:spPr>
+                <a:xfrm>
+                  <a:off x="1778935" y="2684400"/>
+                  <a:ext cx="2774160" cy="760680"/>
+                </a:xfrm>
+                <a:prstGeom prst="rect">
+                  <a:avLst/>
+                </a:prstGeom>
+              </p:spPr>
+            </p:pic>
+          </mc:Fallback>
+        </mc:AlternateContent>
+        <mc:AlternateContent xmlns:mc="http://schemas.openxmlformats.org/markup-compatibility/2006" xmlns:p14="http://schemas.microsoft.com/office/powerpoint/2010/main">
+          <mc:Choice Requires="p14">
+            <p:contentPart p14:bwMode="auto" r:id="rId12">
+              <p14:nvContentPartPr>
+                <p14:cNvPr id="14" name="Ink 13">
+                  <a:extLst>
+                    <a:ext uri="{FF2B5EF4-FFF2-40B4-BE49-F238E27FC236}">
+                      <a16:creationId xmlns:a16="http://schemas.microsoft.com/office/drawing/2014/main" id="{F8DF49BB-22AA-CAE5-78C5-6A5A0219D532}"/>
+                    </a:ext>
+                  </a:extLst>
+                </p14:cNvPr>
+                <p14:cNvContentPartPr/>
+                <p14:nvPr/>
+              </p14:nvContentPartPr>
+              <p14:xfrm>
+                <a:off x="2443855" y="3395760"/>
+                <a:ext cx="281160" cy="316800"/>
+              </p14:xfrm>
+            </p:contentPart>
+          </mc:Choice>
+          <mc:Fallback xmlns="">
+            <p:pic>
+              <p:nvPicPr>
+                <p:cNvPr id="14" name="Ink 13">
+                  <a:extLst>
+                    <a:ext uri="{FF2B5EF4-FFF2-40B4-BE49-F238E27FC236}">
+                      <a16:creationId xmlns:a16="http://schemas.microsoft.com/office/drawing/2014/main" id="{F8DF49BB-22AA-CAE5-78C5-6A5A0219D532}"/>
+                    </a:ext>
+                  </a:extLst>
+                </p:cNvPr>
+                <p:cNvPicPr/>
+                <p:nvPr/>
+              </p:nvPicPr>
+              <p:blipFill>
+                <a:blip r:embed="rId13"/>
+                <a:stretch>
+                  <a:fillRect/>
+                </a:stretch>
+              </p:blipFill>
+              <p:spPr>
+                <a:xfrm>
+                  <a:off x="2435215" y="3387120"/>
+                  <a:ext cx="298800" cy="334440"/>
+                </a:xfrm>
+                <a:prstGeom prst="rect">
+                  <a:avLst/>
+                </a:prstGeom>
+              </p:spPr>
+            </p:pic>
+          </mc:Fallback>
+        </mc:AlternateContent>
+        <mc:AlternateContent xmlns:mc="http://schemas.openxmlformats.org/markup-compatibility/2006" xmlns:p14="http://schemas.microsoft.com/office/powerpoint/2010/main">
+          <mc:Choice Requires="p14">
+            <p:contentPart p14:bwMode="auto" r:id="rId14">
+              <p14:nvContentPartPr>
+                <p14:cNvPr id="15" name="Ink 14">
+                  <a:extLst>
+                    <a:ext uri="{FF2B5EF4-FFF2-40B4-BE49-F238E27FC236}">
+                      <a16:creationId xmlns:a16="http://schemas.microsoft.com/office/drawing/2014/main" id="{77E4B466-BED5-3312-E346-39162BD4FF25}"/>
+                    </a:ext>
+                  </a:extLst>
+                </p14:cNvPr>
+                <p14:cNvContentPartPr/>
+                <p14:nvPr/>
+              </p14:nvContentPartPr>
+              <p14:xfrm>
+                <a:off x="2780455" y="3599880"/>
+                <a:ext cx="149760" cy="198360"/>
+              </p14:xfrm>
+            </p:contentPart>
+          </mc:Choice>
+          <mc:Fallback xmlns="">
+            <p:pic>
+              <p:nvPicPr>
+                <p:cNvPr id="15" name="Ink 14">
+                  <a:extLst>
+                    <a:ext uri="{FF2B5EF4-FFF2-40B4-BE49-F238E27FC236}">
+                      <a16:creationId xmlns:a16="http://schemas.microsoft.com/office/drawing/2014/main" id="{77E4B466-BED5-3312-E346-39162BD4FF25}"/>
+                    </a:ext>
+                  </a:extLst>
+                </p:cNvPr>
+                <p:cNvPicPr/>
+                <p:nvPr/>
+              </p:nvPicPr>
+              <p:blipFill>
+                <a:blip r:embed="rId15"/>
+                <a:stretch>
+                  <a:fillRect/>
+                </a:stretch>
+              </p:blipFill>
+              <p:spPr>
+                <a:xfrm>
+                  <a:off x="2771815" y="3590880"/>
+                  <a:ext cx="167400" cy="216000"/>
+                </a:xfrm>
+                <a:prstGeom prst="rect">
+                  <a:avLst/>
+                </a:prstGeom>
+              </p:spPr>
+            </p:pic>
+          </mc:Fallback>
+        </mc:AlternateContent>
+      </p:grpSp>
+      <p:sp>
+        <p:nvSpPr>
+          <p:cNvPr id="17" name="TextBox 16">
+            <a:extLst>
+              <a:ext uri="{FF2B5EF4-FFF2-40B4-BE49-F238E27FC236}">
+                <a16:creationId xmlns:a16="http://schemas.microsoft.com/office/drawing/2014/main" id="{57EAC853-1109-1A62-ED54-FCC3B6EBD8A1}"/>
+              </a:ext>
+            </a:extLst>
+          </p:cNvPr>
+          <p:cNvSpPr txBox="1"/>
+          <p:nvPr/>
+        </p:nvSpPr>
+        <p:spPr>
+          <a:xfrm>
+            <a:off x="2930215" y="3554160"/>
+            <a:ext cx="7146942" cy="369332"/>
+          </a:xfrm>
+          <a:prstGeom prst="rect">
+            <a:avLst/>
+          </a:prstGeom>
+          <a:noFill/>
+        </p:spPr>
+        <p:txBody>
+          <a:bodyPr wrap="square" rtlCol="0">
+            <a:spAutoFit/>
+          </a:bodyPr>
+          <a:lstStyle/>
+          <a:p>
+            <a:r>
+              <a:rPr lang="en-GB" dirty="0">
+                <a:solidFill>
+                  <a:srgbClr val="FF0000"/>
+                </a:solidFill>
+              </a:rPr>
+              <a:t>Starting at </a:t>
+            </a:r>
+            <a:r>
+              <a:rPr lang="en-GB" dirty="0" err="1">
+                <a:solidFill>
+                  <a:srgbClr val="FF0000"/>
+                </a:solidFill>
+              </a:rPr>
+              <a:t>argc</a:t>
+            </a:r>
+            <a:r>
+              <a:rPr lang="en-GB" dirty="0">
+                <a:solidFill>
+                  <a:srgbClr val="FF0000"/>
+                </a:solidFill>
+              </a:rPr>
+              <a:t> – 1 because wanting to put arguments on in reverse order  </a:t>
+            </a:r>
+          </a:p>
+        </p:txBody>
+      </p:sp>
+    </p:spTree>
+    <p:extLst>
+      <p:ext uri="{BB962C8B-B14F-4D97-AF65-F5344CB8AC3E}">
+        <p14:creationId xmlns:p14="http://schemas.microsoft.com/office/powerpoint/2010/main" val="3198362870"/>
+      </p:ext>
+    </p:extLst>
+  </p:cSld>
+  <p:clrMapOvr>
+    <a:masterClrMapping/>
+  </p:clrMapOvr>
+</p:sld>
+</file>
+
+<file path=ppt/slides/slide11.xml><?xml version="1.0" encoding="utf-8"?>
 <p:sld xmlns:a="http://schemas.openxmlformats.org/drawingml/2006/main" xmlns:r="http://schemas.openxmlformats.org/officeDocument/2006/relationships" xmlns:p="http://schemas.openxmlformats.org/presentationml/2006/main">
   <p:cSld>
     <p:spTree>
@@ -4125,7 +7753,7 @@
 </p:sld>
 </file>
 
-<file path=ppt/slides/slide11.xml><?xml version="1.0" encoding="utf-8"?>
+<file path=ppt/slides/slide12.xml><?xml version="1.0" encoding="utf-8"?>
 <p:sld xmlns:a="http://schemas.openxmlformats.org/drawingml/2006/main" xmlns:r="http://schemas.openxmlformats.org/officeDocument/2006/relationships" xmlns:p="http://schemas.openxmlformats.org/presentationml/2006/main">
   <p:cSld>
     <p:spTree>
@@ -4293,8 +7921,8 @@
             <a:chExt cx="2546280" cy="522000"/>
           </a:xfrm>
         </p:grpSpPr>
-        <mc:AlternateContent xmlns:mc="http://schemas.openxmlformats.org/markup-compatibility/2006">
-          <mc:Choice xmlns:p14="http://schemas.microsoft.com/office/powerpoint/2010/main" Requires="p14">
+        <mc:AlternateContent xmlns:mc="http://schemas.openxmlformats.org/markup-compatibility/2006" xmlns:p14="http://schemas.microsoft.com/office/powerpoint/2010/main">
+          <mc:Choice Requires="p14">
             <p:contentPart p14:bwMode="auto" r:id="rId4">
               <p14:nvContentPartPr>
                 <p14:cNvPr id="8" name="Ink 7">
@@ -4313,7 +7941,7 @@
               </p14:xfrm>
             </p:contentPart>
           </mc:Choice>
-          <mc:Fallback>
+          <mc:Fallback xmlns="">
             <p:pic>
               <p:nvPicPr>
                 <p:cNvPr id="8" name="Ink 7">
@@ -4344,8 +7972,8 @@
             </p:pic>
           </mc:Fallback>
         </mc:AlternateContent>
-        <mc:AlternateContent xmlns:mc="http://schemas.openxmlformats.org/markup-compatibility/2006">
-          <mc:Choice xmlns:p14="http://schemas.microsoft.com/office/powerpoint/2010/main" Requires="p14">
+        <mc:AlternateContent xmlns:mc="http://schemas.openxmlformats.org/markup-compatibility/2006" xmlns:p14="http://schemas.microsoft.com/office/powerpoint/2010/main">
+          <mc:Choice Requires="p14">
             <p:contentPart p14:bwMode="auto" r:id="rId6">
               <p14:nvContentPartPr>
                 <p14:cNvPr id="9" name="Ink 8">
@@ -4364,7 +7992,7 @@
               </p14:xfrm>
             </p:contentPart>
           </mc:Choice>
-          <mc:Fallback>
+          <mc:Fallback xmlns="">
             <p:pic>
               <p:nvPicPr>
                 <p:cNvPr id="9" name="Ink 8">
@@ -4395,8 +8023,8 @@
             </p:pic>
           </mc:Fallback>
         </mc:AlternateContent>
-        <mc:AlternateContent xmlns:mc="http://schemas.openxmlformats.org/markup-compatibility/2006">
-          <mc:Choice xmlns:p14="http://schemas.microsoft.com/office/powerpoint/2010/main" Requires="p14">
+        <mc:AlternateContent xmlns:mc="http://schemas.openxmlformats.org/markup-compatibility/2006" xmlns:p14="http://schemas.microsoft.com/office/powerpoint/2010/main">
+          <mc:Choice Requires="p14">
             <p:contentPart p14:bwMode="auto" r:id="rId8">
               <p14:nvContentPartPr>
                 <p14:cNvPr id="10" name="Ink 9">
@@ -4415,7 +8043,7 @@
               </p14:xfrm>
             </p:contentPart>
           </mc:Choice>
-          <mc:Fallback>
+          <mc:Fallback xmlns="">
             <p:pic>
               <p:nvPicPr>
                 <p:cNvPr id="10" name="Ink 9">
@@ -4499,7 +8127,7 @@
 </p:sld>
 </file>
 
-<file path=ppt/slides/slide12.xml><?xml version="1.0" encoding="utf-8"?>
+<file path=ppt/slides/slide13.xml><?xml version="1.0" encoding="utf-8"?>
 <p:sld xmlns:a="http://schemas.openxmlformats.org/drawingml/2006/main" xmlns:r="http://schemas.openxmlformats.org/officeDocument/2006/relationships" xmlns:p="http://schemas.openxmlformats.org/presentationml/2006/main">
   <p:cSld>
     <p:spTree>
@@ -4727,8 +8355,8 @@
             <a:chExt cx="823320" cy="599400"/>
           </a:xfrm>
         </p:grpSpPr>
-        <mc:AlternateContent xmlns:mc="http://schemas.openxmlformats.org/markup-compatibility/2006">
-          <mc:Choice xmlns:p14="http://schemas.microsoft.com/office/powerpoint/2010/main" Requires="p14">
+        <mc:AlternateContent xmlns:mc="http://schemas.openxmlformats.org/markup-compatibility/2006" xmlns:p14="http://schemas.microsoft.com/office/powerpoint/2010/main">
+          <mc:Choice Requires="p14">
             <p:contentPart p14:bwMode="auto" r:id="rId5">
               <p14:nvContentPartPr>
                 <p14:cNvPr id="10" name="Ink 9">
@@ -4747,7 +8375,7 @@
               </p14:xfrm>
             </p:contentPart>
           </mc:Choice>
-          <mc:Fallback>
+          <mc:Fallback xmlns="">
             <p:pic>
               <p:nvPicPr>
                 <p:cNvPr id="10" name="Ink 9">
@@ -4778,8 +8406,8 @@
             </p:pic>
           </mc:Fallback>
         </mc:AlternateContent>
-        <mc:AlternateContent xmlns:mc="http://schemas.openxmlformats.org/markup-compatibility/2006">
-          <mc:Choice xmlns:p14="http://schemas.microsoft.com/office/powerpoint/2010/main" Requires="p14">
+        <mc:AlternateContent xmlns:mc="http://schemas.openxmlformats.org/markup-compatibility/2006" xmlns:p14="http://schemas.microsoft.com/office/powerpoint/2010/main">
+          <mc:Choice Requires="p14">
             <p:contentPart p14:bwMode="auto" r:id="rId7">
               <p14:nvContentPartPr>
                 <p14:cNvPr id="11" name="Ink 10">
@@ -4798,7 +8426,7 @@
               </p14:xfrm>
             </p:contentPart>
           </mc:Choice>
-          <mc:Fallback>
+          <mc:Fallback xmlns="">
             <p:pic>
               <p:nvPicPr>
                 <p:cNvPr id="11" name="Ink 10">
@@ -4829,8 +8457,8 @@
             </p:pic>
           </mc:Fallback>
         </mc:AlternateContent>
-        <mc:AlternateContent xmlns:mc="http://schemas.openxmlformats.org/markup-compatibility/2006">
-          <mc:Choice xmlns:p14="http://schemas.microsoft.com/office/powerpoint/2010/main" Requires="p14">
+        <mc:AlternateContent xmlns:mc="http://schemas.openxmlformats.org/markup-compatibility/2006" xmlns:p14="http://schemas.microsoft.com/office/powerpoint/2010/main">
+          <mc:Choice Requires="p14">
             <p:contentPart p14:bwMode="auto" r:id="rId9">
               <p14:nvContentPartPr>
                 <p14:cNvPr id="12" name="Ink 11">
@@ -4849,7 +8477,7 @@
               </p14:xfrm>
             </p:contentPart>
           </mc:Choice>
-          <mc:Fallback>
+          <mc:Fallback xmlns="">
             <p:pic>
               <p:nvPicPr>
                 <p:cNvPr id="12" name="Ink 11">
@@ -4965,6 +8593,747 @@
 </p:sld>
 </file>
 
+<file path=ppt/slides/slide14.xml><?xml version="1.0" encoding="utf-8"?>
+<p:sld xmlns:a="http://schemas.openxmlformats.org/drawingml/2006/main" xmlns:r="http://schemas.openxmlformats.org/officeDocument/2006/relationships" xmlns:p="http://schemas.openxmlformats.org/presentationml/2006/main">
+  <p:cSld>
+    <p:spTree>
+      <p:nvGrpSpPr>
+        <p:cNvPr id="1" name=""/>
+        <p:cNvGrpSpPr/>
+        <p:nvPr/>
+      </p:nvGrpSpPr>
+      <p:grpSpPr>
+        <a:xfrm>
+          <a:off x="0" y="0"/>
+          <a:ext cx="0" cy="0"/>
+          <a:chOff x="0" y="0"/>
+          <a:chExt cx="0" cy="0"/>
+        </a:xfrm>
+      </p:grpSpPr>
+      <p:sp>
+        <p:nvSpPr>
+          <p:cNvPr id="2" name="Title 1">
+            <a:extLst>
+              <a:ext uri="{FF2B5EF4-FFF2-40B4-BE49-F238E27FC236}">
+                <a16:creationId xmlns:a16="http://schemas.microsoft.com/office/drawing/2014/main" id="{3857518F-5928-33BB-29D9-9C8C10F78D64}"/>
+              </a:ext>
+            </a:extLst>
+          </p:cNvPr>
+          <p:cNvSpPr>
+            <a:spLocks noGrp="1"/>
+          </p:cNvSpPr>
+          <p:nvPr>
+            <p:ph type="title"/>
+          </p:nvPr>
+        </p:nvSpPr>
+        <p:spPr/>
+        <p:txBody>
+          <a:bodyPr/>
+          <a:lstStyle/>
+          <a:p>
+            <a:r>
+              <a:rPr lang="en-US" dirty="0">
+                <a:cs typeface="Calibri Light"/>
+              </a:rPr>
+              <a:t>The System Calls:</a:t>
+            </a:r>
+            <a:endParaRPr lang="en-US" dirty="0"/>
+          </a:p>
+        </p:txBody>
+      </p:sp>
+      <p:sp>
+        <p:nvSpPr>
+          <p:cNvPr id="3" name="Content Placeholder 2">
+            <a:extLst>
+              <a:ext uri="{FF2B5EF4-FFF2-40B4-BE49-F238E27FC236}">
+                <a16:creationId xmlns:a16="http://schemas.microsoft.com/office/drawing/2014/main" id="{E3E31670-7A90-47EF-7A51-7582BDCDBDAF}"/>
+              </a:ext>
+            </a:extLst>
+          </p:cNvPr>
+          <p:cNvSpPr>
+            <a:spLocks noGrp="1"/>
+          </p:cNvSpPr>
+          <p:nvPr>
+            <p:ph idx="1"/>
+          </p:nvPr>
+        </p:nvSpPr>
+        <p:spPr>
+          <a:xfrm>
+            <a:off x="838200" y="1609965"/>
+            <a:ext cx="10515600" cy="4890488"/>
+          </a:xfrm>
+        </p:spPr>
+        <p:txBody>
+          <a:bodyPr vert="horz" lIns="91440" tIns="45720" rIns="91440" bIns="45720" rtlCol="0" anchor="t">
+            <a:normAutofit fontScale="77500" lnSpcReduction="20000"/>
+          </a:bodyPr>
+          <a:lstStyle/>
+          <a:p>
+            <a:r>
+              <a:rPr lang="en-US" dirty="0">
+                <a:cs typeface="Calibri"/>
+              </a:rPr>
+              <a:t>System calls are invoked using int $0x30 inside of user programs</a:t>
+            </a:r>
+          </a:p>
+          <a:p>
+            <a:r>
+              <a:rPr lang="en-US" dirty="0">
+                <a:cs typeface="Calibri"/>
+              </a:rPr>
+              <a:t>System calls are handled in </a:t>
+            </a:r>
+            <a:r>
+              <a:rPr lang="en-US" dirty="0" err="1">
+                <a:cs typeface="Calibri"/>
+              </a:rPr>
+              <a:t>syscall.c</a:t>
+            </a:r>
+            <a:r>
+              <a:rPr lang="en-US" dirty="0">
+                <a:cs typeface="Calibri"/>
+              </a:rPr>
+              <a:t> within the </a:t>
+            </a:r>
+            <a:r>
+              <a:rPr lang="en-US" dirty="0" err="1">
+                <a:cs typeface="Calibri"/>
+              </a:rPr>
+              <a:t>syscall</a:t>
+            </a:r>
+            <a:r>
+              <a:rPr lang="en-US" dirty="0">
+                <a:cs typeface="Calibri"/>
+              </a:rPr>
+              <a:t> handler</a:t>
+            </a:r>
+          </a:p>
+          <a:p>
+            <a:r>
+              <a:rPr lang="en-US" dirty="0">
+                <a:cs typeface="Calibri"/>
+              </a:rPr>
+              <a:t>From the total of 13 </a:t>
+            </a:r>
+            <a:r>
+              <a:rPr lang="en-US" dirty="0" err="1">
+                <a:cs typeface="Calibri"/>
+              </a:rPr>
+              <a:t>syscalls</a:t>
+            </a:r>
+            <a:r>
+              <a:rPr lang="en-US" dirty="0">
+                <a:cs typeface="Calibri"/>
+              </a:rPr>
+              <a:t> we completed; </a:t>
+            </a:r>
+          </a:p>
+          <a:p>
+            <a:endParaRPr lang="en-US" dirty="0">
+              <a:cs typeface="Calibri"/>
+            </a:endParaRPr>
+          </a:p>
+          <a:p>
+            <a:endParaRPr lang="en-US" dirty="0">
+              <a:cs typeface="Calibri"/>
+            </a:endParaRPr>
+          </a:p>
+          <a:p>
+            <a:pPr marL="0" indent="0">
+              <a:buNone/>
+            </a:pPr>
+            <a:r>
+              <a:rPr lang="en-US" dirty="0">
+                <a:cs typeface="Calibri"/>
+              </a:rPr>
+              <a:t>SYS_EXIT</a:t>
+            </a:r>
+          </a:p>
+          <a:p>
+            <a:pPr marL="0" indent="0">
+              <a:buNone/>
+            </a:pPr>
+            <a:r>
+              <a:rPr lang="en-US" dirty="0">
+                <a:cs typeface="Calibri"/>
+              </a:rPr>
+              <a:t>SYS_HALT</a:t>
+            </a:r>
+          </a:p>
+          <a:p>
+            <a:pPr marL="0" indent="0">
+              <a:buNone/>
+            </a:pPr>
+            <a:r>
+              <a:rPr lang="en-US" dirty="0">
+                <a:cs typeface="Calibri"/>
+              </a:rPr>
+              <a:t>SYS_CREATE</a:t>
+            </a:r>
+          </a:p>
+          <a:p>
+            <a:pPr marL="0" indent="0">
+              <a:buNone/>
+            </a:pPr>
+            <a:r>
+              <a:rPr lang="en-US" dirty="0">
+                <a:cs typeface="Calibri"/>
+              </a:rPr>
+              <a:t>SYS_REMOVE</a:t>
+            </a:r>
+          </a:p>
+          <a:p>
+            <a:pPr marL="457200" indent="-457200"/>
+            <a:endParaRPr lang="en-US" dirty="0">
+              <a:cs typeface="Calibri"/>
+            </a:endParaRPr>
+          </a:p>
+          <a:p>
+            <a:pPr marL="457200" indent="-457200"/>
+            <a:endParaRPr lang="en-US" dirty="0">
+              <a:cs typeface="Calibri"/>
+            </a:endParaRPr>
+          </a:p>
+          <a:p>
+            <a:pPr marL="457200" indent="-457200"/>
+            <a:r>
+              <a:rPr lang="en-US" dirty="0">
+                <a:cs typeface="Calibri"/>
+              </a:rPr>
+              <a:t>Each of these system call cases call back to the corresponding function handler which then returns the value which is pushed into </a:t>
+            </a:r>
+            <a:r>
+              <a:rPr lang="en-US" dirty="0" err="1">
+                <a:cs typeface="Calibri"/>
+              </a:rPr>
+              <a:t>eax</a:t>
+            </a:r>
+            <a:r>
+              <a:rPr lang="en-US" dirty="0">
+                <a:cs typeface="Calibri"/>
+              </a:rPr>
+              <a:t> in f with whatever was returned (being if the system call ran correctly which returns a 0 or a -1 if not)</a:t>
+            </a:r>
+          </a:p>
+        </p:txBody>
+      </p:sp>
+      <p:pic>
+        <p:nvPicPr>
+          <p:cNvPr id="4" name="Picture 4" descr="Text&#10;&#10;Description automatically generated">
+            <a:extLst>
+              <a:ext uri="{FF2B5EF4-FFF2-40B4-BE49-F238E27FC236}">
+                <a16:creationId xmlns:a16="http://schemas.microsoft.com/office/drawing/2014/main" id="{B21B9BCA-55CA-BADE-B81A-FCDEF2A1A223}"/>
+              </a:ext>
+            </a:extLst>
+          </p:cNvPr>
+          <p:cNvPicPr>
+            <a:picLocks noChangeAspect="1"/>
+          </p:cNvPicPr>
+          <p:nvPr/>
+        </p:nvPicPr>
+        <p:blipFill>
+          <a:blip r:embed="rId2"/>
+          <a:stretch>
+            <a:fillRect/>
+          </a:stretch>
+        </p:blipFill>
+        <p:spPr>
+          <a:xfrm>
+            <a:off x="2859918" y="2963825"/>
+            <a:ext cx="2369390" cy="473449"/>
+          </a:xfrm>
+          <a:prstGeom prst="rect">
+            <a:avLst/>
+          </a:prstGeom>
+        </p:spPr>
+      </p:pic>
+      <p:pic>
+        <p:nvPicPr>
+          <p:cNvPr id="5" name="Picture 5" descr="Text&#10;&#10;Description automatically generated">
+            <a:extLst>
+              <a:ext uri="{FF2B5EF4-FFF2-40B4-BE49-F238E27FC236}">
+                <a16:creationId xmlns:a16="http://schemas.microsoft.com/office/drawing/2014/main" id="{BB58FE32-71E0-82B7-C138-86DF5D49F3C4}"/>
+              </a:ext>
+            </a:extLst>
+          </p:cNvPr>
+          <p:cNvPicPr>
+            <a:picLocks noChangeAspect="1"/>
+          </p:cNvPicPr>
+          <p:nvPr/>
+        </p:nvPicPr>
+        <p:blipFill>
+          <a:blip r:embed="rId3"/>
+          <a:stretch>
+            <a:fillRect/>
+          </a:stretch>
+        </p:blipFill>
+        <p:spPr>
+          <a:xfrm>
+            <a:off x="2862532" y="3562386"/>
+            <a:ext cx="2362200" cy="452095"/>
+          </a:xfrm>
+          <a:prstGeom prst="rect">
+            <a:avLst/>
+          </a:prstGeom>
+        </p:spPr>
+      </p:pic>
+      <p:pic>
+        <p:nvPicPr>
+          <p:cNvPr id="6" name="Picture 6" descr="Text&#10;&#10;Description automatically generated">
+            <a:extLst>
+              <a:ext uri="{FF2B5EF4-FFF2-40B4-BE49-F238E27FC236}">
+                <a16:creationId xmlns:a16="http://schemas.microsoft.com/office/drawing/2014/main" id="{6C55F9A4-B108-90A9-1B37-6092A8C6D8D2}"/>
+              </a:ext>
+            </a:extLst>
+          </p:cNvPr>
+          <p:cNvPicPr>
+            <a:picLocks noChangeAspect="1"/>
+          </p:cNvPicPr>
+          <p:nvPr/>
+        </p:nvPicPr>
+        <p:blipFill>
+          <a:blip r:embed="rId4"/>
+          <a:stretch>
+            <a:fillRect/>
+          </a:stretch>
+        </p:blipFill>
+        <p:spPr>
+          <a:xfrm>
+            <a:off x="2862532" y="4119318"/>
+            <a:ext cx="2642559" cy="445289"/>
+          </a:xfrm>
+          <a:prstGeom prst="rect">
+            <a:avLst/>
+          </a:prstGeom>
+        </p:spPr>
+      </p:pic>
+      <p:pic>
+        <p:nvPicPr>
+          <p:cNvPr id="8" name="Picture 8" descr="Text&#10;&#10;Description automatically generated">
+            <a:extLst>
+              <a:ext uri="{FF2B5EF4-FFF2-40B4-BE49-F238E27FC236}">
+                <a16:creationId xmlns:a16="http://schemas.microsoft.com/office/drawing/2014/main" id="{1348CFF7-EED7-7772-379B-F6EAAD3C5F89}"/>
+              </a:ext>
+            </a:extLst>
+          </p:cNvPr>
+          <p:cNvPicPr>
+            <a:picLocks noChangeAspect="1"/>
+          </p:cNvPicPr>
+          <p:nvPr/>
+        </p:nvPicPr>
+        <p:blipFill>
+          <a:blip r:embed="rId5"/>
+          <a:stretch>
+            <a:fillRect/>
+          </a:stretch>
+        </p:blipFill>
+        <p:spPr>
+          <a:xfrm>
+            <a:off x="2862533" y="4673507"/>
+            <a:ext cx="2642559" cy="523040"/>
+          </a:xfrm>
+          <a:prstGeom prst="rect">
+            <a:avLst/>
+          </a:prstGeom>
+        </p:spPr>
+      </p:pic>
+      <p:pic>
+        <p:nvPicPr>
+          <p:cNvPr id="9" name="Picture 9" descr="Text&#10;&#10;Description automatically generated">
+            <a:extLst>
+              <a:ext uri="{FF2B5EF4-FFF2-40B4-BE49-F238E27FC236}">
+                <a16:creationId xmlns:a16="http://schemas.microsoft.com/office/drawing/2014/main" id="{07E30765-BC6A-B5A9-15CA-5C7B341F0FF1}"/>
+              </a:ext>
+            </a:extLst>
+          </p:cNvPr>
+          <p:cNvPicPr>
+            <a:picLocks noChangeAspect="1"/>
+          </p:cNvPicPr>
+          <p:nvPr/>
+        </p:nvPicPr>
+        <p:blipFill rotWithShape="1">
+          <a:blip r:embed="rId6"/>
+          <a:srcRect l="4724" r="-263" b="-1053"/>
+          <a:stretch/>
+        </p:blipFill>
+        <p:spPr>
+          <a:xfrm>
+            <a:off x="5932099" y="2963892"/>
+            <a:ext cx="2620801" cy="693019"/>
+          </a:xfrm>
+          <a:prstGeom prst="rect">
+            <a:avLst/>
+          </a:prstGeom>
+        </p:spPr>
+      </p:pic>
+      <p:pic>
+        <p:nvPicPr>
+          <p:cNvPr id="11" name="Picture 11" descr="Text&#10;&#10;Description automatically generated">
+            <a:extLst>
+              <a:ext uri="{FF2B5EF4-FFF2-40B4-BE49-F238E27FC236}">
+                <a16:creationId xmlns:a16="http://schemas.microsoft.com/office/drawing/2014/main" id="{DADA52B5-F8E7-EF1D-F273-E33AF49B38D0}"/>
+              </a:ext>
+            </a:extLst>
+          </p:cNvPr>
+          <p:cNvPicPr>
+            <a:picLocks noChangeAspect="1"/>
+          </p:cNvPicPr>
+          <p:nvPr/>
+        </p:nvPicPr>
+        <p:blipFill>
+          <a:blip r:embed="rId7"/>
+          <a:stretch>
+            <a:fillRect/>
+          </a:stretch>
+        </p:blipFill>
+        <p:spPr>
+          <a:xfrm>
+            <a:off x="5932098" y="4119621"/>
+            <a:ext cx="2743200" cy="430306"/>
+          </a:xfrm>
+          <a:prstGeom prst="rect">
+            <a:avLst/>
+          </a:prstGeom>
+        </p:spPr>
+      </p:pic>
+      <p:pic>
+        <p:nvPicPr>
+          <p:cNvPr id="12" name="Picture 12" descr="Text&#10;&#10;Description automatically generated">
+            <a:extLst>
+              <a:ext uri="{FF2B5EF4-FFF2-40B4-BE49-F238E27FC236}">
+                <a16:creationId xmlns:a16="http://schemas.microsoft.com/office/drawing/2014/main" id="{63B8522C-0DB0-514A-6A8B-16CD0F6FF7B1}"/>
+              </a:ext>
+            </a:extLst>
+          </p:cNvPr>
+          <p:cNvPicPr>
+            <a:picLocks noChangeAspect="1"/>
+          </p:cNvPicPr>
+          <p:nvPr/>
+        </p:nvPicPr>
+        <p:blipFill>
+          <a:blip r:embed="rId8"/>
+          <a:stretch>
+            <a:fillRect/>
+          </a:stretch>
+        </p:blipFill>
+        <p:spPr>
+          <a:xfrm>
+            <a:off x="5932098" y="4654841"/>
+            <a:ext cx="2743200" cy="553187"/>
+          </a:xfrm>
+          <a:prstGeom prst="rect">
+            <a:avLst/>
+          </a:prstGeom>
+        </p:spPr>
+      </p:pic>
+      <p:cxnSp>
+        <p:nvCxnSpPr>
+          <p:cNvPr id="13" name="Straight Arrow Connector 12">
+            <a:extLst>
+              <a:ext uri="{FF2B5EF4-FFF2-40B4-BE49-F238E27FC236}">
+                <a16:creationId xmlns:a16="http://schemas.microsoft.com/office/drawing/2014/main" id="{54CD4F1F-BC0D-C4DD-321A-C9F6A32303AC}"/>
+              </a:ext>
+            </a:extLst>
+          </p:cNvPr>
+          <p:cNvCxnSpPr/>
+          <p:nvPr/>
+        </p:nvCxnSpPr>
+        <p:spPr>
+          <a:xfrm>
+            <a:off x="5228148" y="3186561"/>
+            <a:ext cx="713116" cy="8628"/>
+          </a:xfrm>
+          <a:prstGeom prst="straightConnector1">
+            <a:avLst/>
+          </a:prstGeom>
+          <a:ln>
+            <a:tailEnd type="triangle"/>
+          </a:ln>
+        </p:spPr>
+        <p:style>
+          <a:lnRef idx="3">
+            <a:schemeClr val="dk1"/>
+          </a:lnRef>
+          <a:fillRef idx="0">
+            <a:schemeClr val="dk1"/>
+          </a:fillRef>
+          <a:effectRef idx="2">
+            <a:schemeClr val="dk1"/>
+          </a:effectRef>
+          <a:fontRef idx="minor">
+            <a:schemeClr val="tx1"/>
+          </a:fontRef>
+        </p:style>
+      </p:cxnSp>
+      <p:cxnSp>
+        <p:nvCxnSpPr>
+          <p:cNvPr id="14" name="Straight Arrow Connector 13">
+            <a:extLst>
+              <a:ext uri="{FF2B5EF4-FFF2-40B4-BE49-F238E27FC236}">
+                <a16:creationId xmlns:a16="http://schemas.microsoft.com/office/drawing/2014/main" id="{610F93DE-6344-B061-9CA4-7FA7B2DF96EA}"/>
+              </a:ext>
+            </a:extLst>
+          </p:cNvPr>
+          <p:cNvCxnSpPr>
+            <a:cxnSpLocks/>
+          </p:cNvCxnSpPr>
+          <p:nvPr/>
+        </p:nvCxnSpPr>
+        <p:spPr>
+          <a:xfrm>
+            <a:off x="5508506" y="4293617"/>
+            <a:ext cx="432758" cy="1440"/>
+          </a:xfrm>
+          <a:prstGeom prst="straightConnector1">
+            <a:avLst/>
+          </a:prstGeom>
+          <a:ln>
+            <a:tailEnd type="triangle"/>
+          </a:ln>
+        </p:spPr>
+        <p:style>
+          <a:lnRef idx="3">
+            <a:schemeClr val="dk1"/>
+          </a:lnRef>
+          <a:fillRef idx="0">
+            <a:schemeClr val="dk1"/>
+          </a:fillRef>
+          <a:effectRef idx="2">
+            <a:schemeClr val="dk1"/>
+          </a:effectRef>
+          <a:fontRef idx="minor">
+            <a:schemeClr val="tx1"/>
+          </a:fontRef>
+        </p:style>
+      </p:cxnSp>
+      <p:cxnSp>
+        <p:nvCxnSpPr>
+          <p:cNvPr id="15" name="Straight Arrow Connector 14">
+            <a:extLst>
+              <a:ext uri="{FF2B5EF4-FFF2-40B4-BE49-F238E27FC236}">
+                <a16:creationId xmlns:a16="http://schemas.microsoft.com/office/drawing/2014/main" id="{79937800-F7AB-D80F-F5F3-CE465F9BC927}"/>
+              </a:ext>
+            </a:extLst>
+          </p:cNvPr>
+          <p:cNvCxnSpPr>
+            <a:cxnSpLocks/>
+          </p:cNvCxnSpPr>
+          <p:nvPr/>
+        </p:nvCxnSpPr>
+        <p:spPr>
+          <a:xfrm>
+            <a:off x="5508506" y="4926221"/>
+            <a:ext cx="432758" cy="8628"/>
+          </a:xfrm>
+          <a:prstGeom prst="straightConnector1">
+            <a:avLst/>
+          </a:prstGeom>
+          <a:ln>
+            <a:tailEnd type="triangle"/>
+          </a:ln>
+        </p:spPr>
+        <p:style>
+          <a:lnRef idx="3">
+            <a:schemeClr val="dk1"/>
+          </a:lnRef>
+          <a:fillRef idx="0">
+            <a:schemeClr val="dk1"/>
+          </a:fillRef>
+          <a:effectRef idx="2">
+            <a:schemeClr val="dk1"/>
+          </a:effectRef>
+          <a:fontRef idx="minor">
+            <a:schemeClr val="tx1"/>
+          </a:fontRef>
+        </p:style>
+      </p:cxnSp>
+      <p:cxnSp>
+        <p:nvCxnSpPr>
+          <p:cNvPr id="16" name="Straight Arrow Connector 15">
+            <a:extLst>
+              <a:ext uri="{FF2B5EF4-FFF2-40B4-BE49-F238E27FC236}">
+                <a16:creationId xmlns:a16="http://schemas.microsoft.com/office/drawing/2014/main" id="{1C3D1AF5-D455-E910-2FA9-1503ACE06128}"/>
+              </a:ext>
+            </a:extLst>
+          </p:cNvPr>
+          <p:cNvCxnSpPr>
+            <a:cxnSpLocks/>
+          </p:cNvCxnSpPr>
+          <p:nvPr/>
+        </p:nvCxnSpPr>
+        <p:spPr>
+          <a:xfrm>
+            <a:off x="5228147" y="3819164"/>
+            <a:ext cx="3768304" cy="8628"/>
+          </a:xfrm>
+          <a:prstGeom prst="straightConnector1">
+            <a:avLst/>
+          </a:prstGeom>
+          <a:ln>
+            <a:tailEnd type="triangle"/>
+          </a:ln>
+        </p:spPr>
+        <p:style>
+          <a:lnRef idx="3">
+            <a:schemeClr val="dk1"/>
+          </a:lnRef>
+          <a:fillRef idx="0">
+            <a:schemeClr val="dk1"/>
+          </a:fillRef>
+          <a:effectRef idx="2">
+            <a:schemeClr val="dk1"/>
+          </a:effectRef>
+          <a:fontRef idx="minor">
+            <a:schemeClr val="tx1"/>
+          </a:fontRef>
+        </p:style>
+      </p:cxnSp>
+      <p:sp>
+        <p:nvSpPr>
+          <p:cNvPr id="17" name="TextBox 16">
+            <a:extLst>
+              <a:ext uri="{FF2B5EF4-FFF2-40B4-BE49-F238E27FC236}">
+                <a16:creationId xmlns:a16="http://schemas.microsoft.com/office/drawing/2014/main" id="{C864709D-83BF-EBF1-CBF2-C63DA8026852}"/>
+              </a:ext>
+            </a:extLst>
+          </p:cNvPr>
+          <p:cNvSpPr txBox="1"/>
+          <p:nvPr/>
+        </p:nvSpPr>
+        <p:spPr>
+          <a:xfrm>
+            <a:off x="9133216" y="3245689"/>
+            <a:ext cx="2535807" cy="380999"/>
+          </a:xfrm>
+          <a:prstGeom prst="rect">
+            <a:avLst/>
+          </a:prstGeom>
+          <a:noFill/>
+        </p:spPr>
+        <p:txBody>
+          <a:bodyPr rot="0" spcFirstLastPara="0" vertOverflow="overflow" horzOverflow="overflow" vert="horz" wrap="square" lIns="91440" tIns="45720" rIns="91440" bIns="45720" numCol="1" spcCol="0" rtlCol="0" fromWordArt="0" anchor="t" anchorCtr="0" forceAA="0" compatLnSpc="1">
+            <a:prstTxWarp prst="textNoShape">
+              <a:avLst/>
+            </a:prstTxWarp>
+            <a:spAutoFit/>
+          </a:bodyPr>
+          <a:lstStyle/>
+          <a:p>
+            <a:pPr marL="0" marR="0" lvl="0" indent="0" algn="l" defTabSz="914400" rtl="0" eaLnBrk="1" fontAlgn="auto" latinLnBrk="0" hangingPunct="1">
+              <a:lnSpc>
+                <a:spcPct val="100000"/>
+              </a:lnSpc>
+              <a:spcBef>
+                <a:spcPts val="0"/>
+              </a:spcBef>
+              <a:spcAft>
+                <a:spcPts val="0"/>
+              </a:spcAft>
+              <a:buClrTx/>
+              <a:buSzTx/>
+              <a:buFontTx/>
+              <a:buNone/>
+              <a:tabLst/>
+              <a:defRPr/>
+            </a:pPr>
+            <a:endParaRPr kumimoji="0" lang="en-US" sz="1800" b="0" i="0" u="none" strike="noStrike" kern="1200" cap="none" spc="0" normalizeH="0" baseline="0" noProof="0">
+              <a:ln>
+                <a:noFill/>
+              </a:ln>
+              <a:solidFill>
+                <a:prstClr val="black"/>
+              </a:solidFill>
+              <a:effectLst/>
+              <a:uLnTx/>
+              <a:uFillTx/>
+              <a:latin typeface="Calibri" panose="020F0502020204030204"/>
+              <a:ea typeface="+mn-ea"/>
+              <a:cs typeface="+mn-cs"/>
+            </a:endParaRPr>
+          </a:p>
+        </p:txBody>
+      </p:sp>
+      <p:sp>
+        <p:nvSpPr>
+          <p:cNvPr id="18" name="TextBox 17">
+            <a:extLst>
+              <a:ext uri="{FF2B5EF4-FFF2-40B4-BE49-F238E27FC236}">
+                <a16:creationId xmlns:a16="http://schemas.microsoft.com/office/drawing/2014/main" id="{C4A0C815-D25E-ADCD-E994-22E9556E1F74}"/>
+              </a:ext>
+            </a:extLst>
+          </p:cNvPr>
+          <p:cNvSpPr txBox="1"/>
+          <p:nvPr/>
+        </p:nvSpPr>
+        <p:spPr>
+          <a:xfrm>
+            <a:off x="8928339" y="3224122"/>
+            <a:ext cx="2489079" cy="1200329"/>
+          </a:xfrm>
+          <a:prstGeom prst="rect">
+            <a:avLst/>
+          </a:prstGeom>
+          <a:noFill/>
+        </p:spPr>
+        <p:txBody>
+          <a:bodyPr rot="0" spcFirstLastPara="0" vertOverflow="overflow" horzOverflow="overflow" vert="horz" wrap="square" lIns="91440" tIns="45720" rIns="91440" bIns="45720" numCol="1" spcCol="0" rtlCol="0" fromWordArt="0" anchor="t" anchorCtr="0" forceAA="0" compatLnSpc="1">
+            <a:prstTxWarp prst="textNoShape">
+              <a:avLst/>
+            </a:prstTxWarp>
+            <a:spAutoFit/>
+          </a:bodyPr>
+          <a:lstStyle/>
+          <a:p>
+            <a:pPr marL="0" marR="0" lvl="0" indent="0" algn="l" defTabSz="914400" rtl="0" eaLnBrk="1" fontAlgn="auto" latinLnBrk="0" hangingPunct="1">
+              <a:lnSpc>
+                <a:spcPct val="100000"/>
+              </a:lnSpc>
+              <a:spcBef>
+                <a:spcPts val="0"/>
+              </a:spcBef>
+              <a:spcAft>
+                <a:spcPts val="0"/>
+              </a:spcAft>
+              <a:buClrTx/>
+              <a:buSzTx/>
+              <a:buFontTx/>
+              <a:buNone/>
+              <a:tabLst/>
+              <a:defRPr/>
+            </a:pPr>
+            <a:r>
+              <a:rPr kumimoji="0" lang="en-US" sz="1800" b="0" i="0" u="none" strike="noStrike" kern="1200" cap="none" spc="0" normalizeH="0" baseline="0" noProof="0" dirty="0">
+                <a:ln>
+                  <a:noFill/>
+                </a:ln>
+                <a:solidFill>
+                  <a:prstClr val="black"/>
+                </a:solidFill>
+                <a:effectLst/>
+                <a:uLnTx/>
+                <a:uFillTx/>
+                <a:latin typeface="Calibri" panose="020F0502020204030204"/>
+                <a:ea typeface="+mn-ea"/>
+                <a:cs typeface="Calibri"/>
+              </a:rPr>
+              <a:t>Does not have a function handler as only a single function has to be called which turns off</a:t>
+            </a:r>
+          </a:p>
+        </p:txBody>
+      </p:sp>
+    </p:spTree>
+    <p:extLst>
+      <p:ext uri="{BB962C8B-B14F-4D97-AF65-F5344CB8AC3E}">
+        <p14:creationId xmlns:p14="http://schemas.microsoft.com/office/powerpoint/2010/main" val="909362049"/>
+      </p:ext>
+    </p:extLst>
+  </p:cSld>
+  <p:clrMapOvr>
+    <a:masterClrMapping/>
+  </p:clrMapOvr>
+</p:sld>
+</file>
+
 <file path=ppt/slides/slide2.xml><?xml version="1.0" encoding="utf-8"?>
 <p:sld xmlns:a="http://schemas.openxmlformats.org/drawingml/2006/main" xmlns:r="http://schemas.openxmlformats.org/officeDocument/2006/relationships" xmlns:p="http://schemas.openxmlformats.org/presentationml/2006/main">
   <p:cSld>
@@ -4982,6 +9351,36 @@
           <a:chExt cx="0" cy="0"/>
         </a:xfrm>
       </p:grpSpPr>
+      <p:pic>
+        <p:nvPicPr>
+          <p:cNvPr id="7" name="Picture 6">
+            <a:extLst>
+              <a:ext uri="{FF2B5EF4-FFF2-40B4-BE49-F238E27FC236}">
+                <a16:creationId xmlns:a16="http://schemas.microsoft.com/office/drawing/2014/main" id="{142B6578-97A7-9DA6-B9D6-1B9166788BEC}"/>
+              </a:ext>
+            </a:extLst>
+          </p:cNvPr>
+          <p:cNvPicPr>
+            <a:picLocks noChangeAspect="1"/>
+          </p:cNvPicPr>
+          <p:nvPr/>
+        </p:nvPicPr>
+        <p:blipFill>
+          <a:blip r:embed="rId2"/>
+          <a:stretch>
+            <a:fillRect/>
+          </a:stretch>
+        </p:blipFill>
+        <p:spPr>
+          <a:xfrm>
+            <a:off x="7522269" y="1804059"/>
+            <a:ext cx="4224990" cy="3332971"/>
+          </a:xfrm>
+          <a:prstGeom prst="rect">
+            <a:avLst/>
+          </a:prstGeom>
+        </p:spPr>
+      </p:pic>
       <p:sp>
         <p:nvSpPr>
           <p:cNvPr id="2" name="Title 1">
@@ -5011,35 +9410,239 @@
               <a:rPr lang="en-GB" dirty="0" err="1"/>
               <a:t>PintOS</a:t>
             </a:r>
+            <a:r>
+              <a:rPr lang="en-GB" dirty="0"/>
+              <a:t> - Threads</a:t>
+            </a:r>
+          </a:p>
+        </p:txBody>
+      </p:sp>
+      <p:sp>
+        <p:nvSpPr>
+          <p:cNvPr id="3" name="Content Placeholder 2">
+            <a:extLst>
+              <a:ext uri="{FF2B5EF4-FFF2-40B4-BE49-F238E27FC236}">
+                <a16:creationId xmlns:a16="http://schemas.microsoft.com/office/drawing/2014/main" id="{8EFD559B-1484-B8AF-2E34-CF4B3C95F3CD}"/>
+              </a:ext>
+            </a:extLst>
+          </p:cNvPr>
+          <p:cNvSpPr>
+            <a:spLocks noGrp="1"/>
+          </p:cNvSpPr>
+          <p:nvPr>
+            <p:ph idx="1"/>
+          </p:nvPr>
+        </p:nvSpPr>
+        <p:spPr/>
+        <p:txBody>
+          <a:bodyPr/>
+          <a:lstStyle/>
+          <a:p>
+            <a:pPr marL="0" indent="0">
+              <a:buNone/>
+            </a:pPr>
+            <a:r>
+              <a:rPr lang="en-GB" dirty="0"/>
+              <a:t>Threads are defined as a struct thread which </a:t>
+            </a:r>
+          </a:p>
+          <a:p>
+            <a:pPr marL="0" indent="0">
+              <a:buNone/>
+            </a:pPr>
+            <a:r>
+              <a:rPr lang="en-GB" dirty="0"/>
+              <a:t>holds all the information on the thread.</a:t>
+            </a:r>
+          </a:p>
+          <a:p>
+            <a:pPr marL="0" indent="0">
+              <a:buNone/>
+            </a:pPr>
             <a:endParaRPr lang="en-GB" dirty="0"/>
           </a:p>
-        </p:txBody>
-      </p:sp>
-      <p:sp>
-        <p:nvSpPr>
-          <p:cNvPr id="3" name="Content Placeholder 2">
-            <a:extLst>
-              <a:ext uri="{FF2B5EF4-FFF2-40B4-BE49-F238E27FC236}">
-                <a16:creationId xmlns:a16="http://schemas.microsoft.com/office/drawing/2014/main" id="{8EFD559B-1484-B8AF-2E34-CF4B3C95F3CD}"/>
-              </a:ext>
-            </a:extLst>
-          </p:cNvPr>
-          <p:cNvSpPr>
-            <a:spLocks noGrp="1"/>
-          </p:cNvSpPr>
-          <p:nvPr>
-            <p:ph idx="1"/>
-          </p:nvPr>
-        </p:nvSpPr>
-        <p:spPr/>
-        <p:txBody>
-          <a:bodyPr/>
-          <a:lstStyle/>
-          <a:p>
-            <a:endParaRPr lang="en-GB"/>
-          </a:p>
-        </p:txBody>
-      </p:sp>
+          <a:p>
+            <a:pPr marL="0" indent="0">
+              <a:buNone/>
+            </a:pPr>
+            <a:r>
+              <a:rPr lang="en-GB" dirty="0"/>
+              <a:t>Thread switching just has one first in first out list of </a:t>
+            </a:r>
+          </a:p>
+          <a:p>
+            <a:pPr marL="0" indent="0">
+              <a:buNone/>
+            </a:pPr>
+            <a:r>
+              <a:rPr lang="en-GB" dirty="0"/>
+              <a:t>threads not being run and when the thread </a:t>
+            </a:r>
+          </a:p>
+          <a:p>
+            <a:pPr marL="0" indent="0">
+              <a:buNone/>
+            </a:pPr>
+            <a:r>
+              <a:rPr lang="en-GB" dirty="0"/>
+              <a:t>finishes running it is sent to the back of the queue.</a:t>
+            </a:r>
+          </a:p>
+        </p:txBody>
+      </p:sp>
+      <p:pic>
+        <p:nvPicPr>
+          <p:cNvPr id="5" name="Picture 4">
+            <a:extLst>
+              <a:ext uri="{FF2B5EF4-FFF2-40B4-BE49-F238E27FC236}">
+                <a16:creationId xmlns:a16="http://schemas.microsoft.com/office/drawing/2014/main" id="{3924EB77-F5AC-D6A1-DFFA-D1D80A694227}"/>
+              </a:ext>
+            </a:extLst>
+          </p:cNvPr>
+          <p:cNvPicPr>
+            <a:picLocks noChangeAspect="1"/>
+          </p:cNvPicPr>
+          <p:nvPr/>
+        </p:nvPicPr>
+        <p:blipFill>
+          <a:blip r:embed="rId3"/>
+          <a:stretch>
+            <a:fillRect/>
+          </a:stretch>
+        </p:blipFill>
+        <p:spPr>
+          <a:xfrm>
+            <a:off x="1006395" y="4902190"/>
+            <a:ext cx="5486440" cy="1409710"/>
+          </a:xfrm>
+          <a:prstGeom prst="rect">
+            <a:avLst/>
+          </a:prstGeom>
+        </p:spPr>
+      </p:pic>
+      <p:grpSp>
+        <p:nvGrpSpPr>
+          <p:cNvPr id="11" name="Group 10">
+            <a:extLst>
+              <a:ext uri="{FF2B5EF4-FFF2-40B4-BE49-F238E27FC236}">
+                <a16:creationId xmlns:a16="http://schemas.microsoft.com/office/drawing/2014/main" id="{CA1EABF9-ADA8-C10B-20C6-9F9D99F7E5B6}"/>
+              </a:ext>
+            </a:extLst>
+          </p:cNvPr>
+          <p:cNvGrpSpPr/>
+          <p:nvPr/>
+        </p:nvGrpSpPr>
+        <p:grpSpPr>
+          <a:xfrm>
+            <a:off x="5619736" y="1512774"/>
+            <a:ext cx="3442320" cy="809280"/>
+            <a:chOff x="5619736" y="1512774"/>
+            <a:chExt cx="3442320" cy="809280"/>
+          </a:xfrm>
+        </p:grpSpPr>
+        <mc:AlternateContent xmlns:mc="http://schemas.openxmlformats.org/markup-compatibility/2006">
+          <mc:Choice xmlns:p14="http://schemas.microsoft.com/office/powerpoint/2010/main" Requires="p14">
+            <p:contentPart p14:bwMode="auto" r:id="rId4">
+              <p14:nvContentPartPr>
+                <p14:cNvPr id="9" name="Ink 8">
+                  <a:extLst>
+                    <a:ext uri="{FF2B5EF4-FFF2-40B4-BE49-F238E27FC236}">
+                      <a16:creationId xmlns:a16="http://schemas.microsoft.com/office/drawing/2014/main" id="{B9C0C0A4-BABE-FC87-7F5A-DEE1CDAE67DF}"/>
+                    </a:ext>
+                  </a:extLst>
+                </p14:cNvPr>
+                <p14:cNvContentPartPr/>
+                <p14:nvPr/>
+              </p14:nvContentPartPr>
+              <p14:xfrm>
+                <a:off x="5619736" y="1512774"/>
+                <a:ext cx="3257280" cy="721800"/>
+              </p14:xfrm>
+            </p:contentPart>
+          </mc:Choice>
+          <mc:Fallback>
+            <p:pic>
+              <p:nvPicPr>
+                <p:cNvPr id="9" name="Ink 8">
+                  <a:extLst>
+                    <a:ext uri="{FF2B5EF4-FFF2-40B4-BE49-F238E27FC236}">
+                      <a16:creationId xmlns:a16="http://schemas.microsoft.com/office/drawing/2014/main" id="{B9C0C0A4-BABE-FC87-7F5A-DEE1CDAE67DF}"/>
+                    </a:ext>
+                  </a:extLst>
+                </p:cNvPr>
+                <p:cNvPicPr/>
+                <p:nvPr/>
+              </p:nvPicPr>
+              <p:blipFill>
+                <a:blip r:embed="rId5"/>
+                <a:stretch>
+                  <a:fillRect/>
+                </a:stretch>
+              </p:blipFill>
+              <p:spPr>
+                <a:xfrm>
+                  <a:off x="5610736" y="1503774"/>
+                  <a:ext cx="3274920" cy="739440"/>
+                </a:xfrm>
+                <a:prstGeom prst="rect">
+                  <a:avLst/>
+                </a:prstGeom>
+              </p:spPr>
+            </p:pic>
+          </mc:Fallback>
+        </mc:AlternateContent>
+        <mc:AlternateContent xmlns:mc="http://schemas.openxmlformats.org/markup-compatibility/2006">
+          <mc:Choice xmlns:p14="http://schemas.microsoft.com/office/powerpoint/2010/main" Requires="p14">
+            <p:contentPart p14:bwMode="auto" r:id="rId6">
+              <p14:nvContentPartPr>
+                <p14:cNvPr id="10" name="Ink 9">
+                  <a:extLst>
+                    <a:ext uri="{FF2B5EF4-FFF2-40B4-BE49-F238E27FC236}">
+                      <a16:creationId xmlns:a16="http://schemas.microsoft.com/office/drawing/2014/main" id="{2FA24643-4576-DC69-A2CB-442A633FCE29}"/>
+                    </a:ext>
+                  </a:extLst>
+                </p14:cNvPr>
+                <p14:cNvContentPartPr/>
+                <p14:nvPr/>
+              </p14:nvContentPartPr>
+              <p14:xfrm>
+                <a:off x="8690536" y="2128374"/>
+                <a:ext cx="371520" cy="193680"/>
+              </p14:xfrm>
+            </p:contentPart>
+          </mc:Choice>
+          <mc:Fallback>
+            <p:pic>
+              <p:nvPicPr>
+                <p:cNvPr id="10" name="Ink 9">
+                  <a:extLst>
+                    <a:ext uri="{FF2B5EF4-FFF2-40B4-BE49-F238E27FC236}">
+                      <a16:creationId xmlns:a16="http://schemas.microsoft.com/office/drawing/2014/main" id="{2FA24643-4576-DC69-A2CB-442A633FCE29}"/>
+                    </a:ext>
+                  </a:extLst>
+                </p:cNvPr>
+                <p:cNvPicPr/>
+                <p:nvPr/>
+              </p:nvPicPr>
+              <p:blipFill>
+                <a:blip r:embed="rId7"/>
+                <a:stretch>
+                  <a:fillRect/>
+                </a:stretch>
+              </p:blipFill>
+              <p:spPr>
+                <a:xfrm>
+                  <a:off x="8681536" y="2119374"/>
+                  <a:ext cx="389160" cy="211320"/>
+                </a:xfrm>
+                <a:prstGeom prst="rect">
+                  <a:avLst/>
+                </a:prstGeom>
+              </p:spPr>
+            </p:pic>
+          </mc:Fallback>
+        </mc:AlternateContent>
+      </p:grpSp>
     </p:spTree>
     <p:extLst>
       <p:ext uri="{BB962C8B-B14F-4D97-AF65-F5344CB8AC3E}">
@@ -5075,6 +9678,302 @@
           <p:cNvPr id="2" name="Title 1">
             <a:extLst>
               <a:ext uri="{FF2B5EF4-FFF2-40B4-BE49-F238E27FC236}">
+                <a16:creationId xmlns:a16="http://schemas.microsoft.com/office/drawing/2014/main" id="{85C83770-89B9-FA4D-66FB-762274A4538B}"/>
+              </a:ext>
+            </a:extLst>
+          </p:cNvPr>
+          <p:cNvSpPr>
+            <a:spLocks noGrp="1"/>
+          </p:cNvSpPr>
+          <p:nvPr>
+            <p:ph type="title"/>
+          </p:nvPr>
+        </p:nvSpPr>
+        <p:spPr>
+          <a:xfrm>
+            <a:off x="5894962" y="479493"/>
+            <a:ext cx="5458838" cy="1325563"/>
+          </a:xfrm>
+        </p:spPr>
+        <p:txBody>
+          <a:bodyPr>
+            <a:normAutofit fontScale="90000"/>
+          </a:bodyPr>
+          <a:lstStyle/>
+          <a:p>
+            <a:r>
+              <a:rPr lang="en-GB" dirty="0"/>
+              <a:t>Overall architecture of </a:t>
+            </a:r>
+            <a:r>
+              <a:rPr lang="en-GB" dirty="0" err="1"/>
+              <a:t>PintOS</a:t>
+            </a:r>
+            <a:r>
+              <a:rPr lang="en-GB" dirty="0"/>
+              <a:t> - </a:t>
+            </a:r>
+            <a:r>
+              <a:rPr lang="en-US" dirty="0">
+                <a:ea typeface="+mj-lt"/>
+                <a:cs typeface="+mj-lt"/>
+              </a:rPr>
+              <a:t>Virtual memory </a:t>
+            </a:r>
+            <a:endParaRPr lang="en-US" dirty="0"/>
+          </a:p>
+        </p:txBody>
+      </p:sp>
+      <p:pic>
+        <p:nvPicPr>
+          <p:cNvPr id="4" name="Picture 4">
+            <a:extLst>
+              <a:ext uri="{FF2B5EF4-FFF2-40B4-BE49-F238E27FC236}">
+                <a16:creationId xmlns:a16="http://schemas.microsoft.com/office/drawing/2014/main" id="{77F1040D-0726-FA50-8E69-77122B4CCBE5}"/>
+              </a:ext>
+            </a:extLst>
+          </p:cNvPr>
+          <p:cNvPicPr>
+            <a:picLocks noChangeAspect="1"/>
+          </p:cNvPicPr>
+          <p:nvPr/>
+        </p:nvPicPr>
+        <p:blipFill>
+          <a:blip r:embed="rId2"/>
+          <a:stretch>
+            <a:fillRect/>
+          </a:stretch>
+        </p:blipFill>
+        <p:spPr>
+          <a:xfrm>
+            <a:off x="705209" y="511293"/>
+            <a:ext cx="4773327" cy="5665670"/>
+          </a:xfrm>
+          <a:custGeom>
+            <a:avLst/>
+            <a:gdLst/>
+            <a:ahLst/>
+            <a:cxnLst/>
+            <a:rect l="l" t="t" r="r" b="b"/>
+            <a:pathLst>
+              <a:path w="4777381" h="5643794">
+                <a:moveTo>
+                  <a:pt x="143704" y="0"/>
+                </a:moveTo>
+                <a:lnTo>
+                  <a:pt x="4633677" y="0"/>
+                </a:lnTo>
+                <a:cubicBezTo>
+                  <a:pt x="4713043" y="0"/>
+                  <a:pt x="4777381" y="64338"/>
+                  <a:pt x="4777381" y="143704"/>
+                </a:cubicBezTo>
+                <a:lnTo>
+                  <a:pt x="4777381" y="5500090"/>
+                </a:lnTo>
+                <a:cubicBezTo>
+                  <a:pt x="4777381" y="5579456"/>
+                  <a:pt x="4713043" y="5643794"/>
+                  <a:pt x="4633677" y="5643794"/>
+                </a:cubicBezTo>
+                <a:lnTo>
+                  <a:pt x="143704" y="5643794"/>
+                </a:lnTo>
+                <a:cubicBezTo>
+                  <a:pt x="64338" y="5643794"/>
+                  <a:pt x="0" y="5579456"/>
+                  <a:pt x="0" y="5500090"/>
+                </a:cubicBezTo>
+                <a:lnTo>
+                  <a:pt x="0" y="143704"/>
+                </a:lnTo>
+                <a:cubicBezTo>
+                  <a:pt x="0" y="64338"/>
+                  <a:pt x="64338" y="0"/>
+                  <a:pt x="143704" y="0"/>
+                </a:cubicBezTo>
+                <a:close/>
+              </a:path>
+            </a:pathLst>
+          </a:custGeom>
+        </p:spPr>
+      </p:pic>
+      <p:sp>
+        <p:nvSpPr>
+          <p:cNvPr id="3" name="Content Placeholder 2">
+            <a:extLst>
+              <a:ext uri="{FF2B5EF4-FFF2-40B4-BE49-F238E27FC236}">
+                <a16:creationId xmlns:a16="http://schemas.microsoft.com/office/drawing/2014/main" id="{AFD1B45F-422D-2A6B-0964-70199F64E27D}"/>
+              </a:ext>
+            </a:extLst>
+          </p:cNvPr>
+          <p:cNvSpPr>
+            <a:spLocks noGrp="1"/>
+          </p:cNvSpPr>
+          <p:nvPr>
+            <p:ph idx="1"/>
+          </p:nvPr>
+        </p:nvSpPr>
+        <p:spPr>
+          <a:xfrm>
+            <a:off x="5894962" y="1984443"/>
+            <a:ext cx="5458838" cy="4192520"/>
+          </a:xfrm>
+        </p:spPr>
+        <p:txBody>
+          <a:bodyPr vert="horz" lIns="91440" tIns="45720" rIns="91440" bIns="45720" rtlCol="0" anchor="t">
+            <a:normAutofit/>
+          </a:bodyPr>
+          <a:lstStyle/>
+          <a:p>
+            <a:r>
+              <a:rPr lang="en-US" sz="1300" dirty="0" err="1">
+                <a:ea typeface="+mn-lt"/>
+                <a:cs typeface="+mn-lt"/>
+              </a:rPr>
+              <a:t>PintOS</a:t>
+            </a:r>
+            <a:r>
+              <a:rPr lang="en-US" sz="1300" dirty="0">
+                <a:ea typeface="+mn-lt"/>
+                <a:cs typeface="+mn-lt"/>
+              </a:rPr>
+              <a:t> uses 80x86 architecture which does not provide access to memory through physical addresses, but </a:t>
+            </a:r>
+            <a:r>
+              <a:rPr lang="en-US" sz="1300" dirty="0" err="1">
+                <a:ea typeface="+mn-lt"/>
+                <a:cs typeface="+mn-lt"/>
+              </a:rPr>
+              <a:t>PintOS</a:t>
+            </a:r>
+            <a:r>
+              <a:rPr lang="en-US" sz="1300" dirty="0">
+                <a:ea typeface="+mn-lt"/>
+                <a:cs typeface="+mn-lt"/>
+              </a:rPr>
+              <a:t> has a work around for this problem by mapping kernel memory straight onto physical memory. Memory in pintos is split into frames called physical frames or page frames each frame is mapped onto its adjacent kernel virtual memory page e.g. the 1</a:t>
+            </a:r>
+            <a:r>
+              <a:rPr lang="en-US" sz="1300" baseline="30000" dirty="0">
+                <a:ea typeface="+mn-lt"/>
+                <a:cs typeface="+mn-lt"/>
+              </a:rPr>
+              <a:t>st</a:t>
+            </a:r>
+            <a:r>
+              <a:rPr lang="en-US" sz="1300" dirty="0">
+                <a:ea typeface="+mn-lt"/>
+                <a:cs typeface="+mn-lt"/>
+              </a:rPr>
+              <a:t> page of the kernel virtual memory is mapped onto the first frame of the physical memory then the 2</a:t>
+            </a:r>
+            <a:r>
+              <a:rPr lang="en-US" sz="1300" baseline="30000" dirty="0">
+                <a:ea typeface="+mn-lt"/>
+                <a:cs typeface="+mn-lt"/>
+              </a:rPr>
+              <a:t>nd</a:t>
+            </a:r>
+            <a:r>
+              <a:rPr lang="en-US" sz="1300" dirty="0">
+                <a:ea typeface="+mn-lt"/>
+                <a:cs typeface="+mn-lt"/>
+              </a:rPr>
+              <a:t> page of the kernel virtual memory is mapped onto the second frame of the physical memory so on and so forth. Using this method the frames can be accessed through the use of the kernel virtual memory. </a:t>
+            </a:r>
+            <a:endParaRPr lang="en-US" sz="1300" dirty="0">
+              <a:cs typeface="Calibri" panose="020F0502020204030204"/>
+            </a:endParaRPr>
+          </a:p>
+          <a:p>
+            <a:r>
+              <a:rPr lang="en-US" sz="1300" dirty="0">
+                <a:ea typeface="+mn-lt"/>
+                <a:cs typeface="+mn-lt"/>
+              </a:rPr>
+              <a:t>Swapping uses virtual memory to swap the location of data from primary memory (RANDOM ACCESS MEMORY/ RAM) to secondary memory (memory that cannot be directly accessed by the CPU e.g. a small section of a HDD/SSD), e.g. saving files for long term. This increases the amount of available memory for a program or the operating system to use. Swapping occurs when a kernel tries to access a page that is stored in swap space (i.e. when is it not stored in the RAM) since it is not in ram and page fault will occur causing the page to be swapped from disk to RAM, this then causes the CPU to be able to access the data. </a:t>
+            </a:r>
+            <a:endParaRPr lang="en-US" sz="1300" dirty="0"/>
+          </a:p>
+        </p:txBody>
+      </p:sp>
+      <p:sp>
+        <p:nvSpPr>
+          <p:cNvPr id="5" name="TextBox 4">
+            <a:extLst>
+              <a:ext uri="{FF2B5EF4-FFF2-40B4-BE49-F238E27FC236}">
+                <a16:creationId xmlns:a16="http://schemas.microsoft.com/office/drawing/2014/main" id="{CBFC6E90-3630-CB7E-6103-E7BA9A2D676F}"/>
+              </a:ext>
+            </a:extLst>
+          </p:cNvPr>
+          <p:cNvSpPr txBox="1"/>
+          <p:nvPr/>
+        </p:nvSpPr>
+        <p:spPr>
+          <a:xfrm>
+            <a:off x="2106282" y="219254"/>
+            <a:ext cx="5041061" cy="369332"/>
+          </a:xfrm>
+          <a:prstGeom prst="rect">
+            <a:avLst/>
+          </a:prstGeom>
+          <a:noFill/>
+        </p:spPr>
+        <p:txBody>
+          <a:bodyPr rot="0" spcFirstLastPara="0" vertOverflow="overflow" horzOverflow="overflow" vert="horz" wrap="square" lIns="91440" tIns="45720" rIns="91440" bIns="45720" numCol="1" spcCol="0" rtlCol="0" fromWordArt="0" anchor="t" anchorCtr="0" forceAA="0" compatLnSpc="1">
+            <a:prstTxWarp prst="textNoShape">
+              <a:avLst/>
+            </a:prstTxWarp>
+            <a:spAutoFit/>
+          </a:bodyPr>
+          <a:lstStyle/>
+          <a:p>
+            <a:r>
+              <a:rPr lang="en-US" dirty="0">
+                <a:ea typeface="+mn-lt"/>
+                <a:cs typeface="+mn-lt"/>
+              </a:rPr>
+              <a:t>User virtual memory layout: </a:t>
+            </a:r>
+          </a:p>
+        </p:txBody>
+      </p:sp>
+    </p:spTree>
+    <p:extLst>
+      <p:ext uri="{BB962C8B-B14F-4D97-AF65-F5344CB8AC3E}">
+        <p14:creationId xmlns:p14="http://schemas.microsoft.com/office/powerpoint/2010/main" val="3189902606"/>
+      </p:ext>
+    </p:extLst>
+  </p:cSld>
+  <p:clrMapOvr>
+    <a:masterClrMapping/>
+  </p:clrMapOvr>
+</p:sld>
+</file>
+
+<file path=ppt/slides/slide4.xml><?xml version="1.0" encoding="utf-8"?>
+<p:sld xmlns:a="http://schemas.openxmlformats.org/drawingml/2006/main" xmlns:r="http://schemas.openxmlformats.org/officeDocument/2006/relationships" xmlns:p="http://schemas.openxmlformats.org/presentationml/2006/main">
+  <p:cSld>
+    <p:spTree>
+      <p:nvGrpSpPr>
+        <p:cNvPr id="1" name=""/>
+        <p:cNvGrpSpPr/>
+        <p:nvPr/>
+      </p:nvGrpSpPr>
+      <p:grpSpPr>
+        <a:xfrm>
+          <a:off x="0" y="0"/>
+          <a:ext cx="0" cy="0"/>
+          <a:chOff x="0" y="0"/>
+          <a:chExt cx="0" cy="0"/>
+        </a:xfrm>
+      </p:grpSpPr>
+      <p:sp>
+        <p:nvSpPr>
+          <p:cNvPr id="2" name="Title 1">
+            <a:extLst>
+              <a:ext uri="{FF2B5EF4-FFF2-40B4-BE49-F238E27FC236}">
                 <a16:creationId xmlns:a16="http://schemas.microsoft.com/office/drawing/2014/main" id="{33721F90-2651-9F22-3FF1-468398EFF224}"/>
               </a:ext>
             </a:extLst>
@@ -5157,7 +10056,7 @@
 </p:sld>
 </file>
 
-<file path=ppt/slides/slide4.xml><?xml version="1.0" encoding="utf-8"?>
+<file path=ppt/slides/slide5.xml><?xml version="1.0" encoding="utf-8"?>
 <p:sld xmlns:a="http://schemas.openxmlformats.org/drawingml/2006/main" xmlns:r="http://schemas.openxmlformats.org/officeDocument/2006/relationships" xmlns:p="http://schemas.openxmlformats.org/presentationml/2006/main">
   <p:cSld>
     <p:spTree>
@@ -5431,7 +10330,7 @@
 </p:sld>
 </file>
 
-<file path=ppt/slides/slide5.xml><?xml version="1.0" encoding="utf-8"?>
+<file path=ppt/slides/slide6.xml><?xml version="1.0" encoding="utf-8"?>
 <p:sld xmlns:a="http://schemas.openxmlformats.org/drawingml/2006/main" xmlns:r="http://schemas.openxmlformats.org/officeDocument/2006/relationships" xmlns:p="http://schemas.openxmlformats.org/presentationml/2006/main">
   <p:cSld>
     <p:spTree>
@@ -5574,7 +10473,7 @@
 </p:sld>
 </file>
 
-<file path=ppt/slides/slide6.xml><?xml version="1.0" encoding="utf-8"?>
+<file path=ppt/slides/slide7.xml><?xml version="1.0" encoding="utf-8"?>
 <p:sld xmlns:a="http://schemas.openxmlformats.org/drawingml/2006/main" xmlns:r="http://schemas.openxmlformats.org/officeDocument/2006/relationships" xmlns:p="http://schemas.openxmlformats.org/presentationml/2006/main">
   <p:cSld>
     <p:spTree>
@@ -5694,8 +10593,8 @@
             <a:chExt cx="988200" cy="1089000"/>
           </a:xfrm>
         </p:grpSpPr>
-        <mc:AlternateContent xmlns:mc="http://schemas.openxmlformats.org/markup-compatibility/2006">
-          <mc:Choice xmlns:p14="http://schemas.microsoft.com/office/powerpoint/2010/main" Requires="p14">
+        <mc:AlternateContent xmlns:mc="http://schemas.openxmlformats.org/markup-compatibility/2006" xmlns:p14="http://schemas.microsoft.com/office/powerpoint/2010/main">
+          <mc:Choice Requires="p14">
             <p:contentPart p14:bwMode="auto" r:id="rId3">
               <p14:nvContentPartPr>
                 <p14:cNvPr id="8" name="Ink 7">
@@ -5714,7 +10613,7 @@
               </p14:xfrm>
             </p:contentPart>
           </mc:Choice>
-          <mc:Fallback>
+          <mc:Fallback xmlns="">
             <p:pic>
               <p:nvPicPr>
                 <p:cNvPr id="8" name="Ink 7">
@@ -5745,8 +10644,8 @@
             </p:pic>
           </mc:Fallback>
         </mc:AlternateContent>
-        <mc:AlternateContent xmlns:mc="http://schemas.openxmlformats.org/markup-compatibility/2006">
-          <mc:Choice xmlns:p14="http://schemas.microsoft.com/office/powerpoint/2010/main" Requires="p14">
+        <mc:AlternateContent xmlns:mc="http://schemas.openxmlformats.org/markup-compatibility/2006" xmlns:p14="http://schemas.microsoft.com/office/powerpoint/2010/main">
+          <mc:Choice Requires="p14">
             <p:contentPart p14:bwMode="auto" r:id="rId5">
               <p14:nvContentPartPr>
                 <p14:cNvPr id="9" name="Ink 8">
@@ -5765,7 +10664,7 @@
               </p14:xfrm>
             </p:contentPart>
           </mc:Choice>
-          <mc:Fallback>
+          <mc:Fallback xmlns="">
             <p:pic>
               <p:nvPicPr>
                 <p:cNvPr id="9" name="Ink 8">
@@ -5796,8 +10695,8 @@
             </p:pic>
           </mc:Fallback>
         </mc:AlternateContent>
-        <mc:AlternateContent xmlns:mc="http://schemas.openxmlformats.org/markup-compatibility/2006">
-          <mc:Choice xmlns:p14="http://schemas.microsoft.com/office/powerpoint/2010/main" Requires="p14">
+        <mc:AlternateContent xmlns:mc="http://schemas.openxmlformats.org/markup-compatibility/2006" xmlns:p14="http://schemas.microsoft.com/office/powerpoint/2010/main">
+          <mc:Choice Requires="p14">
             <p:contentPart p14:bwMode="auto" r:id="rId7">
               <p14:nvContentPartPr>
                 <p14:cNvPr id="10" name="Ink 9">
@@ -5816,7 +10715,7 @@
               </p14:xfrm>
             </p:contentPart>
           </mc:Choice>
-          <mc:Fallback>
+          <mc:Fallback xmlns="">
             <p:pic>
               <p:nvPicPr>
                 <p:cNvPr id="10" name="Ink 9">
@@ -5887,8 +10786,8 @@
           </a:p>
         </p:txBody>
       </p:sp>
-      <mc:AlternateContent xmlns:mc="http://schemas.openxmlformats.org/markup-compatibility/2006">
-        <mc:Choice xmlns:p14="http://schemas.microsoft.com/office/powerpoint/2010/main" Requires="p14">
+      <mc:AlternateContent xmlns:mc="http://schemas.openxmlformats.org/markup-compatibility/2006" xmlns:p14="http://schemas.microsoft.com/office/powerpoint/2010/main">
+        <mc:Choice Requires="p14">
           <p:contentPart p14:bwMode="auto" r:id="rId9">
             <p14:nvContentPartPr>
               <p14:cNvPr id="19" name="Ink 18">
@@ -5907,7 +10806,7 @@
             </p14:xfrm>
           </p:contentPart>
         </mc:Choice>
-        <mc:Fallback>
+        <mc:Fallback xmlns="">
           <p:pic>
             <p:nvPicPr>
               <p:cNvPr id="19" name="Ink 18">
@@ -5958,8 +10857,8 @@
             <a:chExt cx="2745000" cy="792000"/>
           </a:xfrm>
         </p:grpSpPr>
-        <mc:AlternateContent xmlns:mc="http://schemas.openxmlformats.org/markup-compatibility/2006">
-          <mc:Choice xmlns:p14="http://schemas.microsoft.com/office/powerpoint/2010/main" Requires="p14">
+        <mc:AlternateContent xmlns:mc="http://schemas.openxmlformats.org/markup-compatibility/2006" xmlns:p14="http://schemas.microsoft.com/office/powerpoint/2010/main">
+          <mc:Choice Requires="p14">
             <p:contentPart p14:bwMode="auto" r:id="rId11">
               <p14:nvContentPartPr>
                 <p14:cNvPr id="20" name="Ink 19">
@@ -5978,7 +10877,7 @@
               </p14:xfrm>
             </p:contentPart>
           </mc:Choice>
-          <mc:Fallback>
+          <mc:Fallback xmlns="">
             <p:pic>
               <p:nvPicPr>
                 <p:cNvPr id="20" name="Ink 19">
@@ -6009,8 +10908,8 @@
             </p:pic>
           </mc:Fallback>
         </mc:AlternateContent>
-        <mc:AlternateContent xmlns:mc="http://schemas.openxmlformats.org/markup-compatibility/2006">
-          <mc:Choice xmlns:p14="http://schemas.microsoft.com/office/powerpoint/2010/main" Requires="p14">
+        <mc:AlternateContent xmlns:mc="http://schemas.openxmlformats.org/markup-compatibility/2006" xmlns:p14="http://schemas.microsoft.com/office/powerpoint/2010/main">
+          <mc:Choice Requires="p14">
             <p:contentPart p14:bwMode="auto" r:id="rId13">
               <p14:nvContentPartPr>
                 <p14:cNvPr id="21" name="Ink 20">
@@ -6029,7 +10928,7 @@
               </p14:xfrm>
             </p:contentPart>
           </mc:Choice>
-          <mc:Fallback>
+          <mc:Fallback xmlns="">
             <p:pic>
               <p:nvPicPr>
                 <p:cNvPr id="21" name="Ink 20">
@@ -6124,7 +11023,7 @@
 </p:sld>
 </file>
 
-<file path=ppt/slides/slide7.xml><?xml version="1.0" encoding="utf-8"?>
+<file path=ppt/slides/slide8.xml><?xml version="1.0" encoding="utf-8"?>
 <p:sld xmlns:a="http://schemas.openxmlformats.org/drawingml/2006/main" xmlns:r="http://schemas.openxmlformats.org/officeDocument/2006/relationships" xmlns:p="http://schemas.openxmlformats.org/presentationml/2006/main">
   <p:cSld>
     <p:spTree>
@@ -6250,119 +11149,6 @@
     <p:extLst>
       <p:ext uri="{BB962C8B-B14F-4D97-AF65-F5344CB8AC3E}">
         <p14:creationId xmlns:p14="http://schemas.microsoft.com/office/powerpoint/2010/main" val="758716983"/>
-      </p:ext>
-    </p:extLst>
-  </p:cSld>
-  <p:clrMapOvr>
-    <a:masterClrMapping/>
-  </p:clrMapOvr>
-</p:sld>
-</file>
-
-<file path=ppt/slides/slide8.xml><?xml version="1.0" encoding="utf-8"?>
-<p:sld xmlns:a="http://schemas.openxmlformats.org/drawingml/2006/main" xmlns:r="http://schemas.openxmlformats.org/officeDocument/2006/relationships" xmlns:p="http://schemas.openxmlformats.org/presentationml/2006/main">
-  <p:cSld>
-    <p:spTree>
-      <p:nvGrpSpPr>
-        <p:cNvPr id="1" name=""/>
-        <p:cNvGrpSpPr/>
-        <p:nvPr/>
-      </p:nvGrpSpPr>
-      <p:grpSpPr>
-        <a:xfrm>
-          <a:off x="0" y="0"/>
-          <a:ext cx="0" cy="0"/>
-          <a:chOff x="0" y="0"/>
-          <a:chExt cx="0" cy="0"/>
-        </a:xfrm>
-      </p:grpSpPr>
-      <p:sp>
-        <p:nvSpPr>
-          <p:cNvPr id="2" name="Title 1">
-            <a:extLst>
-              <a:ext uri="{FF2B5EF4-FFF2-40B4-BE49-F238E27FC236}">
-                <a16:creationId xmlns:a16="http://schemas.microsoft.com/office/drawing/2014/main" id="{532FF65B-81CC-C88B-706D-92DB66184124}"/>
-              </a:ext>
-            </a:extLst>
-          </p:cNvPr>
-          <p:cNvSpPr>
-            <a:spLocks noGrp="1"/>
-          </p:cNvSpPr>
-          <p:nvPr>
-            <p:ph type="title"/>
-          </p:nvPr>
-        </p:nvSpPr>
-        <p:spPr/>
-        <p:txBody>
-          <a:bodyPr/>
-          <a:lstStyle/>
-          <a:p>
-            <a:r>
-              <a:rPr lang="en-GB" dirty="0"/>
-              <a:t>Pushing a null pointer </a:t>
-            </a:r>
-          </a:p>
-        </p:txBody>
-      </p:sp>
-      <p:sp>
-        <p:nvSpPr>
-          <p:cNvPr id="3" name="Content Placeholder 2">
-            <a:extLst>
-              <a:ext uri="{FF2B5EF4-FFF2-40B4-BE49-F238E27FC236}">
-                <a16:creationId xmlns:a16="http://schemas.microsoft.com/office/drawing/2014/main" id="{04961619-F3F9-BDB3-D932-C382EEE08486}"/>
-              </a:ext>
-            </a:extLst>
-          </p:cNvPr>
-          <p:cNvSpPr>
-            <a:spLocks noGrp="1"/>
-          </p:cNvSpPr>
-          <p:nvPr>
-            <p:ph idx="1"/>
-          </p:nvPr>
-        </p:nvSpPr>
-        <p:spPr/>
-        <p:txBody>
-          <a:bodyPr/>
-          <a:lstStyle/>
-          <a:p>
-            <a:endParaRPr lang="en-GB"/>
-          </a:p>
-        </p:txBody>
-      </p:sp>
-      <p:pic>
-        <p:nvPicPr>
-          <p:cNvPr id="5" name="Picture 4">
-            <a:extLst>
-              <a:ext uri="{FF2B5EF4-FFF2-40B4-BE49-F238E27FC236}">
-                <a16:creationId xmlns:a16="http://schemas.microsoft.com/office/drawing/2014/main" id="{BA92FA85-DD03-F668-DA4A-73A6ADAFB0C5}"/>
-              </a:ext>
-            </a:extLst>
-          </p:cNvPr>
-          <p:cNvPicPr>
-            <a:picLocks noChangeAspect="1"/>
-          </p:cNvPicPr>
-          <p:nvPr/>
-        </p:nvPicPr>
-        <p:blipFill>
-          <a:blip r:embed="rId2"/>
-          <a:stretch>
-            <a:fillRect/>
-          </a:stretch>
-        </p:blipFill>
-        <p:spPr>
-          <a:xfrm>
-            <a:off x="1551318" y="2286569"/>
-            <a:ext cx="8831064" cy="2284862"/>
-          </a:xfrm>
-          <a:prstGeom prst="rect">
-            <a:avLst/>
-          </a:prstGeom>
-        </p:spPr>
-      </p:pic>
-    </p:spTree>
-    <p:extLst>
-      <p:ext uri="{BB962C8B-B14F-4D97-AF65-F5344CB8AC3E}">
-        <p14:creationId xmlns:p14="http://schemas.microsoft.com/office/powerpoint/2010/main" val="2388704337"/>
       </p:ext>
     </p:extLst>
   </p:cSld>
@@ -6394,7 +11180,7 @@
           <p:cNvPr id="2" name="Title 1">
             <a:extLst>
               <a:ext uri="{FF2B5EF4-FFF2-40B4-BE49-F238E27FC236}">
-                <a16:creationId xmlns:a16="http://schemas.microsoft.com/office/drawing/2014/main" id="{3484FDFB-CC08-8D14-1B97-496797DC1D98}"/>
+                <a16:creationId xmlns:a16="http://schemas.microsoft.com/office/drawing/2014/main" id="{532FF65B-81CC-C88B-706D-92DB66184124}"/>
               </a:ext>
             </a:extLst>
           </p:cNvPr>
@@ -6412,7 +11198,7 @@
           <a:p>
             <a:r>
               <a:rPr lang="en-GB" dirty="0"/>
-              <a:t>Pushing addresses of arguments</a:t>
+              <a:t>Pushing a null pointer </a:t>
             </a:r>
           </a:p>
         </p:txBody>
@@ -6422,7 +11208,7 @@
           <p:cNvPr id="3" name="Content Placeholder 2">
             <a:extLst>
               <a:ext uri="{FF2B5EF4-FFF2-40B4-BE49-F238E27FC236}">
-                <a16:creationId xmlns:a16="http://schemas.microsoft.com/office/drawing/2014/main" id="{EA412EF6-4BA5-412D-330F-DF1D57D7B1D5}"/>
+                <a16:creationId xmlns:a16="http://schemas.microsoft.com/office/drawing/2014/main" id="{04961619-F3F9-BDB3-D932-C382EEE08486}"/>
               </a:ext>
             </a:extLst>
           </p:cNvPr>
@@ -6433,31 +11219,12 @@
             <p:ph idx="1"/>
           </p:nvPr>
         </p:nvSpPr>
-        <p:spPr>
-          <a:xfrm>
-            <a:off x="838199" y="1825625"/>
-            <a:ext cx="10772955" cy="4351338"/>
-          </a:xfrm>
-        </p:spPr>
-        <p:txBody>
-          <a:bodyPr/>
-          <a:lstStyle/>
-          <a:p>
-            <a:pPr marL="0" indent="0">
-              <a:buNone/>
-            </a:pPr>
-            <a:r>
-              <a:rPr lang="en-GB" dirty="0"/>
-              <a:t>Pushing the addresses of the arguments added that are stored in </a:t>
-            </a:r>
-            <a:r>
-              <a:rPr lang="en-GB" dirty="0" err="1"/>
-              <a:t>arg_ptr</a:t>
-            </a:r>
-            <a:r>
-              <a:rPr lang="en-GB" dirty="0"/>
-              <a:t> </a:t>
-            </a:r>
+        <p:spPr/>
+        <p:txBody>
+          <a:bodyPr/>
+          <a:lstStyle/>
+          <a:p>
+            <a:endParaRPr lang="en-GB"/>
           </a:p>
         </p:txBody>
       </p:sp>
@@ -6466,7 +11233,7 @@
           <p:cNvPr id="5" name="Picture 4">
             <a:extLst>
               <a:ext uri="{FF2B5EF4-FFF2-40B4-BE49-F238E27FC236}">
-                <a16:creationId xmlns:a16="http://schemas.microsoft.com/office/drawing/2014/main" id="{18F5937C-DF6F-5191-26AA-1FFB01C9908B}"/>
+                <a16:creationId xmlns:a16="http://schemas.microsoft.com/office/drawing/2014/main" id="{BA92FA85-DD03-F668-DA4A-73A6ADAFB0C5}"/>
               </a:ext>
             </a:extLst>
           </p:cNvPr>
@@ -6483,490 +11250,18 @@
         </p:blipFill>
         <p:spPr>
           <a:xfrm>
-            <a:off x="838199" y="2276803"/>
-            <a:ext cx="9797879" cy="3247218"/>
+            <a:off x="1551318" y="2286569"/>
+            <a:ext cx="8831064" cy="2284862"/>
           </a:xfrm>
           <a:prstGeom prst="rect">
             <a:avLst/>
           </a:prstGeom>
         </p:spPr>
       </p:pic>
-      <p:pic>
-        <p:nvPicPr>
-          <p:cNvPr id="7" name="Picture 6">
-            <a:extLst>
-              <a:ext uri="{FF2B5EF4-FFF2-40B4-BE49-F238E27FC236}">
-                <a16:creationId xmlns:a16="http://schemas.microsoft.com/office/drawing/2014/main" id="{80BF8C23-61E2-6724-343B-DEAACE467E86}"/>
-              </a:ext>
-            </a:extLst>
-          </p:cNvPr>
-          <p:cNvPicPr>
-            <a:picLocks noChangeAspect="1"/>
-          </p:cNvPicPr>
-          <p:nvPr/>
-        </p:nvPicPr>
-        <p:blipFill>
-          <a:blip r:embed="rId3"/>
-          <a:stretch>
-            <a:fillRect/>
-          </a:stretch>
-        </p:blipFill>
-        <p:spPr>
-          <a:xfrm>
-            <a:off x="1906692" y="5959683"/>
-            <a:ext cx="5336931" cy="434559"/>
-          </a:xfrm>
-          <a:prstGeom prst="rect">
-            <a:avLst/>
-          </a:prstGeom>
-        </p:spPr>
-      </p:pic>
-      <p:grpSp>
-        <p:nvGrpSpPr>
-          <p:cNvPr id="11" name="Group 10">
-            <a:extLst>
-              <a:ext uri="{FF2B5EF4-FFF2-40B4-BE49-F238E27FC236}">
-                <a16:creationId xmlns:a16="http://schemas.microsoft.com/office/drawing/2014/main" id="{151509AA-DCFC-08FD-2894-F63824A4103C}"/>
-              </a:ext>
-            </a:extLst>
-          </p:cNvPr>
-          <p:cNvGrpSpPr/>
-          <p:nvPr/>
-        </p:nvGrpSpPr>
-        <p:grpSpPr>
-          <a:xfrm>
-            <a:off x="3617095" y="4341480"/>
-            <a:ext cx="3147840" cy="1669320"/>
-            <a:chOff x="3617095" y="4341480"/>
-            <a:chExt cx="3147840" cy="1669320"/>
-          </a:xfrm>
-        </p:grpSpPr>
-        <mc:AlternateContent xmlns:mc="http://schemas.openxmlformats.org/markup-compatibility/2006">
-          <mc:Choice xmlns:p14="http://schemas.microsoft.com/office/powerpoint/2010/main" Requires="p14">
-            <p:contentPart p14:bwMode="auto" r:id="rId4">
-              <p14:nvContentPartPr>
-                <p14:cNvPr id="8" name="Ink 7">
-                  <a:extLst>
-                    <a:ext uri="{FF2B5EF4-FFF2-40B4-BE49-F238E27FC236}">
-                      <a16:creationId xmlns:a16="http://schemas.microsoft.com/office/drawing/2014/main" id="{8CDA9447-B4FE-5C18-CE92-762D256FEE6E}"/>
-                    </a:ext>
-                  </a:extLst>
-                </p14:cNvPr>
-                <p14:cNvContentPartPr/>
-                <p14:nvPr/>
-              </p14:nvContentPartPr>
-              <p14:xfrm>
-                <a:off x="3992215" y="4341480"/>
-                <a:ext cx="2772720" cy="742680"/>
-              </p14:xfrm>
-            </p:contentPart>
-          </mc:Choice>
-          <mc:Fallback>
-            <p:pic>
-              <p:nvPicPr>
-                <p:cNvPr id="8" name="Ink 7">
-                  <a:extLst>
-                    <a:ext uri="{FF2B5EF4-FFF2-40B4-BE49-F238E27FC236}">
-                      <a16:creationId xmlns:a16="http://schemas.microsoft.com/office/drawing/2014/main" id="{8CDA9447-B4FE-5C18-CE92-762D256FEE6E}"/>
-                    </a:ext>
-                  </a:extLst>
-                </p:cNvPr>
-                <p:cNvPicPr/>
-                <p:nvPr/>
-              </p:nvPicPr>
-              <p:blipFill>
-                <a:blip r:embed="rId5"/>
-                <a:stretch>
-                  <a:fillRect/>
-                </a:stretch>
-              </p:blipFill>
-              <p:spPr>
-                <a:xfrm>
-                  <a:off x="3983215" y="4332480"/>
-                  <a:ext cx="2790360" cy="760320"/>
-                </a:xfrm>
-                <a:prstGeom prst="rect">
-                  <a:avLst/>
-                </a:prstGeom>
-              </p:spPr>
-            </p:pic>
-          </mc:Fallback>
-        </mc:AlternateContent>
-        <mc:AlternateContent xmlns:mc="http://schemas.openxmlformats.org/markup-compatibility/2006">
-          <mc:Choice xmlns:p14="http://schemas.microsoft.com/office/powerpoint/2010/main" Requires="p14">
-            <p:contentPart p14:bwMode="auto" r:id="rId6">
-              <p14:nvContentPartPr>
-                <p14:cNvPr id="9" name="Ink 8">
-                  <a:extLst>
-                    <a:ext uri="{FF2B5EF4-FFF2-40B4-BE49-F238E27FC236}">
-                      <a16:creationId xmlns:a16="http://schemas.microsoft.com/office/drawing/2014/main" id="{FBDA83A5-8460-B6A5-5825-C494A63CD7D3}"/>
-                    </a:ext>
-                  </a:extLst>
-                </p14:cNvPr>
-                <p14:cNvContentPartPr/>
-                <p14:nvPr/>
-              </p14:nvContentPartPr>
-              <p14:xfrm>
-                <a:off x="3711055" y="5026560"/>
-                <a:ext cx="1431360" cy="888840"/>
-              </p14:xfrm>
-            </p:contentPart>
-          </mc:Choice>
-          <mc:Fallback>
-            <p:pic>
-              <p:nvPicPr>
-                <p:cNvPr id="9" name="Ink 8">
-                  <a:extLst>
-                    <a:ext uri="{FF2B5EF4-FFF2-40B4-BE49-F238E27FC236}">
-                      <a16:creationId xmlns:a16="http://schemas.microsoft.com/office/drawing/2014/main" id="{FBDA83A5-8460-B6A5-5825-C494A63CD7D3}"/>
-                    </a:ext>
-                  </a:extLst>
-                </p:cNvPr>
-                <p:cNvPicPr/>
-                <p:nvPr/>
-              </p:nvPicPr>
-              <p:blipFill>
-                <a:blip r:embed="rId7"/>
-                <a:stretch>
-                  <a:fillRect/>
-                </a:stretch>
-              </p:blipFill>
-              <p:spPr>
-                <a:xfrm>
-                  <a:off x="3702415" y="5017560"/>
-                  <a:ext cx="1449000" cy="906480"/>
-                </a:xfrm>
-                <a:prstGeom prst="rect">
-                  <a:avLst/>
-                </a:prstGeom>
-              </p:spPr>
-            </p:pic>
-          </mc:Fallback>
-        </mc:AlternateContent>
-        <mc:AlternateContent xmlns:mc="http://schemas.openxmlformats.org/markup-compatibility/2006">
-          <mc:Choice xmlns:p14="http://schemas.microsoft.com/office/powerpoint/2010/main" Requires="p14">
-            <p:contentPart p14:bwMode="auto" r:id="rId8">
-              <p14:nvContentPartPr>
-                <p14:cNvPr id="10" name="Ink 9">
-                  <a:extLst>
-                    <a:ext uri="{FF2B5EF4-FFF2-40B4-BE49-F238E27FC236}">
-                      <a16:creationId xmlns:a16="http://schemas.microsoft.com/office/drawing/2014/main" id="{51FC59D5-FD78-20D9-9CAE-6819DB6307E2}"/>
-                    </a:ext>
-                  </a:extLst>
-                </p14:cNvPr>
-                <p14:cNvContentPartPr/>
-                <p14:nvPr/>
-              </p14:nvContentPartPr>
-              <p14:xfrm>
-                <a:off x="3617095" y="5789400"/>
-                <a:ext cx="311400" cy="221400"/>
-              </p14:xfrm>
-            </p:contentPart>
-          </mc:Choice>
-          <mc:Fallback>
-            <p:pic>
-              <p:nvPicPr>
-                <p:cNvPr id="10" name="Ink 9">
-                  <a:extLst>
-                    <a:ext uri="{FF2B5EF4-FFF2-40B4-BE49-F238E27FC236}">
-                      <a16:creationId xmlns:a16="http://schemas.microsoft.com/office/drawing/2014/main" id="{51FC59D5-FD78-20D9-9CAE-6819DB6307E2}"/>
-                    </a:ext>
-                  </a:extLst>
-                </p:cNvPr>
-                <p:cNvPicPr/>
-                <p:nvPr/>
-              </p:nvPicPr>
-              <p:blipFill>
-                <a:blip r:embed="rId9"/>
-                <a:stretch>
-                  <a:fillRect/>
-                </a:stretch>
-              </p:blipFill>
-              <p:spPr>
-                <a:xfrm>
-                  <a:off x="3608455" y="5780760"/>
-                  <a:ext cx="329040" cy="239040"/>
-                </a:xfrm>
-                <a:prstGeom prst="rect">
-                  <a:avLst/>
-                </a:prstGeom>
-              </p:spPr>
-            </p:pic>
-          </mc:Fallback>
-        </mc:AlternateContent>
-      </p:grpSp>
-      <p:sp>
-        <p:nvSpPr>
-          <p:cNvPr id="12" name="TextBox 11">
-            <a:extLst>
-              <a:ext uri="{FF2B5EF4-FFF2-40B4-BE49-F238E27FC236}">
-                <a16:creationId xmlns:a16="http://schemas.microsoft.com/office/drawing/2014/main" id="{3A738CD1-7249-1B33-FAE0-69A763624CED}"/>
-              </a:ext>
-            </a:extLst>
-          </p:cNvPr>
-          <p:cNvSpPr txBox="1"/>
-          <p:nvPr/>
-        </p:nvSpPr>
-        <p:spPr>
-          <a:xfrm>
-            <a:off x="4197673" y="5187854"/>
-            <a:ext cx="661182" cy="369332"/>
-          </a:xfrm>
-          <a:prstGeom prst="rect">
-            <a:avLst/>
-          </a:prstGeom>
-          <a:noFill/>
-        </p:spPr>
-        <p:txBody>
-          <a:bodyPr wrap="square" rtlCol="0">
-            <a:spAutoFit/>
-          </a:bodyPr>
-          <a:lstStyle/>
-          <a:p>
-            <a:r>
-              <a:rPr lang="en-GB" dirty="0">
-                <a:solidFill>
-                  <a:srgbClr val="FF0000"/>
-                </a:solidFill>
-              </a:rPr>
-              <a:t>from</a:t>
-            </a:r>
-          </a:p>
-        </p:txBody>
-      </p:sp>
-      <p:grpSp>
-        <p:nvGrpSpPr>
-          <p:cNvPr id="16" name="Group 15">
-            <a:extLst>
-              <a:ext uri="{FF2B5EF4-FFF2-40B4-BE49-F238E27FC236}">
-                <a16:creationId xmlns:a16="http://schemas.microsoft.com/office/drawing/2014/main" id="{1BE8B10F-157B-D983-73B4-394DC8123068}"/>
-              </a:ext>
-            </a:extLst>
-          </p:cNvPr>
-          <p:cNvGrpSpPr/>
-          <p:nvPr/>
-        </p:nvGrpSpPr>
-        <p:grpSpPr>
-          <a:xfrm>
-            <a:off x="1787575" y="2693040"/>
-            <a:ext cx="2756520" cy="1105200"/>
-            <a:chOff x="1787575" y="2693040"/>
-            <a:chExt cx="2756520" cy="1105200"/>
-          </a:xfrm>
-        </p:grpSpPr>
-        <mc:AlternateContent xmlns:mc="http://schemas.openxmlformats.org/markup-compatibility/2006">
-          <mc:Choice xmlns:p14="http://schemas.microsoft.com/office/powerpoint/2010/main" Requires="p14">
-            <p:contentPart p14:bwMode="auto" r:id="rId10">
-              <p14:nvContentPartPr>
-                <p14:cNvPr id="13" name="Ink 12">
-                  <a:extLst>
-                    <a:ext uri="{FF2B5EF4-FFF2-40B4-BE49-F238E27FC236}">
-                      <a16:creationId xmlns:a16="http://schemas.microsoft.com/office/drawing/2014/main" id="{FB85B3D3-DC60-CD4F-9C9E-5042C3C84B20}"/>
-                    </a:ext>
-                  </a:extLst>
-                </p14:cNvPr>
-                <p14:cNvContentPartPr/>
-                <p14:nvPr/>
-              </p14:nvContentPartPr>
-              <p14:xfrm>
-                <a:off x="1787575" y="2693040"/>
-                <a:ext cx="2756520" cy="743040"/>
-              </p14:xfrm>
-            </p:contentPart>
-          </mc:Choice>
-          <mc:Fallback>
-            <p:pic>
-              <p:nvPicPr>
-                <p:cNvPr id="13" name="Ink 12">
-                  <a:extLst>
-                    <a:ext uri="{FF2B5EF4-FFF2-40B4-BE49-F238E27FC236}">
-                      <a16:creationId xmlns:a16="http://schemas.microsoft.com/office/drawing/2014/main" id="{FB85B3D3-DC60-CD4F-9C9E-5042C3C84B20}"/>
-                    </a:ext>
-                  </a:extLst>
-                </p:cNvPr>
-                <p:cNvPicPr/>
-                <p:nvPr/>
-              </p:nvPicPr>
-              <p:blipFill>
-                <a:blip r:embed="rId11"/>
-                <a:stretch>
-                  <a:fillRect/>
-                </a:stretch>
-              </p:blipFill>
-              <p:spPr>
-                <a:xfrm>
-                  <a:off x="1778935" y="2684400"/>
-                  <a:ext cx="2774160" cy="760680"/>
-                </a:xfrm>
-                <a:prstGeom prst="rect">
-                  <a:avLst/>
-                </a:prstGeom>
-              </p:spPr>
-            </p:pic>
-          </mc:Fallback>
-        </mc:AlternateContent>
-        <mc:AlternateContent xmlns:mc="http://schemas.openxmlformats.org/markup-compatibility/2006">
-          <mc:Choice xmlns:p14="http://schemas.microsoft.com/office/powerpoint/2010/main" Requires="p14">
-            <p:contentPart p14:bwMode="auto" r:id="rId12">
-              <p14:nvContentPartPr>
-                <p14:cNvPr id="14" name="Ink 13">
-                  <a:extLst>
-                    <a:ext uri="{FF2B5EF4-FFF2-40B4-BE49-F238E27FC236}">
-                      <a16:creationId xmlns:a16="http://schemas.microsoft.com/office/drawing/2014/main" id="{F8DF49BB-22AA-CAE5-78C5-6A5A0219D532}"/>
-                    </a:ext>
-                  </a:extLst>
-                </p14:cNvPr>
-                <p14:cNvContentPartPr/>
-                <p14:nvPr/>
-              </p14:nvContentPartPr>
-              <p14:xfrm>
-                <a:off x="2443855" y="3395760"/>
-                <a:ext cx="281160" cy="316800"/>
-              </p14:xfrm>
-            </p:contentPart>
-          </mc:Choice>
-          <mc:Fallback>
-            <p:pic>
-              <p:nvPicPr>
-                <p:cNvPr id="14" name="Ink 13">
-                  <a:extLst>
-                    <a:ext uri="{FF2B5EF4-FFF2-40B4-BE49-F238E27FC236}">
-                      <a16:creationId xmlns:a16="http://schemas.microsoft.com/office/drawing/2014/main" id="{F8DF49BB-22AA-CAE5-78C5-6A5A0219D532}"/>
-                    </a:ext>
-                  </a:extLst>
-                </p:cNvPr>
-                <p:cNvPicPr/>
-                <p:nvPr/>
-              </p:nvPicPr>
-              <p:blipFill>
-                <a:blip r:embed="rId13"/>
-                <a:stretch>
-                  <a:fillRect/>
-                </a:stretch>
-              </p:blipFill>
-              <p:spPr>
-                <a:xfrm>
-                  <a:off x="2435215" y="3387120"/>
-                  <a:ext cx="298800" cy="334440"/>
-                </a:xfrm>
-                <a:prstGeom prst="rect">
-                  <a:avLst/>
-                </a:prstGeom>
-              </p:spPr>
-            </p:pic>
-          </mc:Fallback>
-        </mc:AlternateContent>
-        <mc:AlternateContent xmlns:mc="http://schemas.openxmlformats.org/markup-compatibility/2006">
-          <mc:Choice xmlns:p14="http://schemas.microsoft.com/office/powerpoint/2010/main" Requires="p14">
-            <p:contentPart p14:bwMode="auto" r:id="rId14">
-              <p14:nvContentPartPr>
-                <p14:cNvPr id="15" name="Ink 14">
-                  <a:extLst>
-                    <a:ext uri="{FF2B5EF4-FFF2-40B4-BE49-F238E27FC236}">
-                      <a16:creationId xmlns:a16="http://schemas.microsoft.com/office/drawing/2014/main" id="{77E4B466-BED5-3312-E346-39162BD4FF25}"/>
-                    </a:ext>
-                  </a:extLst>
-                </p14:cNvPr>
-                <p14:cNvContentPartPr/>
-                <p14:nvPr/>
-              </p14:nvContentPartPr>
-              <p14:xfrm>
-                <a:off x="2780455" y="3599880"/>
-                <a:ext cx="149760" cy="198360"/>
-              </p14:xfrm>
-            </p:contentPart>
-          </mc:Choice>
-          <mc:Fallback>
-            <p:pic>
-              <p:nvPicPr>
-                <p:cNvPr id="15" name="Ink 14">
-                  <a:extLst>
-                    <a:ext uri="{FF2B5EF4-FFF2-40B4-BE49-F238E27FC236}">
-                      <a16:creationId xmlns:a16="http://schemas.microsoft.com/office/drawing/2014/main" id="{77E4B466-BED5-3312-E346-39162BD4FF25}"/>
-                    </a:ext>
-                  </a:extLst>
-                </p:cNvPr>
-                <p:cNvPicPr/>
-                <p:nvPr/>
-              </p:nvPicPr>
-              <p:blipFill>
-                <a:blip r:embed="rId15"/>
-                <a:stretch>
-                  <a:fillRect/>
-                </a:stretch>
-              </p:blipFill>
-              <p:spPr>
-                <a:xfrm>
-                  <a:off x="2771815" y="3590880"/>
-                  <a:ext cx="167400" cy="216000"/>
-                </a:xfrm>
-                <a:prstGeom prst="rect">
-                  <a:avLst/>
-                </a:prstGeom>
-              </p:spPr>
-            </p:pic>
-          </mc:Fallback>
-        </mc:AlternateContent>
-      </p:grpSp>
-      <p:sp>
-        <p:nvSpPr>
-          <p:cNvPr id="17" name="TextBox 16">
-            <a:extLst>
-              <a:ext uri="{FF2B5EF4-FFF2-40B4-BE49-F238E27FC236}">
-                <a16:creationId xmlns:a16="http://schemas.microsoft.com/office/drawing/2014/main" id="{57EAC853-1109-1A62-ED54-FCC3B6EBD8A1}"/>
-              </a:ext>
-            </a:extLst>
-          </p:cNvPr>
-          <p:cNvSpPr txBox="1"/>
-          <p:nvPr/>
-        </p:nvSpPr>
-        <p:spPr>
-          <a:xfrm>
-            <a:off x="2930215" y="3554160"/>
-            <a:ext cx="7146942" cy="369332"/>
-          </a:xfrm>
-          <a:prstGeom prst="rect">
-            <a:avLst/>
-          </a:prstGeom>
-          <a:noFill/>
-        </p:spPr>
-        <p:txBody>
-          <a:bodyPr wrap="square" rtlCol="0">
-            <a:spAutoFit/>
-          </a:bodyPr>
-          <a:lstStyle/>
-          <a:p>
-            <a:r>
-              <a:rPr lang="en-GB" dirty="0">
-                <a:solidFill>
-                  <a:srgbClr val="FF0000"/>
-                </a:solidFill>
-              </a:rPr>
-              <a:t>Starting at </a:t>
-            </a:r>
-            <a:r>
-              <a:rPr lang="en-GB" dirty="0" err="1">
-                <a:solidFill>
-                  <a:srgbClr val="FF0000"/>
-                </a:solidFill>
-              </a:rPr>
-              <a:t>argc</a:t>
-            </a:r>
-            <a:r>
-              <a:rPr lang="en-GB" dirty="0">
-                <a:solidFill>
-                  <a:srgbClr val="FF0000"/>
-                </a:solidFill>
-              </a:rPr>
-              <a:t> – 1 because wanting to put arguments on in reverse order  </a:t>
-            </a:r>
-          </a:p>
-        </p:txBody>
-      </p:sp>
     </p:spTree>
     <p:extLst>
       <p:ext uri="{BB962C8B-B14F-4D97-AF65-F5344CB8AC3E}">
-        <p14:creationId xmlns:p14="http://schemas.microsoft.com/office/powerpoint/2010/main" val="3198362870"/>
+        <p14:creationId xmlns:p14="http://schemas.microsoft.com/office/powerpoint/2010/main" val="2388704337"/>
       </p:ext>
     </p:extLst>
   </p:cSld>
@@ -7269,4 +11564,265 @@
     </a:ext>
   </a:extLst>
 </a:theme>
+</file>
+
+<file path=ppt/theme/theme2.xml><?xml version="1.0" encoding="utf-8"?>
+<a:theme xmlns:a="http://schemas.openxmlformats.org/drawingml/2006/main" name="1_office theme">
+  <a:themeElements>
+    <a:clrScheme name="Office Theme">
+      <a:dk1>
+        <a:sysClr val="windowText" lastClr="000000"/>
+      </a:dk1>
+      <a:lt1>
+        <a:sysClr val="window" lastClr="FFFFFF"/>
+      </a:lt1>
+      <a:dk2>
+        <a:srgbClr val="44546A"/>
+      </a:dk2>
+      <a:lt2>
+        <a:srgbClr val="E7E6E6"/>
+      </a:lt2>
+      <a:accent1>
+        <a:srgbClr val="4472C4"/>
+      </a:accent1>
+      <a:accent2>
+        <a:srgbClr val="ED7D31"/>
+      </a:accent2>
+      <a:accent3>
+        <a:srgbClr val="A5A5A5"/>
+      </a:accent3>
+      <a:accent4>
+        <a:srgbClr val="FFC000"/>
+      </a:accent4>
+      <a:accent5>
+        <a:srgbClr val="5B9BD5"/>
+      </a:accent5>
+      <a:accent6>
+        <a:srgbClr val="70AD47"/>
+      </a:accent6>
+      <a:hlink>
+        <a:srgbClr val="0563C1"/>
+      </a:hlink>
+      <a:folHlink>
+        <a:srgbClr val="954F72"/>
+      </a:folHlink>
+    </a:clrScheme>
+    <a:fontScheme name="Office Theme">
+      <a:majorFont>
+        <a:latin typeface="Calibri Light" panose="020F0302020204030204"/>
+        <a:ea typeface=""/>
+        <a:cs typeface=""/>
+        <a:font script="Jpan" typeface="ＭＳ Ｐゴシック"/>
+        <a:font script="Hang" typeface="맑은 고딕"/>
+        <a:font script="Hans" typeface="宋体"/>
+        <a:font script="Hant" typeface="新細明體"/>
+        <a:font script="Arab" typeface="Times New Roman"/>
+        <a:font script="Hebr" typeface="Times New Roman"/>
+        <a:font script="Thai" typeface="Angsana New"/>
+        <a:font script="Ethi" typeface="Nyala"/>
+        <a:font script="Beng" typeface="Vrinda"/>
+        <a:font script="Gujr" typeface="Shruti"/>
+        <a:font script="Khmr" typeface="MoolBoran"/>
+        <a:font script="Knda" typeface="Tunga"/>
+        <a:font script="Guru" typeface="Raavi"/>
+        <a:font script="Cans" typeface="Euphemia"/>
+        <a:font script="Cher" typeface="Plantagenet Cherokee"/>
+        <a:font script="Yiii" typeface="Microsoft Yi Baiti"/>
+        <a:font script="Tibt" typeface="Microsoft Himalaya"/>
+        <a:font script="Thaa" typeface="MV Boli"/>
+        <a:font script="Deva" typeface="Mangal"/>
+        <a:font script="Telu" typeface="Gautami"/>
+        <a:font script="Taml" typeface="Latha"/>
+        <a:font script="Syrc" typeface="Estrangelo Edessa"/>
+        <a:font script="Orya" typeface="Kalinga"/>
+        <a:font script="Mlym" typeface="Kartika"/>
+        <a:font script="Laoo" typeface="DokChampa"/>
+        <a:font script="Sinh" typeface="Iskoola Pota"/>
+        <a:font script="Mong" typeface="Mongolian Baiti"/>
+        <a:font script="Viet" typeface="Times New Roman"/>
+        <a:font script="Uigh" typeface="Microsoft Uighur"/>
+        <a:font script="Geor" typeface="Sylfaen"/>
+      </a:majorFont>
+      <a:minorFont>
+        <a:latin typeface="Calibri" panose="020F0502020204030204"/>
+        <a:ea typeface=""/>
+        <a:cs typeface=""/>
+        <a:font script="Jpan" typeface="ＭＳ Ｐゴシック"/>
+        <a:font script="Hang" typeface="맑은 고딕"/>
+        <a:font script="Hans" typeface="宋体"/>
+        <a:font script="Hant" typeface="新細明體"/>
+        <a:font script="Arab" typeface="Arial"/>
+        <a:font script="Hebr" typeface="Arial"/>
+        <a:font script="Thai" typeface="Cordia New"/>
+        <a:font script="Ethi" typeface="Nyala"/>
+        <a:font script="Beng" typeface="Vrinda"/>
+        <a:font script="Gujr" typeface="Shruti"/>
+        <a:font script="Khmr" typeface="DaunPenh"/>
+        <a:font script="Knda" typeface="Tunga"/>
+        <a:font script="Guru" typeface="Raavi"/>
+        <a:font script="Cans" typeface="Euphemia"/>
+        <a:font script="Cher" typeface="Plantagenet Cherokee"/>
+        <a:font script="Yiii" typeface="Microsoft Yi Baiti"/>
+        <a:font script="Tibt" typeface="Microsoft Himalaya"/>
+        <a:font script="Thaa" typeface="MV Boli"/>
+        <a:font script="Deva" typeface="Mangal"/>
+        <a:font script="Telu" typeface="Gautami"/>
+        <a:font script="Taml" typeface="Latha"/>
+        <a:font script="Syrc" typeface="Estrangelo Edessa"/>
+        <a:font script="Orya" typeface="Kalinga"/>
+        <a:font script="Mlym" typeface="Kartika"/>
+        <a:font script="Laoo" typeface="DokChampa"/>
+        <a:font script="Sinh" typeface="Iskoola Pota"/>
+        <a:font script="Mong" typeface="Mongolian Baiti"/>
+        <a:font script="Viet" typeface="Arial"/>
+        <a:font script="Uigh" typeface="Microsoft Uighur"/>
+        <a:font script="Geor" typeface="Sylfaen"/>
+      </a:minorFont>
+    </a:fontScheme>
+    <a:fmtScheme name="Office Theme">
+      <a:fillStyleLst>
+        <a:solidFill>
+          <a:schemeClr val="phClr"/>
+        </a:solidFill>
+        <a:gradFill rotWithShape="1">
+          <a:gsLst>
+            <a:gs pos="0">
+              <a:schemeClr val="phClr">
+                <a:lumMod val="110000"/>
+                <a:satMod val="105000"/>
+                <a:tint val="67000"/>
+              </a:schemeClr>
+            </a:gs>
+            <a:gs pos="50000">
+              <a:schemeClr val="phClr">
+                <a:lumMod val="105000"/>
+                <a:satMod val="103000"/>
+                <a:tint val="73000"/>
+              </a:schemeClr>
+            </a:gs>
+            <a:gs pos="100000">
+              <a:schemeClr val="phClr">
+                <a:lumMod val="105000"/>
+                <a:satMod val="109000"/>
+                <a:tint val="81000"/>
+              </a:schemeClr>
+            </a:gs>
+          </a:gsLst>
+          <a:lin ang="5400000" scaled="0"/>
+        </a:gradFill>
+        <a:gradFill rotWithShape="1">
+          <a:gsLst>
+            <a:gs pos="0">
+              <a:schemeClr val="phClr">
+                <a:satMod val="103000"/>
+                <a:lumMod val="102000"/>
+                <a:tint val="94000"/>
+              </a:schemeClr>
+            </a:gs>
+            <a:gs pos="50000">
+              <a:schemeClr val="phClr">
+                <a:satMod val="110000"/>
+                <a:lumMod val="100000"/>
+                <a:shade val="100000"/>
+              </a:schemeClr>
+            </a:gs>
+            <a:gs pos="100000">
+              <a:schemeClr val="phClr">
+                <a:lumMod val="99000"/>
+                <a:satMod val="120000"/>
+                <a:shade val="78000"/>
+              </a:schemeClr>
+            </a:gs>
+          </a:gsLst>
+          <a:lin ang="5400000" scaled="0"/>
+        </a:gradFill>
+      </a:fillStyleLst>
+      <a:lnStyleLst>
+        <a:ln w="6350" cap="flat" cmpd="sng" algn="ctr">
+          <a:solidFill>
+            <a:schemeClr val="phClr"/>
+          </a:solidFill>
+          <a:prstDash val="solid"/>
+          <a:miter lim="800000"/>
+        </a:ln>
+        <a:ln w="12700" cap="flat" cmpd="sng" algn="ctr">
+          <a:solidFill>
+            <a:schemeClr val="phClr"/>
+          </a:solidFill>
+          <a:prstDash val="solid"/>
+          <a:miter lim="800000"/>
+        </a:ln>
+        <a:ln w="19050" cap="flat" cmpd="sng" algn="ctr">
+          <a:solidFill>
+            <a:schemeClr val="phClr"/>
+          </a:solidFill>
+          <a:prstDash val="solid"/>
+          <a:miter lim="800000"/>
+        </a:ln>
+      </a:lnStyleLst>
+      <a:effectStyleLst>
+        <a:effectStyle>
+          <a:effectLst/>
+        </a:effectStyle>
+        <a:effectStyle>
+          <a:effectLst/>
+        </a:effectStyle>
+        <a:effectStyle>
+          <a:effectLst>
+            <a:outerShdw blurRad="57150" dist="19050" dir="5400000" algn="ctr" rotWithShape="0">
+              <a:srgbClr val="000000">
+                <a:alpha val="63000"/>
+              </a:srgbClr>
+            </a:outerShdw>
+          </a:effectLst>
+        </a:effectStyle>
+      </a:effectStyleLst>
+      <a:bgFillStyleLst>
+        <a:solidFill>
+          <a:schemeClr val="phClr"/>
+        </a:solidFill>
+        <a:solidFill>
+          <a:schemeClr val="phClr">
+            <a:tint val="95000"/>
+            <a:satMod val="170000"/>
+          </a:schemeClr>
+        </a:solidFill>
+        <a:gradFill rotWithShape="1">
+          <a:gsLst>
+            <a:gs pos="0">
+              <a:schemeClr val="phClr">
+                <a:tint val="93000"/>
+                <a:satMod val="150000"/>
+                <a:shade val="98000"/>
+                <a:lumMod val="102000"/>
+              </a:schemeClr>
+            </a:gs>
+            <a:gs pos="50000">
+              <a:schemeClr val="phClr">
+                <a:tint val="98000"/>
+                <a:satMod val="130000"/>
+                <a:shade val="90000"/>
+                <a:lumMod val="103000"/>
+              </a:schemeClr>
+            </a:gs>
+            <a:gs pos="100000">
+              <a:schemeClr val="phClr">
+                <a:shade val="63000"/>
+                <a:satMod val="120000"/>
+              </a:schemeClr>
+            </a:gs>
+          </a:gsLst>
+          <a:lin ang="5400000" scaled="0"/>
+        </a:gradFill>
+      </a:bgFillStyleLst>
+    </a:fmtScheme>
+  </a:themeElements>
+  <a:objectDefaults/>
+  <a:extraClrSchemeLst/>
+  <a:extLst>
+    <a:ext uri="{05A4C25C-085E-4340-85A3-A5531E510DB2}">
+      <thm15:themeFamily xmlns:thm15="http://schemas.microsoft.com/office/thememl/2012/main" name="Office Theme" id="{62F939B6-93AF-4DB8-9C6B-D6C7DFDC589F}" vid="{4A3C46E8-61CC-4603-A589-7422A47A8E4A}"/>
+    </a:ext>
+  </a:extLst>
+</a:theme>
 </file>